--- a/Merged/Output/fig/pptx/covid_graph.pptx
+++ b/Merged/Output/fig/pptx/covid_graph.pptx
@@ -6,12 +6,16 @@
   </p:sldMasterIdLst>
   <p:sldIdLst>
     <p:sldId id="257" r:id="rId2"/>
-    <p:sldId id="256" r:id="rId3"/>
-    <p:sldId id="262" r:id="rId4"/>
-    <p:sldId id="259" r:id="rId5"/>
-    <p:sldId id="261" r:id="rId6"/>
-    <p:sldId id="263" r:id="rId7"/>
-    <p:sldId id="258" r:id="rId8"/>
+    <p:sldId id="266" r:id="rId3"/>
+    <p:sldId id="265" r:id="rId4"/>
+    <p:sldId id="256" r:id="rId5"/>
+    <p:sldId id="262" r:id="rId6"/>
+    <p:sldId id="267" r:id="rId7"/>
+    <p:sldId id="264" r:id="rId8"/>
+    <p:sldId id="259" r:id="rId9"/>
+    <p:sldId id="261" r:id="rId10"/>
+    <p:sldId id="263" r:id="rId11"/>
+    <p:sldId id="258" r:id="rId12"/>
   </p:sldIdLst>
   <p:sldSz cx="12192000" cy="6858000"/>
   <p:notesSz cx="6858000" cy="9144000"/>
@@ -118,6 +122,146 @@
 </p:presentation>
 </file>
 
+<file path=ppt/revisionInfo.xml><?xml version="1.0" encoding="utf-8"?>
+<p1510:revInfo xmlns:a="http://schemas.openxmlformats.org/drawingml/2006/main" xmlns:r="http://schemas.openxmlformats.org/officeDocument/2006/relationships" xmlns:p1510="http://schemas.microsoft.com/office/powerpoint/2015/10/main">
+  <p1510:revLst>
+    <p1510:client id="{E22E5BB7-CD1F-7340-935F-A940F314ABAF}" v="65" dt="2022-09-01T22:21:20.776"/>
+  </p1510:revLst>
+</p1510:revInfo>
+</file>
+
+<file path=ppt/changesInfos/changesInfo1.xml><?xml version="1.0" encoding="utf-8"?>
+<pc:chgInfo xmlns:a="http://schemas.openxmlformats.org/drawingml/2006/main" xmlns:r="http://schemas.openxmlformats.org/officeDocument/2006/relationships" xmlns:ac="http://schemas.microsoft.com/office/drawing/2013/main/command" xmlns:pc="http://schemas.microsoft.com/office/powerpoint/2013/main/command">
+  <pc:docChgLst>
+    <pc:chgData name="Fan, Haoxue" userId="b18e6d19-ba76-4460-b207-b07dff247cb6" providerId="ADAL" clId="{E22E5BB7-CD1F-7340-935F-A940F314ABAF}"/>
+    <pc:docChg chg="undo custSel addSld modSld">
+      <pc:chgData name="Fan, Haoxue" userId="b18e6d19-ba76-4460-b207-b07dff247cb6" providerId="ADAL" clId="{E22E5BB7-CD1F-7340-935F-A940F314ABAF}" dt="2022-09-01T22:21:27.358" v="168" actId="1038"/>
+      <pc:docMkLst>
+        <pc:docMk/>
+      </pc:docMkLst>
+      <pc:sldChg chg="modSp add mod">
+        <pc:chgData name="Fan, Haoxue" userId="b18e6d19-ba76-4460-b207-b07dff247cb6" providerId="ADAL" clId="{E22E5BB7-CD1F-7340-935F-A940F314ABAF}" dt="2022-09-01T05:18:56.152" v="74" actId="1036"/>
+        <pc:sldMkLst>
+          <pc:docMk/>
+          <pc:sldMk cId="3856042665" sldId="266"/>
+        </pc:sldMkLst>
+        <pc:spChg chg="mod">
+          <ac:chgData name="Fan, Haoxue" userId="b18e6d19-ba76-4460-b207-b07dff247cb6" providerId="ADAL" clId="{E22E5BB7-CD1F-7340-935F-A940F314ABAF}" dt="2022-09-01T05:18:49.533" v="66" actId="1035"/>
+          <ac:spMkLst>
+            <pc:docMk/>
+            <pc:sldMk cId="3856042665" sldId="266"/>
+            <ac:spMk id="15" creationId="{2D648060-0806-C02F-47D3-B992E3DE628C}"/>
+          </ac:spMkLst>
+        </pc:spChg>
+        <pc:spChg chg="mod">
+          <ac:chgData name="Fan, Haoxue" userId="b18e6d19-ba76-4460-b207-b07dff247cb6" providerId="ADAL" clId="{E22E5BB7-CD1F-7340-935F-A940F314ABAF}" dt="2022-09-01T05:18:49.533" v="66" actId="1035"/>
+          <ac:spMkLst>
+            <pc:docMk/>
+            <pc:sldMk cId="3856042665" sldId="266"/>
+            <ac:spMk id="16" creationId="{23ED1619-745A-6D24-E6AD-226C560CF606}"/>
+          </ac:spMkLst>
+        </pc:spChg>
+        <pc:picChg chg="mod">
+          <ac:chgData name="Fan, Haoxue" userId="b18e6d19-ba76-4460-b207-b07dff247cb6" providerId="ADAL" clId="{E22E5BB7-CD1F-7340-935F-A940F314ABAF}" dt="2022-09-01T05:18:56.152" v="74" actId="1036"/>
+          <ac:picMkLst>
+            <pc:docMk/>
+            <pc:sldMk cId="3856042665" sldId="266"/>
+            <ac:picMk id="10" creationId="{5D0B78D3-2DB1-FA8C-62D9-58FB2EB45467}"/>
+          </ac:picMkLst>
+        </pc:picChg>
+        <pc:picChg chg="mod">
+          <ac:chgData name="Fan, Haoxue" userId="b18e6d19-ba76-4460-b207-b07dff247cb6" providerId="ADAL" clId="{E22E5BB7-CD1F-7340-935F-A940F314ABAF}" dt="2022-09-01T05:18:56.152" v="74" actId="1036"/>
+          <ac:picMkLst>
+            <pc:docMk/>
+            <pc:sldMk cId="3856042665" sldId="266"/>
+            <ac:picMk id="12" creationId="{78EEF428-3E8C-D6ED-C54C-E703CA7F0909}"/>
+          </ac:picMkLst>
+        </pc:picChg>
+      </pc:sldChg>
+      <pc:sldChg chg="addSp delSp modSp add mod">
+        <pc:chgData name="Fan, Haoxue" userId="b18e6d19-ba76-4460-b207-b07dff247cb6" providerId="ADAL" clId="{E22E5BB7-CD1F-7340-935F-A940F314ABAF}" dt="2022-09-01T22:21:27.358" v="168" actId="1038"/>
+        <pc:sldMkLst>
+          <pc:docMk/>
+          <pc:sldMk cId="817930908" sldId="267"/>
+        </pc:sldMkLst>
+        <pc:spChg chg="mod">
+          <ac:chgData name="Fan, Haoxue" userId="b18e6d19-ba76-4460-b207-b07dff247cb6" providerId="ADAL" clId="{E22E5BB7-CD1F-7340-935F-A940F314ABAF}" dt="2022-09-01T22:21:27.358" v="168" actId="1038"/>
+          <ac:spMkLst>
+            <pc:docMk/>
+            <pc:sldMk cId="817930908" sldId="267"/>
+            <ac:spMk id="6" creationId="{591DFC6B-EE6A-DBC9-346B-A4F682A4A540}"/>
+          </ac:spMkLst>
+        </pc:spChg>
+        <pc:spChg chg="mod">
+          <ac:chgData name="Fan, Haoxue" userId="b18e6d19-ba76-4460-b207-b07dff247cb6" providerId="ADAL" clId="{E22E5BB7-CD1F-7340-935F-A940F314ABAF}" dt="2022-09-01T18:13:12.919" v="158" actId="1036"/>
+          <ac:spMkLst>
+            <pc:docMk/>
+            <pc:sldMk cId="817930908" sldId="267"/>
+            <ac:spMk id="11" creationId="{FC632005-FB62-C982-B4E4-AE9599EBDB91}"/>
+          </ac:spMkLst>
+        </pc:spChg>
+        <pc:spChg chg="mod">
+          <ac:chgData name="Fan, Haoxue" userId="b18e6d19-ba76-4460-b207-b07dff247cb6" providerId="ADAL" clId="{E22E5BB7-CD1F-7340-935F-A940F314ABAF}" dt="2022-09-01T18:13:20.040" v="159" actId="166"/>
+          <ac:spMkLst>
+            <pc:docMk/>
+            <pc:sldMk cId="817930908" sldId="267"/>
+            <ac:spMk id="12" creationId="{98083C71-D38B-F2F8-72F5-C754FA6CD17A}"/>
+          </ac:spMkLst>
+        </pc:spChg>
+        <pc:picChg chg="add mod">
+          <ac:chgData name="Fan, Haoxue" userId="b18e6d19-ba76-4460-b207-b07dff247cb6" providerId="ADAL" clId="{E22E5BB7-CD1F-7340-935F-A940F314ABAF}" dt="2022-09-01T18:13:05.179" v="133" actId="1035"/>
+          <ac:picMkLst>
+            <pc:docMk/>
+            <pc:sldMk cId="817930908" sldId="267"/>
+            <ac:picMk id="13" creationId="{8DDF6171-A118-2201-C77D-E0ED19A53C39}"/>
+          </ac:picMkLst>
+        </pc:picChg>
+        <pc:picChg chg="add mod">
+          <ac:chgData name="Fan, Haoxue" userId="b18e6d19-ba76-4460-b207-b07dff247cb6" providerId="ADAL" clId="{E22E5BB7-CD1F-7340-935F-A940F314ABAF}" dt="2022-09-01T18:13:05.179" v="133" actId="1035"/>
+          <ac:picMkLst>
+            <pc:docMk/>
+            <pc:sldMk cId="817930908" sldId="267"/>
+            <ac:picMk id="14" creationId="{6623D51D-38AA-9C0E-B7B6-113BF7D50419}"/>
+          </ac:picMkLst>
+        </pc:picChg>
+        <pc:picChg chg="mod">
+          <ac:chgData name="Fan, Haoxue" userId="b18e6d19-ba76-4460-b207-b07dff247cb6" providerId="ADAL" clId="{E22E5BB7-CD1F-7340-935F-A940F314ABAF}" dt="2022-09-01T18:13:05.179" v="133" actId="1035"/>
+          <ac:picMkLst>
+            <pc:docMk/>
+            <pc:sldMk cId="817930908" sldId="267"/>
+            <ac:picMk id="17" creationId="{A79EE7D8-7E84-A642-87ED-04FD62B8F967}"/>
+          </ac:picMkLst>
+        </pc:picChg>
+        <pc:picChg chg="del">
+          <ac:chgData name="Fan, Haoxue" userId="b18e6d19-ba76-4460-b207-b07dff247cb6" providerId="ADAL" clId="{E22E5BB7-CD1F-7340-935F-A940F314ABAF}" dt="2022-09-01T18:11:49.228" v="76" actId="21"/>
+          <ac:picMkLst>
+            <pc:docMk/>
+            <pc:sldMk cId="817930908" sldId="267"/>
+            <ac:picMk id="20" creationId="{90EA4CC3-840F-EF41-E2D4-1DD8F941018F}"/>
+          </ac:picMkLst>
+        </pc:picChg>
+        <pc:picChg chg="mod">
+          <ac:chgData name="Fan, Haoxue" userId="b18e6d19-ba76-4460-b207-b07dff247cb6" providerId="ADAL" clId="{E22E5BB7-CD1F-7340-935F-A940F314ABAF}" dt="2022-09-01T18:13:05.179" v="133" actId="1035"/>
+          <ac:picMkLst>
+            <pc:docMk/>
+            <pc:sldMk cId="817930908" sldId="267"/>
+            <ac:picMk id="1026" creationId="{AAA93493-990E-CE59-AA16-10D03CB93DED}"/>
+          </ac:picMkLst>
+        </pc:picChg>
+        <pc:picChg chg="del">
+          <ac:chgData name="Fan, Haoxue" userId="b18e6d19-ba76-4460-b207-b07dff247cb6" providerId="ADAL" clId="{E22E5BB7-CD1F-7340-935F-A940F314ABAF}" dt="2022-09-01T18:11:49.228" v="76" actId="21"/>
+          <ac:picMkLst>
+            <pc:docMk/>
+            <pc:sldMk cId="817930908" sldId="267"/>
+            <ac:picMk id="1030" creationId="{427BCB10-51E4-8B6B-1ACF-DA4BDE9245AC}"/>
+          </ac:picMkLst>
+        </pc:picChg>
+      </pc:sldChg>
+    </pc:docChg>
+  </pc:docChgLst>
+</pc:chgInfo>
+</file>
+
 <file path=ppt/slideLayouts/slideLayout1.xml><?xml version="1.0" encoding="utf-8"?>
 <p:sldLayout xmlns:a="http://schemas.openxmlformats.org/drawingml/2006/main" xmlns:r="http://schemas.openxmlformats.org/officeDocument/2006/relationships" xmlns:p="http://schemas.openxmlformats.org/presentationml/2006/main" type="title" preserve="1">
   <p:cSld name="Title Slide">
@@ -265,7 +409,7 @@
           <a:p>
             <a:fld id="{9C1A8FE5-6487-A042-91C9-52C1D4B17324}" type="datetimeFigureOut">
               <a:rPr lang="en-US" smtClean="0"/>
-              <a:t>6/14/22</a:t>
+              <a:t>9/1/22</a:t>
             </a:fld>
             <a:endParaRPr lang="en-US"/>
           </a:p>
@@ -463,7 +607,7 @@
           <a:p>
             <a:fld id="{9C1A8FE5-6487-A042-91C9-52C1D4B17324}" type="datetimeFigureOut">
               <a:rPr lang="en-US" smtClean="0"/>
-              <a:t>6/14/22</a:t>
+              <a:t>9/1/22</a:t>
             </a:fld>
             <a:endParaRPr lang="en-US"/>
           </a:p>
@@ -671,7 +815,7 @@
           <a:p>
             <a:fld id="{9C1A8FE5-6487-A042-91C9-52C1D4B17324}" type="datetimeFigureOut">
               <a:rPr lang="en-US" smtClean="0"/>
-              <a:t>6/14/22</a:t>
+              <a:t>9/1/22</a:t>
             </a:fld>
             <a:endParaRPr lang="en-US"/>
           </a:p>
@@ -869,7 +1013,7 @@
           <a:p>
             <a:fld id="{9C1A8FE5-6487-A042-91C9-52C1D4B17324}" type="datetimeFigureOut">
               <a:rPr lang="en-US" smtClean="0"/>
-              <a:t>6/14/22</a:t>
+              <a:t>9/1/22</a:t>
             </a:fld>
             <a:endParaRPr lang="en-US"/>
           </a:p>
@@ -1144,7 +1288,7 @@
           <a:p>
             <a:fld id="{9C1A8FE5-6487-A042-91C9-52C1D4B17324}" type="datetimeFigureOut">
               <a:rPr lang="en-US" smtClean="0"/>
-              <a:t>6/14/22</a:t>
+              <a:t>9/1/22</a:t>
             </a:fld>
             <a:endParaRPr lang="en-US"/>
           </a:p>
@@ -1409,7 +1553,7 @@
           <a:p>
             <a:fld id="{9C1A8FE5-6487-A042-91C9-52C1D4B17324}" type="datetimeFigureOut">
               <a:rPr lang="en-US" smtClean="0"/>
-              <a:t>6/14/22</a:t>
+              <a:t>9/1/22</a:t>
             </a:fld>
             <a:endParaRPr lang="en-US"/>
           </a:p>
@@ -1821,7 +1965,7 @@
           <a:p>
             <a:fld id="{9C1A8FE5-6487-A042-91C9-52C1D4B17324}" type="datetimeFigureOut">
               <a:rPr lang="en-US" smtClean="0"/>
-              <a:t>6/14/22</a:t>
+              <a:t>9/1/22</a:t>
             </a:fld>
             <a:endParaRPr lang="en-US"/>
           </a:p>
@@ -1962,7 +2106,7 @@
           <a:p>
             <a:fld id="{9C1A8FE5-6487-A042-91C9-52C1D4B17324}" type="datetimeFigureOut">
               <a:rPr lang="en-US" smtClean="0"/>
-              <a:t>6/14/22</a:t>
+              <a:t>9/1/22</a:t>
             </a:fld>
             <a:endParaRPr lang="en-US"/>
           </a:p>
@@ -2075,7 +2219,7 @@
           <a:p>
             <a:fld id="{9C1A8FE5-6487-A042-91C9-52C1D4B17324}" type="datetimeFigureOut">
               <a:rPr lang="en-US" smtClean="0"/>
-              <a:t>6/14/22</a:t>
+              <a:t>9/1/22</a:t>
             </a:fld>
             <a:endParaRPr lang="en-US"/>
           </a:p>
@@ -2386,7 +2530,7 @@
           <a:p>
             <a:fld id="{9C1A8FE5-6487-A042-91C9-52C1D4B17324}" type="datetimeFigureOut">
               <a:rPr lang="en-US" smtClean="0"/>
-              <a:t>6/14/22</a:t>
+              <a:t>9/1/22</a:t>
             </a:fld>
             <a:endParaRPr lang="en-US"/>
           </a:p>
@@ -2674,7 +2818,7 @@
           <a:p>
             <a:fld id="{9C1A8FE5-6487-A042-91C9-52C1D4B17324}" type="datetimeFigureOut">
               <a:rPr lang="en-US" smtClean="0"/>
-              <a:t>6/14/22</a:t>
+              <a:t>9/1/22</a:t>
             </a:fld>
             <a:endParaRPr lang="en-US"/>
           </a:p>
@@ -2915,7 +3059,7 @@
           <a:p>
             <a:fld id="{9C1A8FE5-6487-A042-91C9-52C1D4B17324}" type="datetimeFigureOut">
               <a:rPr lang="en-US" smtClean="0"/>
-              <a:t>6/14/22</a:t>
+              <a:t>9/1/22</a:t>
             </a:fld>
             <a:endParaRPr lang="en-US"/>
           </a:p>
@@ -3316,6 +3460,166 @@
 </file>
 
 <file path=ppt/slides/slide1.xml><?xml version="1.0" encoding="utf-8"?>
+<p:sld xmlns:a="http://schemas.openxmlformats.org/drawingml/2006/main" xmlns:r="http://schemas.openxmlformats.org/officeDocument/2006/relationships" xmlns:p="http://schemas.openxmlformats.org/presentationml/2006/main" show="0">
+  <p:cSld>
+    <p:spTree>
+      <p:nvGrpSpPr>
+        <p:cNvPr id="1" name=""/>
+        <p:cNvGrpSpPr/>
+        <p:nvPr/>
+      </p:nvGrpSpPr>
+      <p:grpSpPr>
+        <a:xfrm>
+          <a:off x="0" y="0"/>
+          <a:ext cx="0" cy="0"/>
+          <a:chOff x="0" y="0"/>
+          <a:chExt cx="0" cy="0"/>
+        </a:xfrm>
+      </p:grpSpPr>
+      <p:pic>
+        <p:nvPicPr>
+          <p:cNvPr id="10" name="Picture 9" descr="Chart, box and whisker chart&#10;&#10;Description automatically generated">
+            <a:extLst>
+              <a:ext uri="{FF2B5EF4-FFF2-40B4-BE49-F238E27FC236}">
+                <a16:creationId xmlns:a16="http://schemas.microsoft.com/office/drawing/2014/main" id="{5D0B78D3-2DB1-FA8C-62D9-58FB2EB45467}"/>
+              </a:ext>
+            </a:extLst>
+          </p:cNvPr>
+          <p:cNvPicPr>
+            <a:picLocks noChangeAspect="1"/>
+          </p:cNvPicPr>
+          <p:nvPr/>
+        </p:nvPicPr>
+        <p:blipFill>
+          <a:blip r:embed="rId2"/>
+          <a:stretch>
+            <a:fillRect/>
+          </a:stretch>
+        </p:blipFill>
+        <p:spPr>
+          <a:xfrm>
+            <a:off x="24714" y="284413"/>
+            <a:ext cx="4267200" cy="3657600"/>
+          </a:xfrm>
+          <a:prstGeom prst="rect">
+            <a:avLst/>
+          </a:prstGeom>
+        </p:spPr>
+      </p:pic>
+      <p:sp>
+        <p:nvSpPr>
+          <p:cNvPr id="15" name="TextBox 14">
+            <a:extLst>
+              <a:ext uri="{FF2B5EF4-FFF2-40B4-BE49-F238E27FC236}">
+                <a16:creationId xmlns:a16="http://schemas.microsoft.com/office/drawing/2014/main" id="{2D648060-0806-C02F-47D3-B992E3DE628C}"/>
+              </a:ext>
+            </a:extLst>
+          </p:cNvPr>
+          <p:cNvSpPr txBox="1"/>
+          <p:nvPr/>
+        </p:nvSpPr>
+        <p:spPr>
+          <a:xfrm>
+            <a:off x="91440" y="93913"/>
+            <a:ext cx="369012" cy="553998"/>
+          </a:xfrm>
+          <a:prstGeom prst="rect">
+            <a:avLst/>
+          </a:prstGeom>
+          <a:noFill/>
+        </p:spPr>
+        <p:txBody>
+          <a:bodyPr wrap="none" rtlCol="0">
+            <a:spAutoFit/>
+          </a:bodyPr>
+          <a:lstStyle/>
+          <a:p>
+            <a:r>
+              <a:rPr lang="en-US" sz="3000" dirty="0"/>
+              <a:t>a</a:t>
+            </a:r>
+          </a:p>
+        </p:txBody>
+      </p:sp>
+      <p:sp>
+        <p:nvSpPr>
+          <p:cNvPr id="16" name="TextBox 15">
+            <a:extLst>
+              <a:ext uri="{FF2B5EF4-FFF2-40B4-BE49-F238E27FC236}">
+                <a16:creationId xmlns:a16="http://schemas.microsoft.com/office/drawing/2014/main" id="{23ED1619-745A-6D24-E6AD-226C560CF606}"/>
+              </a:ext>
+            </a:extLst>
+          </p:cNvPr>
+          <p:cNvSpPr txBox="1"/>
+          <p:nvPr/>
+        </p:nvSpPr>
+        <p:spPr>
+          <a:xfrm>
+            <a:off x="3971996" y="99271"/>
+            <a:ext cx="386644" cy="553998"/>
+          </a:xfrm>
+          <a:prstGeom prst="rect">
+            <a:avLst/>
+          </a:prstGeom>
+          <a:noFill/>
+        </p:spPr>
+        <p:txBody>
+          <a:bodyPr wrap="none" rtlCol="0">
+            <a:spAutoFit/>
+          </a:bodyPr>
+          <a:lstStyle/>
+          <a:p>
+            <a:r>
+              <a:rPr lang="en-US" sz="3000" dirty="0"/>
+              <a:t>b</a:t>
+            </a:r>
+          </a:p>
+        </p:txBody>
+      </p:sp>
+      <p:pic>
+        <p:nvPicPr>
+          <p:cNvPr id="12" name="Picture 11" descr="Chart, scatter chart&#10;&#10;Description automatically generated">
+            <a:extLst>
+              <a:ext uri="{FF2B5EF4-FFF2-40B4-BE49-F238E27FC236}">
+                <a16:creationId xmlns:a16="http://schemas.microsoft.com/office/drawing/2014/main" id="{78EEF428-3E8C-D6ED-C54C-E703CA7F0909}"/>
+              </a:ext>
+            </a:extLst>
+          </p:cNvPr>
+          <p:cNvPicPr>
+            <a:picLocks noChangeAspect="1"/>
+          </p:cNvPicPr>
+          <p:nvPr/>
+        </p:nvPicPr>
+        <p:blipFill>
+          <a:blip r:embed="rId3"/>
+          <a:stretch>
+            <a:fillRect/>
+          </a:stretch>
+        </p:blipFill>
+        <p:spPr>
+          <a:xfrm>
+            <a:off x="4358640" y="284413"/>
+            <a:ext cx="4267200" cy="3657600"/>
+          </a:xfrm>
+          <a:prstGeom prst="rect">
+            <a:avLst/>
+          </a:prstGeom>
+        </p:spPr>
+      </p:pic>
+    </p:spTree>
+    <p:extLst>
+      <p:ext uri="{BB962C8B-B14F-4D97-AF65-F5344CB8AC3E}">
+        <p14:creationId xmlns:p14="http://schemas.microsoft.com/office/powerpoint/2010/main" val="3124854890"/>
+      </p:ext>
+    </p:extLst>
+  </p:cSld>
+  <p:clrMapOvr>
+    <a:masterClrMapping/>
+  </p:clrMapOvr>
+</p:sld>
+</file>
+
+<file path=ppt/slides/slide10.xml><?xml version="1.0" encoding="utf-8"?>
 <p:sld xmlns:a="http://schemas.openxmlformats.org/drawingml/2006/main" xmlns:r="http://schemas.openxmlformats.org/officeDocument/2006/relationships" xmlns:p="http://schemas.openxmlformats.org/presentationml/2006/main">
   <p:cSld>
     <p:spTree>
@@ -3334,10 +3638,10 @@
       </p:grpSpPr>
       <p:pic>
         <p:nvPicPr>
-          <p:cNvPr id="9" name="Picture 8" descr="Chart, box and whisker chart&#10;&#10;Description automatically generated">
-            <a:extLst>
-              <a:ext uri="{FF2B5EF4-FFF2-40B4-BE49-F238E27FC236}">
-                <a16:creationId xmlns:a16="http://schemas.microsoft.com/office/drawing/2014/main" id="{2BB98C13-C019-2DC6-9231-4F25806130E9}"/>
+          <p:cNvPr id="3" name="Picture 2">
+            <a:extLst>
+              <a:ext uri="{FF2B5EF4-FFF2-40B4-BE49-F238E27FC236}">
+                <a16:creationId xmlns:a16="http://schemas.microsoft.com/office/drawing/2014/main" id="{94EDFDE8-AF90-B977-0A25-7F1FD968864E}"/>
               </a:ext>
             </a:extLst>
           </p:cNvPr>
@@ -3354,20 +3658,228 @@
         </p:blipFill>
         <p:spPr>
           <a:xfrm>
-            <a:off x="24714" y="284413"/>
-            <a:ext cx="4267200" cy="3657600"/>
+            <a:off x="4682073" y="0"/>
+            <a:ext cx="6858000" cy="6858000"/>
           </a:xfrm>
           <a:prstGeom prst="rect">
             <a:avLst/>
           </a:prstGeom>
         </p:spPr>
       </p:pic>
+    </p:spTree>
+    <p:extLst>
+      <p:ext uri="{BB962C8B-B14F-4D97-AF65-F5344CB8AC3E}">
+        <p14:creationId xmlns:p14="http://schemas.microsoft.com/office/powerpoint/2010/main" val="672998204"/>
+      </p:ext>
+    </p:extLst>
+  </p:cSld>
+  <p:clrMapOvr>
+    <a:masterClrMapping/>
+  </p:clrMapOvr>
+</p:sld>
+</file>
+
+<file path=ppt/slides/slide11.xml><?xml version="1.0" encoding="utf-8"?>
+<p:sld xmlns:a="http://schemas.openxmlformats.org/drawingml/2006/main" xmlns:r="http://schemas.openxmlformats.org/officeDocument/2006/relationships" xmlns:p="http://schemas.openxmlformats.org/presentationml/2006/main">
+  <p:cSld>
+    <p:spTree>
+      <p:nvGrpSpPr>
+        <p:cNvPr id="1" name=""/>
+        <p:cNvGrpSpPr/>
+        <p:nvPr/>
+      </p:nvGrpSpPr>
+      <p:grpSpPr>
+        <a:xfrm>
+          <a:off x="0" y="0"/>
+          <a:ext cx="0" cy="0"/>
+          <a:chOff x="0" y="0"/>
+          <a:chExt cx="0" cy="0"/>
+        </a:xfrm>
+      </p:grpSpPr>
+      <p:cxnSp>
+        <p:nvCxnSpPr>
+          <p:cNvPr id="9" name="Straight Arrow Connector 8">
+            <a:extLst>
+              <a:ext uri="{FF2B5EF4-FFF2-40B4-BE49-F238E27FC236}">
+                <a16:creationId xmlns:a16="http://schemas.microsoft.com/office/drawing/2014/main" id="{F08BBB2B-BB4F-089F-0416-B3140A7E0ACE}"/>
+              </a:ext>
+            </a:extLst>
+          </p:cNvPr>
+          <p:cNvCxnSpPr>
+            <a:cxnSpLocks/>
+          </p:cNvCxnSpPr>
+          <p:nvPr/>
+        </p:nvCxnSpPr>
+        <p:spPr>
+          <a:xfrm flipV="1">
+            <a:off x="4102443" y="160638"/>
+            <a:ext cx="0" cy="3645243"/>
+          </a:xfrm>
+          <a:prstGeom prst="straightConnector1">
+            <a:avLst/>
+          </a:prstGeom>
+          <a:ln w="31750">
+            <a:headEnd w="lg" len="lg"/>
+            <a:tailEnd type="triangle"/>
+          </a:ln>
+        </p:spPr>
+        <p:style>
+          <a:lnRef idx="1">
+            <a:schemeClr val="dk1"/>
+          </a:lnRef>
+          <a:fillRef idx="0">
+            <a:schemeClr val="dk1"/>
+          </a:fillRef>
+          <a:effectRef idx="0">
+            <a:schemeClr val="dk1"/>
+          </a:effectRef>
+          <a:fontRef idx="minor">
+            <a:schemeClr val="tx1"/>
+          </a:fontRef>
+        </p:style>
+      </p:cxnSp>
+      <p:sp>
+        <p:nvSpPr>
+          <p:cNvPr id="10" name="TextBox 9">
+            <a:extLst>
+              <a:ext uri="{FF2B5EF4-FFF2-40B4-BE49-F238E27FC236}">
+                <a16:creationId xmlns:a16="http://schemas.microsoft.com/office/drawing/2014/main" id="{58244B80-4CAB-C39B-C40B-82B7E22734A6}"/>
+              </a:ext>
+            </a:extLst>
+          </p:cNvPr>
+          <p:cNvSpPr txBox="1"/>
+          <p:nvPr/>
+        </p:nvSpPr>
+        <p:spPr>
+          <a:xfrm>
+            <a:off x="1371600" y="160638"/>
+            <a:ext cx="2682145" cy="830997"/>
+          </a:xfrm>
+          <a:prstGeom prst="rect">
+            <a:avLst/>
+          </a:prstGeom>
+          <a:noFill/>
+        </p:spPr>
+        <p:txBody>
+          <a:bodyPr wrap="none" rtlCol="0">
+            <a:spAutoFit/>
+          </a:bodyPr>
+          <a:lstStyle/>
+          <a:p>
+            <a:r>
+              <a:rPr lang="en-US" sz="2400" dirty="0">
+                <a:latin typeface="Arial" panose="020B0604020202020204" pitchFamily="34" charset="0"/>
+                <a:cs typeface="Arial" panose="020B0604020202020204" pitchFamily="34" charset="0"/>
+              </a:rPr>
+              <a:t>Overestimation of </a:t>
+            </a:r>
+          </a:p>
+          <a:p>
+            <a:r>
+              <a:rPr lang="en-US" sz="2400" dirty="0">
+                <a:latin typeface="Arial" panose="020B0604020202020204" pitchFamily="34" charset="0"/>
+                <a:cs typeface="Arial" panose="020B0604020202020204" pitchFamily="34" charset="0"/>
+              </a:rPr>
+              <a:t>Previous Stress</a:t>
+            </a:r>
+          </a:p>
+        </p:txBody>
+      </p:sp>
+      <p:sp>
+        <p:nvSpPr>
+          <p:cNvPr id="11" name="TextBox 10">
+            <a:extLst>
+              <a:ext uri="{FF2B5EF4-FFF2-40B4-BE49-F238E27FC236}">
+                <a16:creationId xmlns:a16="http://schemas.microsoft.com/office/drawing/2014/main" id="{DA80D186-1C4D-443E-5737-664723057A58}"/>
+              </a:ext>
+            </a:extLst>
+          </p:cNvPr>
+          <p:cNvSpPr txBox="1"/>
+          <p:nvPr/>
+        </p:nvSpPr>
+        <p:spPr>
+          <a:xfrm>
+            <a:off x="1371600" y="4712043"/>
+            <a:ext cx="2855269" cy="830997"/>
+          </a:xfrm>
+          <a:prstGeom prst="rect">
+            <a:avLst/>
+          </a:prstGeom>
+          <a:noFill/>
+        </p:spPr>
+        <p:txBody>
+          <a:bodyPr wrap="none" rtlCol="0">
+            <a:spAutoFit/>
+          </a:bodyPr>
+          <a:lstStyle/>
+          <a:p>
+            <a:r>
+              <a:rPr lang="en-US" sz="2400" dirty="0">
+                <a:latin typeface="Arial" panose="020B0604020202020204" pitchFamily="34" charset="0"/>
+                <a:cs typeface="Arial" panose="020B0604020202020204" pitchFamily="34" charset="0"/>
+              </a:rPr>
+              <a:t>Underestimation of </a:t>
+            </a:r>
+          </a:p>
+          <a:p>
+            <a:r>
+              <a:rPr lang="en-US" sz="2400" dirty="0">
+                <a:latin typeface="Arial" panose="020B0604020202020204" pitchFamily="34" charset="0"/>
+                <a:cs typeface="Arial" panose="020B0604020202020204" pitchFamily="34" charset="0"/>
+              </a:rPr>
+              <a:t>Previous Stress</a:t>
+            </a:r>
+          </a:p>
+        </p:txBody>
+      </p:sp>
+      <p:cxnSp>
+        <p:nvCxnSpPr>
+          <p:cNvPr id="12" name="Straight Arrow Connector 11">
+            <a:extLst>
+              <a:ext uri="{FF2B5EF4-FFF2-40B4-BE49-F238E27FC236}">
+                <a16:creationId xmlns:a16="http://schemas.microsoft.com/office/drawing/2014/main" id="{7F31DE40-6E89-B153-2FD6-DFD21AEC3D6E}"/>
+              </a:ext>
+            </a:extLst>
+          </p:cNvPr>
+          <p:cNvCxnSpPr>
+            <a:cxnSpLocks/>
+          </p:cNvCxnSpPr>
+          <p:nvPr/>
+        </p:nvCxnSpPr>
+        <p:spPr>
+          <a:xfrm flipV="1">
+            <a:off x="4102443" y="3917092"/>
+            <a:ext cx="0" cy="1625948"/>
+          </a:xfrm>
+          <a:prstGeom prst="straightConnector1">
+            <a:avLst/>
+          </a:prstGeom>
+          <a:ln w="31750">
+            <a:headEnd type="triangle"/>
+            <a:tailEnd type="none" w="lg" len="lg"/>
+          </a:ln>
+        </p:spPr>
+        <p:style>
+          <a:lnRef idx="1">
+            <a:schemeClr val="dk1"/>
+          </a:lnRef>
+          <a:fillRef idx="0">
+            <a:schemeClr val="dk1"/>
+          </a:fillRef>
+          <a:effectRef idx="0">
+            <a:schemeClr val="dk1"/>
+          </a:effectRef>
+          <a:fontRef idx="minor">
+            <a:schemeClr val="tx1"/>
+          </a:fontRef>
+        </p:style>
+      </p:cxnSp>
       <p:pic>
         <p:nvPicPr>
-          <p:cNvPr id="11" name="Picture 10" descr="Chart, scatter chart&#10;&#10;Description automatically generated">
-            <a:extLst>
-              <a:ext uri="{FF2B5EF4-FFF2-40B4-BE49-F238E27FC236}">
-                <a16:creationId xmlns:a16="http://schemas.microsoft.com/office/drawing/2014/main" id="{D9221AA0-C833-24BB-F7AD-33D9D7F385A6}"/>
+          <p:cNvPr id="25" name="Picture 24" descr="Chart&#10;&#10;Description automatically generated with medium confidence">
+            <a:extLst>
+              <a:ext uri="{FF2B5EF4-FFF2-40B4-BE49-F238E27FC236}">
+                <a16:creationId xmlns:a16="http://schemas.microsoft.com/office/drawing/2014/main" id="{AF91A413-C3A5-07BC-397D-CB45AE8D8063}"/>
               </a:ext>
             </a:extLst>
           </p:cNvPr>
@@ -3377,95 +3889,25 @@
           <p:nvPr/>
         </p:nvPicPr>
         <p:blipFill>
-          <a:blip r:embed="rId3"/>
+          <a:blip r:embed="rId2"/>
           <a:stretch>
             <a:fillRect/>
           </a:stretch>
         </p:blipFill>
         <p:spPr>
           <a:xfrm>
-            <a:off x="4358640" y="284413"/>
-            <a:ext cx="4267200" cy="3657600"/>
+            <a:off x="4151142" y="0"/>
+            <a:ext cx="6858000" cy="6858000"/>
           </a:xfrm>
           <a:prstGeom prst="rect">
             <a:avLst/>
           </a:prstGeom>
         </p:spPr>
       </p:pic>
-      <p:sp>
-        <p:nvSpPr>
-          <p:cNvPr id="15" name="TextBox 14">
-            <a:extLst>
-              <a:ext uri="{FF2B5EF4-FFF2-40B4-BE49-F238E27FC236}">
-                <a16:creationId xmlns:a16="http://schemas.microsoft.com/office/drawing/2014/main" id="{2D648060-0806-C02F-47D3-B992E3DE628C}"/>
-              </a:ext>
-            </a:extLst>
-          </p:cNvPr>
-          <p:cNvSpPr txBox="1"/>
-          <p:nvPr/>
-        </p:nvSpPr>
-        <p:spPr>
-          <a:xfrm>
-            <a:off x="91440" y="93913"/>
-            <a:ext cx="369012" cy="553998"/>
-          </a:xfrm>
-          <a:prstGeom prst="rect">
-            <a:avLst/>
-          </a:prstGeom>
-          <a:noFill/>
-        </p:spPr>
-        <p:txBody>
-          <a:bodyPr wrap="none" rtlCol="0">
-            <a:spAutoFit/>
-          </a:bodyPr>
-          <a:lstStyle/>
-          <a:p>
-            <a:r>
-              <a:rPr lang="en-US" sz="3000" dirty="0"/>
-              <a:t>a</a:t>
-            </a:r>
-          </a:p>
-        </p:txBody>
-      </p:sp>
-      <p:sp>
-        <p:nvSpPr>
-          <p:cNvPr id="16" name="TextBox 15">
-            <a:extLst>
-              <a:ext uri="{FF2B5EF4-FFF2-40B4-BE49-F238E27FC236}">
-                <a16:creationId xmlns:a16="http://schemas.microsoft.com/office/drawing/2014/main" id="{23ED1619-745A-6D24-E6AD-226C560CF606}"/>
-              </a:ext>
-            </a:extLst>
-          </p:cNvPr>
-          <p:cNvSpPr txBox="1"/>
-          <p:nvPr/>
-        </p:nvSpPr>
-        <p:spPr>
-          <a:xfrm>
-            <a:off x="3971996" y="99271"/>
-            <a:ext cx="386644" cy="553998"/>
-          </a:xfrm>
-          <a:prstGeom prst="rect">
-            <a:avLst/>
-          </a:prstGeom>
-          <a:noFill/>
-        </p:spPr>
-        <p:txBody>
-          <a:bodyPr wrap="none" rtlCol="0">
-            <a:spAutoFit/>
-          </a:bodyPr>
-          <a:lstStyle/>
-          <a:p>
-            <a:r>
-              <a:rPr lang="en-US" sz="3000" dirty="0"/>
-              <a:t>b</a:t>
-            </a:r>
-          </a:p>
-        </p:txBody>
-      </p:sp>
     </p:spTree>
     <p:extLst>
       <p:ext uri="{BB962C8B-B14F-4D97-AF65-F5344CB8AC3E}">
-        <p14:creationId xmlns:p14="http://schemas.microsoft.com/office/powerpoint/2010/main" val="3124854890"/>
+        <p14:creationId xmlns:p14="http://schemas.microsoft.com/office/powerpoint/2010/main" val="571879346"/>
       </p:ext>
     </p:extLst>
   </p:cSld>
@@ -3476,7 +3918,7 @@
 </file>
 
 <file path=ppt/slides/slide2.xml><?xml version="1.0" encoding="utf-8"?>
-<p:sld xmlns:a="http://schemas.openxmlformats.org/drawingml/2006/main" xmlns:r="http://schemas.openxmlformats.org/officeDocument/2006/relationships" xmlns:p="http://schemas.openxmlformats.org/presentationml/2006/main">
+<p:sld xmlns:a="http://schemas.openxmlformats.org/drawingml/2006/main" xmlns:r="http://schemas.openxmlformats.org/officeDocument/2006/relationships" xmlns:p="http://schemas.openxmlformats.org/presentationml/2006/main" show="0">
   <p:cSld>
     <p:spTree>
       <p:nvGrpSpPr>
@@ -3494,10 +3936,10 @@
       </p:grpSpPr>
       <p:pic>
         <p:nvPicPr>
-          <p:cNvPr id="8" name="Picture 7" descr="Chart, box and whisker chart&#10;&#10;Description automatically generated">
-            <a:extLst>
-              <a:ext uri="{FF2B5EF4-FFF2-40B4-BE49-F238E27FC236}">
-                <a16:creationId xmlns:a16="http://schemas.microsoft.com/office/drawing/2014/main" id="{9FF62FE6-451B-951B-5ADD-571169F11661}"/>
+          <p:cNvPr id="10" name="Picture 9" descr="Chart, box and whisker chart&#10;&#10;Description automatically generated">
+            <a:extLst>
+              <a:ext uri="{FF2B5EF4-FFF2-40B4-BE49-F238E27FC236}">
+                <a16:creationId xmlns:a16="http://schemas.microsoft.com/office/drawing/2014/main" id="{5D0B78D3-2DB1-FA8C-62D9-58FB2EB45467}"/>
               </a:ext>
             </a:extLst>
           </p:cNvPr>
@@ -3514,8 +3956,8 @@
         </p:blipFill>
         <p:spPr>
           <a:xfrm>
-            <a:off x="3415410" y="3209544"/>
-            <a:ext cx="2935224" cy="2935224"/>
+            <a:off x="4272788" y="360613"/>
+            <a:ext cx="4267200" cy="3657600"/>
           </a:xfrm>
           <a:prstGeom prst="rect">
             <a:avLst/>
@@ -3524,10 +3966,10 @@
       </p:pic>
       <p:pic>
         <p:nvPicPr>
-          <p:cNvPr id="15" name="Picture 14" descr="Chart, scatter chart&#10;&#10;Description automatically generated">
-            <a:extLst>
-              <a:ext uri="{FF2B5EF4-FFF2-40B4-BE49-F238E27FC236}">
-                <a16:creationId xmlns:a16="http://schemas.microsoft.com/office/drawing/2014/main" id="{E77C7DDD-A693-A54F-D3ED-F553097B8BDD}"/>
+          <p:cNvPr id="12" name="Picture 11" descr="Chart, scatter chart&#10;&#10;Description automatically generated">
+            <a:extLst>
+              <a:ext uri="{FF2B5EF4-FFF2-40B4-BE49-F238E27FC236}">
+                <a16:creationId xmlns:a16="http://schemas.microsoft.com/office/drawing/2014/main" id="{78EEF428-3E8C-D6ED-C54C-E703CA7F0909}"/>
               </a:ext>
             </a:extLst>
           </p:cNvPr>
@@ -3544,67 +3986,20 @@
         </p:blipFill>
         <p:spPr>
           <a:xfrm>
-            <a:off x="3415410" y="0"/>
-            <a:ext cx="2935224" cy="2935224"/>
+            <a:off x="27432" y="360613"/>
+            <a:ext cx="4267200" cy="3657600"/>
           </a:xfrm>
           <a:prstGeom prst="rect">
             <a:avLst/>
           </a:prstGeom>
         </p:spPr>
       </p:pic>
-      <p:pic>
-        <p:nvPicPr>
-          <p:cNvPr id="1026" name="Picture 2">
-            <a:extLst>
-              <a:ext uri="{FF2B5EF4-FFF2-40B4-BE49-F238E27FC236}">
-                <a16:creationId xmlns:a16="http://schemas.microsoft.com/office/drawing/2014/main" id="{AAA93493-990E-CE59-AA16-10D03CB93DED}"/>
-              </a:ext>
-            </a:extLst>
-          </p:cNvPr>
-          <p:cNvPicPr>
-            <a:picLocks noChangeAspect="1" noChangeArrowheads="1"/>
-          </p:cNvPicPr>
-          <p:nvPr/>
-        </p:nvPicPr>
-        <p:blipFill>
-          <a:blip r:embed="rId4">
-            <a:extLst>
-              <a:ext uri="{28A0092B-C50C-407E-A947-70E740481C1C}">
-                <a14:useLocalDpi xmlns:a14="http://schemas.microsoft.com/office/drawing/2010/main" val="0"/>
-              </a:ext>
-            </a:extLst>
-          </a:blip>
-          <a:srcRect/>
-          <a:stretch>
-            <a:fillRect/>
-          </a:stretch>
-        </p:blipFill>
-        <p:spPr bwMode="auto">
-          <a:xfrm>
-            <a:off x="182880" y="0"/>
-            <a:ext cx="3227831" cy="3227831"/>
-          </a:xfrm>
-          <a:prstGeom prst="rect">
-            <a:avLst/>
-          </a:prstGeom>
-          <a:noFill/>
-          <a:extLst>
-            <a:ext uri="{909E8E84-426E-40DD-AFC4-6F175D3DCCD1}">
-              <a14:hiddenFill xmlns:a14="http://schemas.microsoft.com/office/drawing/2010/main">
-                <a:solidFill>
-                  <a:srgbClr val="FFFFFF"/>
-                </a:solidFill>
-              </a14:hiddenFill>
-            </a:ext>
-          </a:extLst>
-        </p:spPr>
-      </p:pic>
-      <p:sp>
-        <p:nvSpPr>
-          <p:cNvPr id="4" name="TextBox 3">
-            <a:extLst>
-              <a:ext uri="{FF2B5EF4-FFF2-40B4-BE49-F238E27FC236}">
-                <a16:creationId xmlns:a16="http://schemas.microsoft.com/office/drawing/2014/main" id="{30A663DB-2E51-B05F-30FC-58354FF142F5}"/>
+      <p:sp>
+        <p:nvSpPr>
+          <p:cNvPr id="15" name="TextBox 14">
+            <a:extLst>
+              <a:ext uri="{FF2B5EF4-FFF2-40B4-BE49-F238E27FC236}">
+                <a16:creationId xmlns:a16="http://schemas.microsoft.com/office/drawing/2014/main" id="{2D648060-0806-C02F-47D3-B992E3DE628C}"/>
               </a:ext>
             </a:extLst>
           </p:cNvPr>
@@ -3613,89 +4008,7 @@
         </p:nvSpPr>
         <p:spPr>
           <a:xfrm>
-            <a:off x="6944499" y="5453278"/>
-            <a:ext cx="155042" cy="646331"/>
-          </a:xfrm>
-          <a:prstGeom prst="rect">
-            <a:avLst/>
-          </a:prstGeom>
-          <a:noFill/>
-        </p:spPr>
-        <p:txBody>
-          <a:bodyPr wrap="square" rtlCol="0">
-            <a:spAutoFit/>
-          </a:bodyPr>
-          <a:lstStyle/>
-          <a:p>
-            <a:endParaRPr lang="en-US" dirty="0"/>
-          </a:p>
-          <a:p>
-            <a:endParaRPr lang="en-US" dirty="0"/>
-          </a:p>
-        </p:txBody>
-      </p:sp>
-      <p:pic>
-        <p:nvPicPr>
-          <p:cNvPr id="1030" name="Picture 6">
-            <a:extLst>
-              <a:ext uri="{FF2B5EF4-FFF2-40B4-BE49-F238E27FC236}">
-                <a16:creationId xmlns:a16="http://schemas.microsoft.com/office/drawing/2014/main" id="{427BCB10-51E4-8B6B-1ACF-DA4BDE9245AC}"/>
-              </a:ext>
-            </a:extLst>
-          </p:cNvPr>
-          <p:cNvPicPr>
-            <a:picLocks noChangeAspect="1" noChangeArrowheads="1"/>
-          </p:cNvPicPr>
-          <p:nvPr/>
-        </p:nvPicPr>
-        <p:blipFill>
-          <a:blip r:embed="rId5">
-            <a:extLst>
-              <a:ext uri="{28A0092B-C50C-407E-A947-70E740481C1C}">
-                <a14:useLocalDpi xmlns:a14="http://schemas.microsoft.com/office/drawing/2010/main" val="0"/>
-              </a:ext>
-            </a:extLst>
-          </a:blip>
-          <a:srcRect/>
-          <a:stretch>
-            <a:fillRect/>
-          </a:stretch>
-        </p:blipFill>
-        <p:spPr bwMode="auto">
-          <a:xfrm>
-            <a:off x="182880" y="2996855"/>
-            <a:ext cx="3284065" cy="3284065"/>
-          </a:xfrm>
-          <a:prstGeom prst="rect">
-            <a:avLst/>
-          </a:prstGeom>
-          <a:noFill/>
-          <a:extLst>
-            <a:ext uri="{909E8E84-426E-40DD-AFC4-6F175D3DCCD1}">
-              <a14:hiddenFill xmlns:a14="http://schemas.microsoft.com/office/drawing/2010/main">
-                <a:solidFill>
-                  <a:srgbClr val="FFFFFF"/>
-                </a:solidFill>
-              </a14:hiddenFill>
-            </a:ext>
-          </a:extLst>
-        </p:spPr>
-      </p:pic>
-      <p:sp>
-        <p:nvSpPr>
-          <p:cNvPr id="5" name="TextBox 4">
-            <a:extLst>
-              <a:ext uri="{FF2B5EF4-FFF2-40B4-BE49-F238E27FC236}">
-                <a16:creationId xmlns:a16="http://schemas.microsoft.com/office/drawing/2014/main" id="{E86FD1C2-B002-534E-3A4B-706D4375B076}"/>
-              </a:ext>
-            </a:extLst>
-          </p:cNvPr>
-          <p:cNvSpPr txBox="1"/>
-          <p:nvPr/>
-        </p:nvSpPr>
-        <p:spPr>
-          <a:xfrm>
-            <a:off x="91440" y="-91440"/>
+            <a:off x="91440" y="-109287"/>
             <a:ext cx="369012" cy="553998"/>
           </a:xfrm>
           <a:prstGeom prst="rect">
@@ -3718,10 +4031,10 @@
       </p:sp>
       <p:sp>
         <p:nvSpPr>
-          <p:cNvPr id="10" name="TextBox 9">
-            <a:extLst>
-              <a:ext uri="{FF2B5EF4-FFF2-40B4-BE49-F238E27FC236}">
-                <a16:creationId xmlns:a16="http://schemas.microsoft.com/office/drawing/2014/main" id="{C741AF86-FDC5-D891-5833-B0D84BDF2906}"/>
+          <p:cNvPr id="16" name="TextBox 15">
+            <a:extLst>
+              <a:ext uri="{FF2B5EF4-FFF2-40B4-BE49-F238E27FC236}">
+                <a16:creationId xmlns:a16="http://schemas.microsoft.com/office/drawing/2014/main" id="{23ED1619-745A-6D24-E6AD-226C560CF606}"/>
               </a:ext>
             </a:extLst>
           </p:cNvPr>
@@ -3730,7 +4043,7 @@
         </p:nvSpPr>
         <p:spPr>
           <a:xfrm>
-            <a:off x="3482136" y="-91440"/>
+            <a:off x="3971996" y="-103929"/>
             <a:ext cx="386644" cy="553998"/>
           </a:xfrm>
           <a:prstGeom prst="rect">
@@ -3751,115 +4064,10 @@
           </a:p>
         </p:txBody>
       </p:sp>
-      <p:sp>
-        <p:nvSpPr>
-          <p:cNvPr id="11" name="TextBox 10">
-            <a:extLst>
-              <a:ext uri="{FF2B5EF4-FFF2-40B4-BE49-F238E27FC236}">
-                <a16:creationId xmlns:a16="http://schemas.microsoft.com/office/drawing/2014/main" id="{FC632005-FB62-C982-B4E4-AE9599EBDB91}"/>
-              </a:ext>
-            </a:extLst>
-          </p:cNvPr>
-          <p:cNvSpPr txBox="1"/>
-          <p:nvPr/>
-        </p:nvSpPr>
-        <p:spPr>
-          <a:xfrm>
-            <a:off x="91440" y="2442857"/>
-            <a:ext cx="346570" cy="553998"/>
-          </a:xfrm>
-          <a:prstGeom prst="rect">
-            <a:avLst/>
-          </a:prstGeom>
-          <a:noFill/>
-        </p:spPr>
-        <p:txBody>
-          <a:bodyPr wrap="none" rtlCol="0">
-            <a:spAutoFit/>
-          </a:bodyPr>
-          <a:lstStyle/>
-          <a:p>
-            <a:r>
-              <a:rPr lang="en-US" sz="3000" dirty="0"/>
-              <a:t>c</a:t>
-            </a:r>
-          </a:p>
-        </p:txBody>
-      </p:sp>
-      <p:sp>
-        <p:nvSpPr>
-          <p:cNvPr id="12" name="TextBox 11">
-            <a:extLst>
-              <a:ext uri="{FF2B5EF4-FFF2-40B4-BE49-F238E27FC236}">
-                <a16:creationId xmlns:a16="http://schemas.microsoft.com/office/drawing/2014/main" id="{98083C71-D38B-F2F8-72F5-C754FA6CD17A}"/>
-              </a:ext>
-            </a:extLst>
-          </p:cNvPr>
-          <p:cNvSpPr txBox="1"/>
-          <p:nvPr/>
-        </p:nvSpPr>
-        <p:spPr>
-          <a:xfrm>
-            <a:off x="3482136" y="2442857"/>
-            <a:ext cx="386644" cy="553998"/>
-          </a:xfrm>
-          <a:prstGeom prst="rect">
-            <a:avLst/>
-          </a:prstGeom>
-          <a:noFill/>
-        </p:spPr>
-        <p:txBody>
-          <a:bodyPr wrap="none" rtlCol="0">
-            <a:spAutoFit/>
-          </a:bodyPr>
-          <a:lstStyle/>
-          <a:p>
-            <a:r>
-              <a:rPr lang="en-US" sz="3000" dirty="0"/>
-              <a:t>d</a:t>
-            </a:r>
-          </a:p>
-        </p:txBody>
-      </p:sp>
-      <p:sp>
-        <p:nvSpPr>
-          <p:cNvPr id="6" name="TextBox 5">
-            <a:extLst>
-              <a:ext uri="{FF2B5EF4-FFF2-40B4-BE49-F238E27FC236}">
-                <a16:creationId xmlns:a16="http://schemas.microsoft.com/office/drawing/2014/main" id="{591DFC6B-EE6A-DBC9-346B-A4F682A4A540}"/>
-              </a:ext>
-            </a:extLst>
-          </p:cNvPr>
-          <p:cNvSpPr txBox="1"/>
-          <p:nvPr/>
-        </p:nvSpPr>
-        <p:spPr>
-          <a:xfrm>
-            <a:off x="3082486" y="629996"/>
-            <a:ext cx="338554" cy="461665"/>
-          </a:xfrm>
-          <a:prstGeom prst="rect">
-            <a:avLst/>
-          </a:prstGeom>
-          <a:noFill/>
-        </p:spPr>
-        <p:txBody>
-          <a:bodyPr wrap="none" rtlCol="0">
-            <a:spAutoFit/>
-          </a:bodyPr>
-          <a:lstStyle/>
-          <a:p>
-            <a:r>
-              <a:rPr lang="en-US" sz="2400" dirty="0"/>
-              <a:t>*</a:t>
-            </a:r>
-          </a:p>
-        </p:txBody>
-      </p:sp>
     </p:spTree>
     <p:extLst>
       <p:ext uri="{BB962C8B-B14F-4D97-AF65-F5344CB8AC3E}">
-        <p14:creationId xmlns:p14="http://schemas.microsoft.com/office/powerpoint/2010/main" val="1658426761"/>
+        <p14:creationId xmlns:p14="http://schemas.microsoft.com/office/powerpoint/2010/main" val="3856042665"/>
       </p:ext>
     </p:extLst>
   </p:cSld>
@@ -3888,6 +4096,560 @@
       </p:grpSpPr>
       <p:pic>
         <p:nvPicPr>
+          <p:cNvPr id="9" name="Picture 8" descr="Chart, box and whisker chart&#10;&#10;Description automatically generated">
+            <a:extLst>
+              <a:ext uri="{FF2B5EF4-FFF2-40B4-BE49-F238E27FC236}">
+                <a16:creationId xmlns:a16="http://schemas.microsoft.com/office/drawing/2014/main" id="{2BB98C13-C019-2DC6-9231-4F25806130E9}"/>
+              </a:ext>
+            </a:extLst>
+          </p:cNvPr>
+          <p:cNvPicPr>
+            <a:picLocks noChangeAspect="1"/>
+          </p:cNvPicPr>
+          <p:nvPr/>
+        </p:nvPicPr>
+        <p:blipFill>
+          <a:blip r:embed="rId2"/>
+          <a:stretch>
+            <a:fillRect/>
+          </a:stretch>
+        </p:blipFill>
+        <p:spPr>
+          <a:xfrm>
+            <a:off x="24714" y="284413"/>
+            <a:ext cx="4267200" cy="3657600"/>
+          </a:xfrm>
+          <a:prstGeom prst="rect">
+            <a:avLst/>
+          </a:prstGeom>
+        </p:spPr>
+      </p:pic>
+      <p:pic>
+        <p:nvPicPr>
+          <p:cNvPr id="11" name="Picture 10" descr="Chart, scatter chart&#10;&#10;Description automatically generated">
+            <a:extLst>
+              <a:ext uri="{FF2B5EF4-FFF2-40B4-BE49-F238E27FC236}">
+                <a16:creationId xmlns:a16="http://schemas.microsoft.com/office/drawing/2014/main" id="{D9221AA0-C833-24BB-F7AD-33D9D7F385A6}"/>
+              </a:ext>
+            </a:extLst>
+          </p:cNvPr>
+          <p:cNvPicPr>
+            <a:picLocks noChangeAspect="1"/>
+          </p:cNvPicPr>
+          <p:nvPr/>
+        </p:nvPicPr>
+        <p:blipFill>
+          <a:blip r:embed="rId3"/>
+          <a:stretch>
+            <a:fillRect/>
+          </a:stretch>
+        </p:blipFill>
+        <p:spPr>
+          <a:xfrm>
+            <a:off x="4358640" y="284413"/>
+            <a:ext cx="4267200" cy="3657600"/>
+          </a:xfrm>
+          <a:prstGeom prst="rect">
+            <a:avLst/>
+          </a:prstGeom>
+        </p:spPr>
+      </p:pic>
+      <p:sp>
+        <p:nvSpPr>
+          <p:cNvPr id="15" name="TextBox 14">
+            <a:extLst>
+              <a:ext uri="{FF2B5EF4-FFF2-40B4-BE49-F238E27FC236}">
+                <a16:creationId xmlns:a16="http://schemas.microsoft.com/office/drawing/2014/main" id="{2D648060-0806-C02F-47D3-B992E3DE628C}"/>
+              </a:ext>
+            </a:extLst>
+          </p:cNvPr>
+          <p:cNvSpPr txBox="1"/>
+          <p:nvPr/>
+        </p:nvSpPr>
+        <p:spPr>
+          <a:xfrm>
+            <a:off x="91440" y="93913"/>
+            <a:ext cx="369012" cy="553998"/>
+          </a:xfrm>
+          <a:prstGeom prst="rect">
+            <a:avLst/>
+          </a:prstGeom>
+          <a:noFill/>
+        </p:spPr>
+        <p:txBody>
+          <a:bodyPr wrap="none" rtlCol="0">
+            <a:spAutoFit/>
+          </a:bodyPr>
+          <a:lstStyle/>
+          <a:p>
+            <a:r>
+              <a:rPr lang="en-US" sz="3000" dirty="0"/>
+              <a:t>a</a:t>
+            </a:r>
+          </a:p>
+        </p:txBody>
+      </p:sp>
+      <p:sp>
+        <p:nvSpPr>
+          <p:cNvPr id="16" name="TextBox 15">
+            <a:extLst>
+              <a:ext uri="{FF2B5EF4-FFF2-40B4-BE49-F238E27FC236}">
+                <a16:creationId xmlns:a16="http://schemas.microsoft.com/office/drawing/2014/main" id="{23ED1619-745A-6D24-E6AD-226C560CF606}"/>
+              </a:ext>
+            </a:extLst>
+          </p:cNvPr>
+          <p:cNvSpPr txBox="1"/>
+          <p:nvPr/>
+        </p:nvSpPr>
+        <p:spPr>
+          <a:xfrm>
+            <a:off x="3971996" y="99271"/>
+            <a:ext cx="386644" cy="553998"/>
+          </a:xfrm>
+          <a:prstGeom prst="rect">
+            <a:avLst/>
+          </a:prstGeom>
+          <a:noFill/>
+        </p:spPr>
+        <p:txBody>
+          <a:bodyPr wrap="none" rtlCol="0">
+            <a:spAutoFit/>
+          </a:bodyPr>
+          <a:lstStyle/>
+          <a:p>
+            <a:r>
+              <a:rPr lang="en-US" sz="3000" dirty="0"/>
+              <a:t>b</a:t>
+            </a:r>
+          </a:p>
+        </p:txBody>
+      </p:sp>
+    </p:spTree>
+    <p:extLst>
+      <p:ext uri="{BB962C8B-B14F-4D97-AF65-F5344CB8AC3E}">
+        <p14:creationId xmlns:p14="http://schemas.microsoft.com/office/powerpoint/2010/main" val="1902776895"/>
+      </p:ext>
+    </p:extLst>
+  </p:cSld>
+  <p:clrMapOvr>
+    <a:masterClrMapping/>
+  </p:clrMapOvr>
+</p:sld>
+</file>
+
+<file path=ppt/slides/slide4.xml><?xml version="1.0" encoding="utf-8"?>
+<p:sld xmlns:a="http://schemas.openxmlformats.org/drawingml/2006/main" xmlns:r="http://schemas.openxmlformats.org/officeDocument/2006/relationships" xmlns:p="http://schemas.openxmlformats.org/presentationml/2006/main">
+  <p:cSld>
+    <p:spTree>
+      <p:nvGrpSpPr>
+        <p:cNvPr id="1" name=""/>
+        <p:cNvGrpSpPr/>
+        <p:nvPr/>
+      </p:nvGrpSpPr>
+      <p:grpSpPr>
+        <a:xfrm>
+          <a:off x="0" y="0"/>
+          <a:ext cx="0" cy="0"/>
+          <a:chOff x="0" y="0"/>
+          <a:chExt cx="0" cy="0"/>
+        </a:xfrm>
+      </p:grpSpPr>
+      <p:pic>
+        <p:nvPicPr>
+          <p:cNvPr id="8" name="Picture 7" descr="Chart, box and whisker chart&#10;&#10;Description automatically generated">
+            <a:extLst>
+              <a:ext uri="{FF2B5EF4-FFF2-40B4-BE49-F238E27FC236}">
+                <a16:creationId xmlns:a16="http://schemas.microsoft.com/office/drawing/2014/main" id="{9FF62FE6-451B-951B-5ADD-571169F11661}"/>
+              </a:ext>
+            </a:extLst>
+          </p:cNvPr>
+          <p:cNvPicPr>
+            <a:picLocks noChangeAspect="1"/>
+          </p:cNvPicPr>
+          <p:nvPr/>
+        </p:nvPicPr>
+        <p:blipFill>
+          <a:blip r:embed="rId2"/>
+          <a:stretch>
+            <a:fillRect/>
+          </a:stretch>
+        </p:blipFill>
+        <p:spPr>
+          <a:xfrm>
+            <a:off x="3415410" y="3209544"/>
+            <a:ext cx="2935224" cy="2935224"/>
+          </a:xfrm>
+          <a:prstGeom prst="rect">
+            <a:avLst/>
+          </a:prstGeom>
+        </p:spPr>
+      </p:pic>
+      <p:pic>
+        <p:nvPicPr>
+          <p:cNvPr id="15" name="Picture 14" descr="Chart, scatter chart&#10;&#10;Description automatically generated">
+            <a:extLst>
+              <a:ext uri="{FF2B5EF4-FFF2-40B4-BE49-F238E27FC236}">
+                <a16:creationId xmlns:a16="http://schemas.microsoft.com/office/drawing/2014/main" id="{E77C7DDD-A693-A54F-D3ED-F553097B8BDD}"/>
+              </a:ext>
+            </a:extLst>
+          </p:cNvPr>
+          <p:cNvPicPr>
+            <a:picLocks noChangeAspect="1"/>
+          </p:cNvPicPr>
+          <p:nvPr/>
+        </p:nvPicPr>
+        <p:blipFill>
+          <a:blip r:embed="rId3"/>
+          <a:stretch>
+            <a:fillRect/>
+          </a:stretch>
+        </p:blipFill>
+        <p:spPr>
+          <a:xfrm>
+            <a:off x="3415410" y="0"/>
+            <a:ext cx="2935224" cy="2935224"/>
+          </a:xfrm>
+          <a:prstGeom prst="rect">
+            <a:avLst/>
+          </a:prstGeom>
+        </p:spPr>
+      </p:pic>
+      <p:pic>
+        <p:nvPicPr>
+          <p:cNvPr id="1026" name="Picture 2">
+            <a:extLst>
+              <a:ext uri="{FF2B5EF4-FFF2-40B4-BE49-F238E27FC236}">
+                <a16:creationId xmlns:a16="http://schemas.microsoft.com/office/drawing/2014/main" id="{AAA93493-990E-CE59-AA16-10D03CB93DED}"/>
+              </a:ext>
+            </a:extLst>
+          </p:cNvPr>
+          <p:cNvPicPr>
+            <a:picLocks noChangeAspect="1" noChangeArrowheads="1"/>
+          </p:cNvPicPr>
+          <p:nvPr/>
+        </p:nvPicPr>
+        <p:blipFill>
+          <a:blip r:embed="rId4">
+            <a:extLst>
+              <a:ext uri="{28A0092B-C50C-407E-A947-70E740481C1C}">
+                <a14:useLocalDpi xmlns:a14="http://schemas.microsoft.com/office/drawing/2010/main" val="0"/>
+              </a:ext>
+            </a:extLst>
+          </a:blip>
+          <a:srcRect/>
+          <a:stretch>
+            <a:fillRect/>
+          </a:stretch>
+        </p:blipFill>
+        <p:spPr bwMode="auto">
+          <a:xfrm>
+            <a:off x="182880" y="0"/>
+            <a:ext cx="3227831" cy="3227831"/>
+          </a:xfrm>
+          <a:prstGeom prst="rect">
+            <a:avLst/>
+          </a:prstGeom>
+          <a:noFill/>
+          <a:extLst>
+            <a:ext uri="{909E8E84-426E-40DD-AFC4-6F175D3DCCD1}">
+              <a14:hiddenFill xmlns:a14="http://schemas.microsoft.com/office/drawing/2010/main">
+                <a:solidFill>
+                  <a:srgbClr val="FFFFFF"/>
+                </a:solidFill>
+              </a14:hiddenFill>
+            </a:ext>
+          </a:extLst>
+        </p:spPr>
+      </p:pic>
+      <p:sp>
+        <p:nvSpPr>
+          <p:cNvPr id="4" name="TextBox 3">
+            <a:extLst>
+              <a:ext uri="{FF2B5EF4-FFF2-40B4-BE49-F238E27FC236}">
+                <a16:creationId xmlns:a16="http://schemas.microsoft.com/office/drawing/2014/main" id="{30A663DB-2E51-B05F-30FC-58354FF142F5}"/>
+              </a:ext>
+            </a:extLst>
+          </p:cNvPr>
+          <p:cNvSpPr txBox="1"/>
+          <p:nvPr/>
+        </p:nvSpPr>
+        <p:spPr>
+          <a:xfrm>
+            <a:off x="6944499" y="5453278"/>
+            <a:ext cx="155042" cy="646331"/>
+          </a:xfrm>
+          <a:prstGeom prst="rect">
+            <a:avLst/>
+          </a:prstGeom>
+          <a:noFill/>
+        </p:spPr>
+        <p:txBody>
+          <a:bodyPr wrap="square" rtlCol="0">
+            <a:spAutoFit/>
+          </a:bodyPr>
+          <a:lstStyle/>
+          <a:p>
+            <a:endParaRPr lang="en-US" dirty="0"/>
+          </a:p>
+          <a:p>
+            <a:endParaRPr lang="en-US" dirty="0"/>
+          </a:p>
+        </p:txBody>
+      </p:sp>
+      <p:pic>
+        <p:nvPicPr>
+          <p:cNvPr id="1030" name="Picture 6">
+            <a:extLst>
+              <a:ext uri="{FF2B5EF4-FFF2-40B4-BE49-F238E27FC236}">
+                <a16:creationId xmlns:a16="http://schemas.microsoft.com/office/drawing/2014/main" id="{427BCB10-51E4-8B6B-1ACF-DA4BDE9245AC}"/>
+              </a:ext>
+            </a:extLst>
+          </p:cNvPr>
+          <p:cNvPicPr>
+            <a:picLocks noChangeAspect="1" noChangeArrowheads="1"/>
+          </p:cNvPicPr>
+          <p:nvPr/>
+        </p:nvPicPr>
+        <p:blipFill>
+          <a:blip r:embed="rId5">
+            <a:extLst>
+              <a:ext uri="{28A0092B-C50C-407E-A947-70E740481C1C}">
+                <a14:useLocalDpi xmlns:a14="http://schemas.microsoft.com/office/drawing/2010/main" val="0"/>
+              </a:ext>
+            </a:extLst>
+          </a:blip>
+          <a:srcRect/>
+          <a:stretch>
+            <a:fillRect/>
+          </a:stretch>
+        </p:blipFill>
+        <p:spPr bwMode="auto">
+          <a:xfrm>
+            <a:off x="182880" y="2996855"/>
+            <a:ext cx="3284065" cy="3284065"/>
+          </a:xfrm>
+          <a:prstGeom prst="rect">
+            <a:avLst/>
+          </a:prstGeom>
+          <a:noFill/>
+          <a:extLst>
+            <a:ext uri="{909E8E84-426E-40DD-AFC4-6F175D3DCCD1}">
+              <a14:hiddenFill xmlns:a14="http://schemas.microsoft.com/office/drawing/2010/main">
+                <a:solidFill>
+                  <a:srgbClr val="FFFFFF"/>
+                </a:solidFill>
+              </a14:hiddenFill>
+            </a:ext>
+          </a:extLst>
+        </p:spPr>
+      </p:pic>
+      <p:sp>
+        <p:nvSpPr>
+          <p:cNvPr id="5" name="TextBox 4">
+            <a:extLst>
+              <a:ext uri="{FF2B5EF4-FFF2-40B4-BE49-F238E27FC236}">
+                <a16:creationId xmlns:a16="http://schemas.microsoft.com/office/drawing/2014/main" id="{E86FD1C2-B002-534E-3A4B-706D4375B076}"/>
+              </a:ext>
+            </a:extLst>
+          </p:cNvPr>
+          <p:cNvSpPr txBox="1"/>
+          <p:nvPr/>
+        </p:nvSpPr>
+        <p:spPr>
+          <a:xfrm>
+            <a:off x="91440" y="-91440"/>
+            <a:ext cx="369012" cy="553998"/>
+          </a:xfrm>
+          <a:prstGeom prst="rect">
+            <a:avLst/>
+          </a:prstGeom>
+          <a:noFill/>
+        </p:spPr>
+        <p:txBody>
+          <a:bodyPr wrap="none" rtlCol="0">
+            <a:spAutoFit/>
+          </a:bodyPr>
+          <a:lstStyle/>
+          <a:p>
+            <a:r>
+              <a:rPr lang="en-US" sz="3000" dirty="0"/>
+              <a:t>a</a:t>
+            </a:r>
+          </a:p>
+        </p:txBody>
+      </p:sp>
+      <p:sp>
+        <p:nvSpPr>
+          <p:cNvPr id="10" name="TextBox 9">
+            <a:extLst>
+              <a:ext uri="{FF2B5EF4-FFF2-40B4-BE49-F238E27FC236}">
+                <a16:creationId xmlns:a16="http://schemas.microsoft.com/office/drawing/2014/main" id="{C741AF86-FDC5-D891-5833-B0D84BDF2906}"/>
+              </a:ext>
+            </a:extLst>
+          </p:cNvPr>
+          <p:cNvSpPr txBox="1"/>
+          <p:nvPr/>
+        </p:nvSpPr>
+        <p:spPr>
+          <a:xfrm>
+            <a:off x="3482136" y="-91440"/>
+            <a:ext cx="386644" cy="553998"/>
+          </a:xfrm>
+          <a:prstGeom prst="rect">
+            <a:avLst/>
+          </a:prstGeom>
+          <a:noFill/>
+        </p:spPr>
+        <p:txBody>
+          <a:bodyPr wrap="none" rtlCol="0">
+            <a:spAutoFit/>
+          </a:bodyPr>
+          <a:lstStyle/>
+          <a:p>
+            <a:r>
+              <a:rPr lang="en-US" sz="3000" dirty="0"/>
+              <a:t>b</a:t>
+            </a:r>
+          </a:p>
+        </p:txBody>
+      </p:sp>
+      <p:sp>
+        <p:nvSpPr>
+          <p:cNvPr id="11" name="TextBox 10">
+            <a:extLst>
+              <a:ext uri="{FF2B5EF4-FFF2-40B4-BE49-F238E27FC236}">
+                <a16:creationId xmlns:a16="http://schemas.microsoft.com/office/drawing/2014/main" id="{FC632005-FB62-C982-B4E4-AE9599EBDB91}"/>
+              </a:ext>
+            </a:extLst>
+          </p:cNvPr>
+          <p:cNvSpPr txBox="1"/>
+          <p:nvPr/>
+        </p:nvSpPr>
+        <p:spPr>
+          <a:xfrm>
+            <a:off x="91440" y="2442857"/>
+            <a:ext cx="346570" cy="553998"/>
+          </a:xfrm>
+          <a:prstGeom prst="rect">
+            <a:avLst/>
+          </a:prstGeom>
+          <a:noFill/>
+        </p:spPr>
+        <p:txBody>
+          <a:bodyPr wrap="none" rtlCol="0">
+            <a:spAutoFit/>
+          </a:bodyPr>
+          <a:lstStyle/>
+          <a:p>
+            <a:r>
+              <a:rPr lang="en-US" sz="3000" dirty="0"/>
+              <a:t>c</a:t>
+            </a:r>
+          </a:p>
+        </p:txBody>
+      </p:sp>
+      <p:sp>
+        <p:nvSpPr>
+          <p:cNvPr id="12" name="TextBox 11">
+            <a:extLst>
+              <a:ext uri="{FF2B5EF4-FFF2-40B4-BE49-F238E27FC236}">
+                <a16:creationId xmlns:a16="http://schemas.microsoft.com/office/drawing/2014/main" id="{98083C71-D38B-F2F8-72F5-C754FA6CD17A}"/>
+              </a:ext>
+            </a:extLst>
+          </p:cNvPr>
+          <p:cNvSpPr txBox="1"/>
+          <p:nvPr/>
+        </p:nvSpPr>
+        <p:spPr>
+          <a:xfrm>
+            <a:off x="3482136" y="2442857"/>
+            <a:ext cx="386644" cy="553998"/>
+          </a:xfrm>
+          <a:prstGeom prst="rect">
+            <a:avLst/>
+          </a:prstGeom>
+          <a:noFill/>
+        </p:spPr>
+        <p:txBody>
+          <a:bodyPr wrap="none" rtlCol="0">
+            <a:spAutoFit/>
+          </a:bodyPr>
+          <a:lstStyle/>
+          <a:p>
+            <a:r>
+              <a:rPr lang="en-US" sz="3000" dirty="0"/>
+              <a:t>d</a:t>
+            </a:r>
+          </a:p>
+        </p:txBody>
+      </p:sp>
+      <p:sp>
+        <p:nvSpPr>
+          <p:cNvPr id="6" name="TextBox 5">
+            <a:extLst>
+              <a:ext uri="{FF2B5EF4-FFF2-40B4-BE49-F238E27FC236}">
+                <a16:creationId xmlns:a16="http://schemas.microsoft.com/office/drawing/2014/main" id="{591DFC6B-EE6A-DBC9-346B-A4F682A4A540}"/>
+              </a:ext>
+            </a:extLst>
+          </p:cNvPr>
+          <p:cNvSpPr txBox="1"/>
+          <p:nvPr/>
+        </p:nvSpPr>
+        <p:spPr>
+          <a:xfrm>
+            <a:off x="3082486" y="629996"/>
+            <a:ext cx="338554" cy="461665"/>
+          </a:xfrm>
+          <a:prstGeom prst="rect">
+            <a:avLst/>
+          </a:prstGeom>
+          <a:noFill/>
+        </p:spPr>
+        <p:txBody>
+          <a:bodyPr wrap="none" rtlCol="0">
+            <a:spAutoFit/>
+          </a:bodyPr>
+          <a:lstStyle/>
+          <a:p>
+            <a:r>
+              <a:rPr lang="en-US" sz="2400" dirty="0"/>
+              <a:t>*</a:t>
+            </a:r>
+          </a:p>
+        </p:txBody>
+      </p:sp>
+    </p:spTree>
+    <p:extLst>
+      <p:ext uri="{BB962C8B-B14F-4D97-AF65-F5344CB8AC3E}">
+        <p14:creationId xmlns:p14="http://schemas.microsoft.com/office/powerpoint/2010/main" val="1658426761"/>
+      </p:ext>
+    </p:extLst>
+  </p:cSld>
+  <p:clrMapOvr>
+    <a:masterClrMapping/>
+  </p:clrMapOvr>
+</p:sld>
+</file>
+
+<file path=ppt/slides/slide5.xml><?xml version="1.0" encoding="utf-8"?>
+<p:sld xmlns:a="http://schemas.openxmlformats.org/drawingml/2006/main" xmlns:r="http://schemas.openxmlformats.org/officeDocument/2006/relationships" xmlns:p="http://schemas.openxmlformats.org/presentationml/2006/main">
+  <p:cSld>
+    <p:spTree>
+      <p:nvGrpSpPr>
+        <p:cNvPr id="1" name=""/>
+        <p:cNvGrpSpPr/>
+        <p:nvPr/>
+      </p:nvGrpSpPr>
+      <p:grpSpPr>
+        <a:xfrm>
+          <a:off x="0" y="0"/>
+          <a:ext cx="0" cy="0"/>
+          <a:chOff x="0" y="0"/>
+          <a:chExt cx="0" cy="0"/>
+        </a:xfrm>
+      </p:grpSpPr>
+      <p:pic>
+        <p:nvPicPr>
           <p:cNvPr id="17" name="Picture 16" descr="Chart, histogram&#10;&#10;Description automatically generated">
             <a:extLst>
               <a:ext uri="{FF2B5EF4-FFF2-40B4-BE49-F238E27FC236}">
@@ -4295,8 +5057,434 @@
 </p:sld>
 </file>
 
-<file path=ppt/slides/slide4.xml><?xml version="1.0" encoding="utf-8"?>
+<file path=ppt/slides/slide6.xml><?xml version="1.0" encoding="utf-8"?>
 <p:sld xmlns:a="http://schemas.openxmlformats.org/drawingml/2006/main" xmlns:r="http://schemas.openxmlformats.org/officeDocument/2006/relationships" xmlns:p="http://schemas.openxmlformats.org/presentationml/2006/main">
+  <p:cSld>
+    <p:spTree>
+      <p:nvGrpSpPr>
+        <p:cNvPr id="1" name=""/>
+        <p:cNvGrpSpPr/>
+        <p:nvPr/>
+      </p:nvGrpSpPr>
+      <p:grpSpPr>
+        <a:xfrm>
+          <a:off x="0" y="0"/>
+          <a:ext cx="0" cy="0"/>
+          <a:chOff x="0" y="0"/>
+          <a:chExt cx="0" cy="0"/>
+        </a:xfrm>
+      </p:grpSpPr>
+      <p:pic>
+        <p:nvPicPr>
+          <p:cNvPr id="13" name="Picture 12" descr="Chart, histogram&#10;&#10;Description automatically generated">
+            <a:extLst>
+              <a:ext uri="{FF2B5EF4-FFF2-40B4-BE49-F238E27FC236}">
+                <a16:creationId xmlns:a16="http://schemas.microsoft.com/office/drawing/2014/main" id="{8DDF6171-A118-2201-C77D-E0ED19A53C39}"/>
+              </a:ext>
+            </a:extLst>
+          </p:cNvPr>
+          <p:cNvPicPr>
+            <a:picLocks noChangeAspect="1"/>
+          </p:cNvPicPr>
+          <p:nvPr/>
+        </p:nvPicPr>
+        <p:blipFill>
+          <a:blip r:embed="rId2"/>
+          <a:stretch>
+            <a:fillRect/>
+          </a:stretch>
+        </p:blipFill>
+        <p:spPr>
+          <a:xfrm>
+            <a:off x="3563938" y="165100"/>
+            <a:ext cx="3017520" cy="3017520"/>
+          </a:xfrm>
+          <a:prstGeom prst="rect">
+            <a:avLst/>
+          </a:prstGeom>
+        </p:spPr>
+      </p:pic>
+      <p:pic>
+        <p:nvPicPr>
+          <p:cNvPr id="14" name="Picture 6">
+            <a:extLst>
+              <a:ext uri="{FF2B5EF4-FFF2-40B4-BE49-F238E27FC236}">
+                <a16:creationId xmlns:a16="http://schemas.microsoft.com/office/drawing/2014/main" id="{6623D51D-38AA-9C0E-B7B6-113BF7D50419}"/>
+              </a:ext>
+            </a:extLst>
+          </p:cNvPr>
+          <p:cNvPicPr>
+            <a:picLocks noChangeAspect="1" noChangeArrowheads="1"/>
+          </p:cNvPicPr>
+          <p:nvPr/>
+        </p:nvPicPr>
+        <p:blipFill>
+          <a:blip r:embed="rId3">
+            <a:extLst>
+              <a:ext uri="{28A0092B-C50C-407E-A947-70E740481C1C}">
+                <a14:useLocalDpi xmlns:a14="http://schemas.microsoft.com/office/drawing/2010/main" val="0"/>
+              </a:ext>
+            </a:extLst>
+          </a:blip>
+          <a:srcRect/>
+          <a:stretch>
+            <a:fillRect/>
+          </a:stretch>
+        </p:blipFill>
+        <p:spPr bwMode="auto">
+          <a:xfrm>
+            <a:off x="360680" y="165100"/>
+            <a:ext cx="3284065" cy="3284065"/>
+          </a:xfrm>
+          <a:prstGeom prst="rect">
+            <a:avLst/>
+          </a:prstGeom>
+          <a:noFill/>
+          <a:extLst>
+            <a:ext uri="{909E8E84-426E-40DD-AFC4-6F175D3DCCD1}">
+              <a14:hiddenFill xmlns:a14="http://schemas.microsoft.com/office/drawing/2010/main">
+                <a:solidFill>
+                  <a:srgbClr val="FFFFFF"/>
+                </a:solidFill>
+              </a14:hiddenFill>
+            </a:ext>
+          </a:extLst>
+        </p:spPr>
+      </p:pic>
+      <p:sp>
+        <p:nvSpPr>
+          <p:cNvPr id="4" name="TextBox 3">
+            <a:extLst>
+              <a:ext uri="{FF2B5EF4-FFF2-40B4-BE49-F238E27FC236}">
+                <a16:creationId xmlns:a16="http://schemas.microsoft.com/office/drawing/2014/main" id="{30A663DB-2E51-B05F-30FC-58354FF142F5}"/>
+              </a:ext>
+            </a:extLst>
+          </p:cNvPr>
+          <p:cNvSpPr txBox="1"/>
+          <p:nvPr/>
+        </p:nvSpPr>
+        <p:spPr>
+          <a:xfrm>
+            <a:off x="6944499" y="5453278"/>
+            <a:ext cx="155042" cy="646331"/>
+          </a:xfrm>
+          <a:prstGeom prst="rect">
+            <a:avLst/>
+          </a:prstGeom>
+          <a:noFill/>
+        </p:spPr>
+        <p:txBody>
+          <a:bodyPr wrap="square" rtlCol="0">
+            <a:spAutoFit/>
+          </a:bodyPr>
+          <a:lstStyle/>
+          <a:p>
+            <a:endParaRPr lang="en-US" dirty="0"/>
+          </a:p>
+          <a:p>
+            <a:endParaRPr lang="en-US" dirty="0"/>
+          </a:p>
+        </p:txBody>
+      </p:sp>
+      <p:sp>
+        <p:nvSpPr>
+          <p:cNvPr id="5" name="TextBox 4">
+            <a:extLst>
+              <a:ext uri="{FF2B5EF4-FFF2-40B4-BE49-F238E27FC236}">
+                <a16:creationId xmlns:a16="http://schemas.microsoft.com/office/drawing/2014/main" id="{E86FD1C2-B002-534E-3A4B-706D4375B076}"/>
+              </a:ext>
+            </a:extLst>
+          </p:cNvPr>
+          <p:cNvSpPr txBox="1"/>
+          <p:nvPr/>
+        </p:nvSpPr>
+        <p:spPr>
+          <a:xfrm>
+            <a:off x="91440" y="-91440"/>
+            <a:ext cx="369012" cy="553998"/>
+          </a:xfrm>
+          <a:prstGeom prst="rect">
+            <a:avLst/>
+          </a:prstGeom>
+          <a:noFill/>
+        </p:spPr>
+        <p:txBody>
+          <a:bodyPr wrap="none" rtlCol="0">
+            <a:spAutoFit/>
+          </a:bodyPr>
+          <a:lstStyle/>
+          <a:p>
+            <a:r>
+              <a:rPr lang="en-US" sz="3000" dirty="0"/>
+              <a:t>a</a:t>
+            </a:r>
+          </a:p>
+        </p:txBody>
+      </p:sp>
+      <p:sp>
+        <p:nvSpPr>
+          <p:cNvPr id="10" name="TextBox 9">
+            <a:extLst>
+              <a:ext uri="{FF2B5EF4-FFF2-40B4-BE49-F238E27FC236}">
+                <a16:creationId xmlns:a16="http://schemas.microsoft.com/office/drawing/2014/main" id="{C741AF86-FDC5-D891-5833-B0D84BDF2906}"/>
+              </a:ext>
+            </a:extLst>
+          </p:cNvPr>
+          <p:cNvSpPr txBox="1"/>
+          <p:nvPr/>
+        </p:nvSpPr>
+        <p:spPr>
+          <a:xfrm>
+            <a:off x="3482136" y="-91440"/>
+            <a:ext cx="386644" cy="553998"/>
+          </a:xfrm>
+          <a:prstGeom prst="rect">
+            <a:avLst/>
+          </a:prstGeom>
+          <a:noFill/>
+        </p:spPr>
+        <p:txBody>
+          <a:bodyPr wrap="none" rtlCol="0">
+            <a:spAutoFit/>
+          </a:bodyPr>
+          <a:lstStyle/>
+          <a:p>
+            <a:r>
+              <a:rPr lang="en-US" sz="3000" dirty="0"/>
+              <a:t>b</a:t>
+            </a:r>
+          </a:p>
+        </p:txBody>
+      </p:sp>
+      <p:sp>
+        <p:nvSpPr>
+          <p:cNvPr id="11" name="TextBox 10">
+            <a:extLst>
+              <a:ext uri="{FF2B5EF4-FFF2-40B4-BE49-F238E27FC236}">
+                <a16:creationId xmlns:a16="http://schemas.microsoft.com/office/drawing/2014/main" id="{FC632005-FB62-C982-B4E4-AE9599EBDB91}"/>
+              </a:ext>
+            </a:extLst>
+          </p:cNvPr>
+          <p:cNvSpPr txBox="1"/>
+          <p:nvPr/>
+        </p:nvSpPr>
+        <p:spPr>
+          <a:xfrm>
+            <a:off x="91440" y="2836557"/>
+            <a:ext cx="346570" cy="553998"/>
+          </a:xfrm>
+          <a:prstGeom prst="rect">
+            <a:avLst/>
+          </a:prstGeom>
+          <a:noFill/>
+        </p:spPr>
+        <p:txBody>
+          <a:bodyPr wrap="none" rtlCol="0">
+            <a:spAutoFit/>
+          </a:bodyPr>
+          <a:lstStyle/>
+          <a:p>
+            <a:r>
+              <a:rPr lang="en-US" sz="3000" dirty="0"/>
+              <a:t>c</a:t>
+            </a:r>
+          </a:p>
+        </p:txBody>
+      </p:sp>
+      <p:sp>
+        <p:nvSpPr>
+          <p:cNvPr id="18" name="TextBox 17">
+            <a:extLst>
+              <a:ext uri="{FF2B5EF4-FFF2-40B4-BE49-F238E27FC236}">
+                <a16:creationId xmlns:a16="http://schemas.microsoft.com/office/drawing/2014/main" id="{51F2EB28-F632-2964-40AD-5DB34308BD26}"/>
+              </a:ext>
+            </a:extLst>
+          </p:cNvPr>
+          <p:cNvSpPr txBox="1"/>
+          <p:nvPr/>
+        </p:nvSpPr>
+        <p:spPr>
+          <a:xfrm>
+            <a:off x="11059297" y="3361038"/>
+            <a:ext cx="184731" cy="369332"/>
+          </a:xfrm>
+          <a:prstGeom prst="rect">
+            <a:avLst/>
+          </a:prstGeom>
+          <a:noFill/>
+        </p:spPr>
+        <p:txBody>
+          <a:bodyPr wrap="none" rtlCol="0">
+            <a:spAutoFit/>
+          </a:bodyPr>
+          <a:lstStyle/>
+          <a:p>
+            <a:endParaRPr lang="en-US" dirty="0"/>
+          </a:p>
+        </p:txBody>
+      </p:sp>
+      <p:pic>
+        <p:nvPicPr>
+          <p:cNvPr id="17" name="Picture 16" descr="Chart, histogram&#10;&#10;Description automatically generated">
+            <a:extLst>
+              <a:ext uri="{FF2B5EF4-FFF2-40B4-BE49-F238E27FC236}">
+                <a16:creationId xmlns:a16="http://schemas.microsoft.com/office/drawing/2014/main" id="{A79EE7D8-7E84-A642-87ED-04FD62B8F967}"/>
+              </a:ext>
+            </a:extLst>
+          </p:cNvPr>
+          <p:cNvPicPr>
+            <a:picLocks noChangeAspect="1"/>
+          </p:cNvPicPr>
+          <p:nvPr/>
+        </p:nvPicPr>
+        <p:blipFill>
+          <a:blip r:embed="rId4"/>
+          <a:stretch>
+            <a:fillRect/>
+          </a:stretch>
+        </p:blipFill>
+        <p:spPr>
+          <a:xfrm>
+            <a:off x="3596627" y="3202432"/>
+            <a:ext cx="3017520" cy="3017520"/>
+          </a:xfrm>
+          <a:prstGeom prst="rect">
+            <a:avLst/>
+          </a:prstGeom>
+        </p:spPr>
+      </p:pic>
+      <p:pic>
+        <p:nvPicPr>
+          <p:cNvPr id="1026" name="Picture 2">
+            <a:extLst>
+              <a:ext uri="{FF2B5EF4-FFF2-40B4-BE49-F238E27FC236}">
+                <a16:creationId xmlns:a16="http://schemas.microsoft.com/office/drawing/2014/main" id="{AAA93493-990E-CE59-AA16-10D03CB93DED}"/>
+              </a:ext>
+            </a:extLst>
+          </p:cNvPr>
+          <p:cNvPicPr>
+            <a:picLocks noChangeAspect="1" noChangeArrowheads="1"/>
+          </p:cNvPicPr>
+          <p:nvPr/>
+        </p:nvPicPr>
+        <p:blipFill>
+          <a:blip r:embed="rId5">
+            <a:extLst>
+              <a:ext uri="{28A0092B-C50C-407E-A947-70E740481C1C}">
+                <a14:useLocalDpi xmlns:a14="http://schemas.microsoft.com/office/drawing/2010/main" val="0"/>
+              </a:ext>
+            </a:extLst>
+          </a:blip>
+          <a:srcRect/>
+          <a:stretch>
+            <a:fillRect/>
+          </a:stretch>
+        </p:blipFill>
+        <p:spPr bwMode="auto">
+          <a:xfrm>
+            <a:off x="373380" y="3202432"/>
+            <a:ext cx="3227831" cy="3227831"/>
+          </a:xfrm>
+          <a:prstGeom prst="rect">
+            <a:avLst/>
+          </a:prstGeom>
+          <a:noFill/>
+          <a:extLst>
+            <a:ext uri="{909E8E84-426E-40DD-AFC4-6F175D3DCCD1}">
+              <a14:hiddenFill xmlns:a14="http://schemas.microsoft.com/office/drawing/2010/main">
+                <a:solidFill>
+                  <a:srgbClr val="FFFFFF"/>
+                </a:solidFill>
+              </a14:hiddenFill>
+            </a:ext>
+          </a:extLst>
+        </p:spPr>
+      </p:pic>
+      <p:sp>
+        <p:nvSpPr>
+          <p:cNvPr id="12" name="TextBox 11">
+            <a:extLst>
+              <a:ext uri="{FF2B5EF4-FFF2-40B4-BE49-F238E27FC236}">
+                <a16:creationId xmlns:a16="http://schemas.microsoft.com/office/drawing/2014/main" id="{98083C71-D38B-F2F8-72F5-C754FA6CD17A}"/>
+              </a:ext>
+            </a:extLst>
+          </p:cNvPr>
+          <p:cNvSpPr txBox="1"/>
+          <p:nvPr/>
+        </p:nvSpPr>
+        <p:spPr>
+          <a:xfrm>
+            <a:off x="3482136" y="2836557"/>
+            <a:ext cx="386644" cy="553998"/>
+          </a:xfrm>
+          <a:prstGeom prst="rect">
+            <a:avLst/>
+          </a:prstGeom>
+          <a:noFill/>
+        </p:spPr>
+        <p:txBody>
+          <a:bodyPr wrap="none" rtlCol="0">
+            <a:spAutoFit/>
+          </a:bodyPr>
+          <a:lstStyle/>
+          <a:p>
+            <a:r>
+              <a:rPr lang="en-US" sz="3000" dirty="0"/>
+              <a:t>d</a:t>
+            </a:r>
+          </a:p>
+        </p:txBody>
+      </p:sp>
+      <p:sp>
+        <p:nvSpPr>
+          <p:cNvPr id="6" name="TextBox 5">
+            <a:extLst>
+              <a:ext uri="{FF2B5EF4-FFF2-40B4-BE49-F238E27FC236}">
+                <a16:creationId xmlns:a16="http://schemas.microsoft.com/office/drawing/2014/main" id="{591DFC6B-EE6A-DBC9-346B-A4F682A4A540}"/>
+              </a:ext>
+            </a:extLst>
+          </p:cNvPr>
+          <p:cNvSpPr txBox="1"/>
+          <p:nvPr/>
+        </p:nvSpPr>
+        <p:spPr>
+          <a:xfrm>
+            <a:off x="3185622" y="3846570"/>
+            <a:ext cx="338554" cy="461665"/>
+          </a:xfrm>
+          <a:prstGeom prst="rect">
+            <a:avLst/>
+          </a:prstGeom>
+          <a:noFill/>
+        </p:spPr>
+        <p:txBody>
+          <a:bodyPr wrap="none" rtlCol="0">
+            <a:spAutoFit/>
+          </a:bodyPr>
+          <a:lstStyle/>
+          <a:p>
+            <a:r>
+              <a:rPr lang="en-US" sz="2400" dirty="0"/>
+              <a:t>*</a:t>
+            </a:r>
+          </a:p>
+        </p:txBody>
+      </p:sp>
+    </p:spTree>
+    <p:extLst>
+      <p:ext uri="{BB962C8B-B14F-4D97-AF65-F5344CB8AC3E}">
+        <p14:creationId xmlns:p14="http://schemas.microsoft.com/office/powerpoint/2010/main" val="817930908"/>
+      </p:ext>
+    </p:extLst>
+  </p:cSld>
+  <p:clrMapOvr>
+    <a:masterClrMapping/>
+  </p:clrMapOvr>
+</p:sld>
+</file>
+
+<file path=ppt/slides/slide7.xml><?xml version="1.0" encoding="utf-8"?>
+<p:sld xmlns:a="http://schemas.openxmlformats.org/drawingml/2006/main" xmlns:r="http://schemas.openxmlformats.org/officeDocument/2006/relationships" xmlns:p="http://schemas.openxmlformats.org/presentationml/2006/main" show="0">
   <p:cSld>
     <p:spTree>
       <p:nvGrpSpPr>
@@ -4762,6 +5950,483 @@
     </p:spTree>
     <p:extLst>
       <p:ext uri="{BB962C8B-B14F-4D97-AF65-F5344CB8AC3E}">
+        <p14:creationId xmlns:p14="http://schemas.microsoft.com/office/powerpoint/2010/main" val="1570914066"/>
+      </p:ext>
+    </p:extLst>
+  </p:cSld>
+  <p:clrMapOvr>
+    <a:masterClrMapping/>
+  </p:clrMapOvr>
+</p:sld>
+</file>
+
+<file path=ppt/slides/slide8.xml><?xml version="1.0" encoding="utf-8"?>
+<p:sld xmlns:a="http://schemas.openxmlformats.org/drawingml/2006/main" xmlns:r="http://schemas.openxmlformats.org/officeDocument/2006/relationships" xmlns:p="http://schemas.openxmlformats.org/presentationml/2006/main">
+  <p:cSld>
+    <p:spTree>
+      <p:nvGrpSpPr>
+        <p:cNvPr id="1" name=""/>
+        <p:cNvGrpSpPr/>
+        <p:nvPr/>
+      </p:nvGrpSpPr>
+      <p:grpSpPr>
+        <a:xfrm>
+          <a:off x="0" y="0"/>
+          <a:ext cx="0" cy="0"/>
+          <a:chOff x="0" y="0"/>
+          <a:chExt cx="0" cy="0"/>
+        </a:xfrm>
+      </p:grpSpPr>
+      <p:pic>
+        <p:nvPicPr>
+          <p:cNvPr id="3" name="Picture 2">
+            <a:extLst>
+              <a:ext uri="{FF2B5EF4-FFF2-40B4-BE49-F238E27FC236}">
+                <a16:creationId xmlns:a16="http://schemas.microsoft.com/office/drawing/2014/main" id="{53125AAE-0198-6D78-C11E-FDA914B7B4EF}"/>
+              </a:ext>
+            </a:extLst>
+          </p:cNvPr>
+          <p:cNvPicPr>
+            <a:picLocks noChangeAspect="1"/>
+          </p:cNvPicPr>
+          <p:nvPr/>
+        </p:nvPicPr>
+        <p:blipFill rotWithShape="1">
+          <a:blip r:embed="rId2"/>
+          <a:srcRect t="91693"/>
+          <a:stretch/>
+        </p:blipFill>
+        <p:spPr>
+          <a:xfrm>
+            <a:off x="1683941" y="4449083"/>
+            <a:ext cx="4427492" cy="367811"/>
+          </a:xfrm>
+          <a:prstGeom prst="rect">
+            <a:avLst/>
+          </a:prstGeom>
+        </p:spPr>
+      </p:pic>
+      <p:pic>
+        <p:nvPicPr>
+          <p:cNvPr id="35" name="Picture 34" descr="Chart&#10;&#10;Description automatically generated">
+            <a:extLst>
+              <a:ext uri="{FF2B5EF4-FFF2-40B4-BE49-F238E27FC236}">
+                <a16:creationId xmlns:a16="http://schemas.microsoft.com/office/drawing/2014/main" id="{845F6414-0812-2510-3511-EAA28F521203}"/>
+              </a:ext>
+            </a:extLst>
+          </p:cNvPr>
+          <p:cNvPicPr>
+            <a:picLocks noChangeAspect="1"/>
+          </p:cNvPicPr>
+          <p:nvPr/>
+        </p:nvPicPr>
+        <p:blipFill>
+          <a:blip r:embed="rId3"/>
+          <a:stretch>
+            <a:fillRect/>
+          </a:stretch>
+        </p:blipFill>
+        <p:spPr>
+          <a:xfrm>
+            <a:off x="3808625" y="1087395"/>
+            <a:ext cx="3429000" cy="3429000"/>
+          </a:xfrm>
+          <a:prstGeom prst="rect">
+            <a:avLst/>
+          </a:prstGeom>
+        </p:spPr>
+      </p:pic>
+      <p:grpSp>
+        <p:nvGrpSpPr>
+          <p:cNvPr id="33" name="Group 32">
+            <a:extLst>
+              <a:ext uri="{FF2B5EF4-FFF2-40B4-BE49-F238E27FC236}">
+                <a16:creationId xmlns:a16="http://schemas.microsoft.com/office/drawing/2014/main" id="{E4353E7E-FD52-740D-C4F6-8E68C6F64023}"/>
+              </a:ext>
+            </a:extLst>
+          </p:cNvPr>
+          <p:cNvGrpSpPr>
+            <a:grpSpLocks noChangeAspect="1"/>
+          </p:cNvGrpSpPr>
+          <p:nvPr/>
+        </p:nvGrpSpPr>
+        <p:grpSpPr>
+          <a:xfrm>
+            <a:off x="7356391" y="1090113"/>
+            <a:ext cx="4541774" cy="3657600"/>
+            <a:chOff x="3635252" y="61785"/>
+            <a:chExt cx="8435251" cy="6796215"/>
+          </a:xfrm>
+        </p:grpSpPr>
+        <p:pic>
+          <p:nvPicPr>
+            <p:cNvPr id="25" name="Picture 24" descr="A picture containing icon&#10;&#10;Description automatically generated">
+              <a:extLst>
+                <a:ext uri="{FF2B5EF4-FFF2-40B4-BE49-F238E27FC236}">
+                  <a16:creationId xmlns:a16="http://schemas.microsoft.com/office/drawing/2014/main" id="{2E7EBBC2-7D15-7C8A-87D1-271AC169D226}"/>
+                </a:ext>
+              </a:extLst>
+            </p:cNvPr>
+            <p:cNvPicPr>
+              <a:picLocks noChangeAspect="1"/>
+            </p:cNvPicPr>
+            <p:nvPr/>
+          </p:nvPicPr>
+          <p:blipFill rotWithShape="1">
+            <a:blip r:embed="rId4"/>
+            <a:srcRect b="9820"/>
+            <a:stretch/>
+          </p:blipFill>
+          <p:spPr>
+            <a:xfrm>
+              <a:off x="5212503" y="3982994"/>
+              <a:ext cx="6858000" cy="2061518"/>
+            </a:xfrm>
+            <a:prstGeom prst="rect">
+              <a:avLst/>
+            </a:prstGeom>
+          </p:spPr>
+        </p:pic>
+        <p:pic>
+          <p:nvPicPr>
+            <p:cNvPr id="23" name="Picture 22" descr="A picture containing icon&#10;&#10;Description automatically generated">
+              <a:extLst>
+                <a:ext uri="{FF2B5EF4-FFF2-40B4-BE49-F238E27FC236}">
+                  <a16:creationId xmlns:a16="http://schemas.microsoft.com/office/drawing/2014/main" id="{2B1352E8-84DE-669C-26CE-4BA1DEF02F06}"/>
+                </a:ext>
+              </a:extLst>
+            </p:cNvPr>
+            <p:cNvPicPr>
+              <a:picLocks noChangeAspect="1"/>
+            </p:cNvPicPr>
+            <p:nvPr/>
+          </p:nvPicPr>
+          <p:blipFill rotWithShape="1">
+            <a:blip r:embed="rId5"/>
+            <a:srcRect b="9820"/>
+            <a:stretch/>
+          </p:blipFill>
+          <p:spPr>
+            <a:xfrm>
+              <a:off x="5212503" y="2024448"/>
+              <a:ext cx="6858000" cy="2061518"/>
+            </a:xfrm>
+            <a:prstGeom prst="rect">
+              <a:avLst/>
+            </a:prstGeom>
+          </p:spPr>
+        </p:pic>
+        <p:pic>
+          <p:nvPicPr>
+            <p:cNvPr id="21" name="Picture 20" descr="A picture containing icon&#10;&#10;Description automatically generated">
+              <a:extLst>
+                <a:ext uri="{FF2B5EF4-FFF2-40B4-BE49-F238E27FC236}">
+                  <a16:creationId xmlns:a16="http://schemas.microsoft.com/office/drawing/2014/main" id="{E0F37F9C-76E3-99EF-6A55-86EC10CACF4D}"/>
+                </a:ext>
+              </a:extLst>
+            </p:cNvPr>
+            <p:cNvPicPr>
+              <a:picLocks noChangeAspect="1"/>
+            </p:cNvPicPr>
+            <p:nvPr/>
+          </p:nvPicPr>
+          <p:blipFill rotWithShape="1">
+            <a:blip r:embed="rId6"/>
+            <a:srcRect b="9820"/>
+            <a:stretch/>
+          </p:blipFill>
+          <p:spPr>
+            <a:xfrm>
+              <a:off x="5212503" y="61785"/>
+              <a:ext cx="6858000" cy="2061518"/>
+            </a:xfrm>
+            <a:prstGeom prst="rect">
+              <a:avLst/>
+            </a:prstGeom>
+          </p:spPr>
+        </p:pic>
+        <p:sp>
+          <p:nvSpPr>
+            <p:cNvPr id="28" name="TextBox 27">
+              <a:extLst>
+                <a:ext uri="{FF2B5EF4-FFF2-40B4-BE49-F238E27FC236}">
+                  <a16:creationId xmlns:a16="http://schemas.microsoft.com/office/drawing/2014/main" id="{F4C087AE-790C-4FA0-40D3-6CD1B44F380F}"/>
+                </a:ext>
+              </a:extLst>
+            </p:cNvPr>
+            <p:cNvSpPr txBox="1"/>
+            <p:nvPr/>
+          </p:nvSpPr>
+          <p:spPr>
+            <a:xfrm>
+              <a:off x="3635252" y="815545"/>
+              <a:ext cx="1354362" cy="594758"/>
+            </a:xfrm>
+            <a:prstGeom prst="rect">
+              <a:avLst/>
+            </a:prstGeom>
+            <a:noFill/>
+          </p:spPr>
+          <p:txBody>
+            <a:bodyPr wrap="none" rtlCol="0">
+              <a:spAutoFit/>
+            </a:bodyPr>
+            <a:lstStyle/>
+            <a:p>
+              <a:r>
+                <a:rPr lang="en-US" sz="1500" dirty="0">
+                  <a:latin typeface="Arial" panose="020B0604020202020204" pitchFamily="34" charset="0"/>
+                  <a:cs typeface="Arial" panose="020B0604020202020204" pitchFamily="34" charset="0"/>
+                </a:rPr>
+                <a:t>1 Year</a:t>
+              </a:r>
+            </a:p>
+          </p:txBody>
+        </p:sp>
+        <p:sp>
+          <p:nvSpPr>
+            <p:cNvPr id="29" name="TextBox 28">
+              <a:extLst>
+                <a:ext uri="{FF2B5EF4-FFF2-40B4-BE49-F238E27FC236}">
+                  <a16:creationId xmlns:a16="http://schemas.microsoft.com/office/drawing/2014/main" id="{BBD7D4B1-E84A-86D0-4ADD-02677EE506D5}"/>
+                </a:ext>
+              </a:extLst>
+            </p:cNvPr>
+            <p:cNvSpPr txBox="1"/>
+            <p:nvPr/>
+          </p:nvSpPr>
+          <p:spPr>
+            <a:xfrm>
+              <a:off x="3635252" y="2778209"/>
+              <a:ext cx="1536351" cy="600475"/>
+            </a:xfrm>
+            <a:prstGeom prst="rect">
+              <a:avLst/>
+            </a:prstGeom>
+            <a:noFill/>
+          </p:spPr>
+          <p:txBody>
+            <a:bodyPr wrap="none" rtlCol="0">
+              <a:spAutoFit/>
+            </a:bodyPr>
+            <a:lstStyle/>
+            <a:p>
+              <a:r>
+                <a:rPr lang="en-US" sz="1500" dirty="0">
+                  <a:latin typeface="Arial" panose="020B0604020202020204" pitchFamily="34" charset="0"/>
+                  <a:cs typeface="Arial" panose="020B0604020202020204" pitchFamily="34" charset="0"/>
+                </a:rPr>
+                <a:t>3 Years</a:t>
+              </a:r>
+            </a:p>
+          </p:txBody>
+        </p:sp>
+        <p:sp>
+          <p:nvSpPr>
+            <p:cNvPr id="30" name="TextBox 29">
+              <a:extLst>
+                <a:ext uri="{FF2B5EF4-FFF2-40B4-BE49-F238E27FC236}">
+                  <a16:creationId xmlns:a16="http://schemas.microsoft.com/office/drawing/2014/main" id="{4EFDBF39-5703-4E3D-19FC-A2650DE1B8C7}"/>
+                </a:ext>
+              </a:extLst>
+            </p:cNvPr>
+            <p:cNvSpPr txBox="1"/>
+            <p:nvPr/>
+          </p:nvSpPr>
+          <p:spPr>
+            <a:xfrm>
+              <a:off x="3635252" y="4736754"/>
+              <a:ext cx="1756878" cy="594758"/>
+            </a:xfrm>
+            <a:prstGeom prst="rect">
+              <a:avLst/>
+            </a:prstGeom>
+            <a:noFill/>
+          </p:spPr>
+          <p:txBody>
+            <a:bodyPr wrap="none" rtlCol="0">
+              <a:spAutoFit/>
+            </a:bodyPr>
+            <a:lstStyle/>
+            <a:p>
+              <a:r>
+                <a:rPr lang="en-US" sz="1500" dirty="0">
+                  <a:latin typeface="Arial" panose="020B0604020202020204" pitchFamily="34" charset="0"/>
+                  <a:cs typeface="Arial" panose="020B0604020202020204" pitchFamily="34" charset="0"/>
+                </a:rPr>
+                <a:t>10 Years</a:t>
+              </a:r>
+            </a:p>
+          </p:txBody>
+        </p:sp>
+        <p:pic>
+          <p:nvPicPr>
+            <p:cNvPr id="32" name="Picture 31" descr="Chart&#10;&#10;Description automatically generated">
+              <a:extLst>
+                <a:ext uri="{FF2B5EF4-FFF2-40B4-BE49-F238E27FC236}">
+                  <a16:creationId xmlns:a16="http://schemas.microsoft.com/office/drawing/2014/main" id="{2134189C-6DB0-F9DB-D1D4-E285E853BFA7}"/>
+                </a:ext>
+              </a:extLst>
+            </p:cNvPr>
+            <p:cNvPicPr>
+              <a:picLocks noChangeAspect="1"/>
+            </p:cNvPicPr>
+            <p:nvPr/>
+          </p:nvPicPr>
+          <p:blipFill rotWithShape="1">
+            <a:blip r:embed="rId7"/>
+            <a:srcRect t="62432"/>
+            <a:stretch/>
+          </p:blipFill>
+          <p:spPr>
+            <a:xfrm>
+              <a:off x="5212503" y="5569806"/>
+              <a:ext cx="6858000" cy="1288194"/>
+            </a:xfrm>
+            <a:prstGeom prst="rect">
+              <a:avLst/>
+            </a:prstGeom>
+          </p:spPr>
+        </p:pic>
+      </p:grpSp>
+      <p:pic>
+        <p:nvPicPr>
+          <p:cNvPr id="34" name="Picture 33" descr="Chart&#10;&#10;Description automatically generated">
+            <a:extLst>
+              <a:ext uri="{FF2B5EF4-FFF2-40B4-BE49-F238E27FC236}">
+                <a16:creationId xmlns:a16="http://schemas.microsoft.com/office/drawing/2014/main" id="{E6021AAF-D4DC-3FC2-43E3-3D5ECE12AECD}"/>
+              </a:ext>
+            </a:extLst>
+          </p:cNvPr>
+          <p:cNvPicPr>
+            <a:picLocks noChangeAspect="1"/>
+          </p:cNvPicPr>
+          <p:nvPr/>
+        </p:nvPicPr>
+        <p:blipFill>
+          <a:blip r:embed="rId8"/>
+          <a:stretch>
+            <a:fillRect/>
+          </a:stretch>
+        </p:blipFill>
+        <p:spPr>
+          <a:xfrm>
+            <a:off x="178548" y="1087395"/>
+            <a:ext cx="3429000" cy="3429000"/>
+          </a:xfrm>
+          <a:prstGeom prst="rect">
+            <a:avLst/>
+          </a:prstGeom>
+        </p:spPr>
+      </p:pic>
+      <p:sp>
+        <p:nvSpPr>
+          <p:cNvPr id="36" name="TextBox 35">
+            <a:extLst>
+              <a:ext uri="{FF2B5EF4-FFF2-40B4-BE49-F238E27FC236}">
+                <a16:creationId xmlns:a16="http://schemas.microsoft.com/office/drawing/2014/main" id="{C6C821BB-6584-B9E0-3F8F-3EED25CD3CD4}"/>
+              </a:ext>
+            </a:extLst>
+          </p:cNvPr>
+          <p:cNvSpPr txBox="1"/>
+          <p:nvPr/>
+        </p:nvSpPr>
+        <p:spPr>
+          <a:xfrm>
+            <a:off x="-5958" y="706391"/>
+            <a:ext cx="369012" cy="553998"/>
+          </a:xfrm>
+          <a:prstGeom prst="rect">
+            <a:avLst/>
+          </a:prstGeom>
+          <a:noFill/>
+        </p:spPr>
+        <p:txBody>
+          <a:bodyPr wrap="none" rtlCol="0">
+            <a:spAutoFit/>
+          </a:bodyPr>
+          <a:lstStyle/>
+          <a:p>
+            <a:r>
+              <a:rPr lang="en-US" sz="3000" dirty="0"/>
+              <a:t>a</a:t>
+            </a:r>
+          </a:p>
+        </p:txBody>
+      </p:sp>
+      <p:sp>
+        <p:nvSpPr>
+          <p:cNvPr id="37" name="TextBox 36">
+            <a:extLst>
+              <a:ext uri="{FF2B5EF4-FFF2-40B4-BE49-F238E27FC236}">
+                <a16:creationId xmlns:a16="http://schemas.microsoft.com/office/drawing/2014/main" id="{BFA313EE-1FA4-C3AE-02C6-5BCD1ABCBA7C}"/>
+              </a:ext>
+            </a:extLst>
+          </p:cNvPr>
+          <p:cNvSpPr txBox="1"/>
+          <p:nvPr/>
+        </p:nvSpPr>
+        <p:spPr>
+          <a:xfrm>
+            <a:off x="3542898" y="706391"/>
+            <a:ext cx="386644" cy="553998"/>
+          </a:xfrm>
+          <a:prstGeom prst="rect">
+            <a:avLst/>
+          </a:prstGeom>
+          <a:noFill/>
+        </p:spPr>
+        <p:txBody>
+          <a:bodyPr wrap="none" rtlCol="0">
+            <a:spAutoFit/>
+          </a:bodyPr>
+          <a:lstStyle/>
+          <a:p>
+            <a:r>
+              <a:rPr lang="en-US" sz="3000" dirty="0"/>
+              <a:t>b</a:t>
+            </a:r>
+          </a:p>
+        </p:txBody>
+      </p:sp>
+      <p:sp>
+        <p:nvSpPr>
+          <p:cNvPr id="38" name="TextBox 37">
+            <a:extLst>
+              <a:ext uri="{FF2B5EF4-FFF2-40B4-BE49-F238E27FC236}">
+                <a16:creationId xmlns:a16="http://schemas.microsoft.com/office/drawing/2014/main" id="{2C991CFE-34EB-A610-2FB3-E64B3335F4B7}"/>
+              </a:ext>
+            </a:extLst>
+          </p:cNvPr>
+          <p:cNvSpPr txBox="1"/>
+          <p:nvPr/>
+        </p:nvSpPr>
+        <p:spPr>
+          <a:xfrm>
+            <a:off x="7089069" y="706391"/>
+            <a:ext cx="369012" cy="553998"/>
+          </a:xfrm>
+          <a:prstGeom prst="rect">
+            <a:avLst/>
+          </a:prstGeom>
+          <a:noFill/>
+        </p:spPr>
+        <p:txBody>
+          <a:bodyPr wrap="square" rtlCol="0">
+            <a:spAutoFit/>
+          </a:bodyPr>
+          <a:lstStyle/>
+          <a:p>
+            <a:r>
+              <a:rPr lang="en-US" sz="3000" dirty="0"/>
+              <a:t>c</a:t>
+            </a:r>
+          </a:p>
+        </p:txBody>
+      </p:sp>
+    </p:spTree>
+    <p:extLst>
+      <p:ext uri="{BB962C8B-B14F-4D97-AF65-F5344CB8AC3E}">
         <p14:creationId xmlns:p14="http://schemas.microsoft.com/office/powerpoint/2010/main" val="189369324"/>
       </p:ext>
     </p:extLst>
@@ -4772,7 +6437,7 @@
 </p:sld>
 </file>
 
-<file path=ppt/slides/slide5.xml><?xml version="1.0" encoding="utf-8"?>
+<file path=ppt/slides/slide9.xml><?xml version="1.0" encoding="utf-8"?>
 <p:sld xmlns:a="http://schemas.openxmlformats.org/drawingml/2006/main" xmlns:r="http://schemas.openxmlformats.org/officeDocument/2006/relationships" xmlns:p="http://schemas.openxmlformats.org/presentationml/2006/main" show="0">
   <p:cSld>
     <p:spTree>
@@ -4912,304 +6577,6 @@
     <p:extLst>
       <p:ext uri="{BB962C8B-B14F-4D97-AF65-F5344CB8AC3E}">
         <p14:creationId xmlns:p14="http://schemas.microsoft.com/office/powerpoint/2010/main" val="2321095042"/>
-      </p:ext>
-    </p:extLst>
-  </p:cSld>
-  <p:clrMapOvr>
-    <a:masterClrMapping/>
-  </p:clrMapOvr>
-</p:sld>
-</file>
-
-<file path=ppt/slides/slide6.xml><?xml version="1.0" encoding="utf-8"?>
-<p:sld xmlns:a="http://schemas.openxmlformats.org/drawingml/2006/main" xmlns:r="http://schemas.openxmlformats.org/officeDocument/2006/relationships" xmlns:p="http://schemas.openxmlformats.org/presentationml/2006/main">
-  <p:cSld>
-    <p:spTree>
-      <p:nvGrpSpPr>
-        <p:cNvPr id="1" name=""/>
-        <p:cNvGrpSpPr/>
-        <p:nvPr/>
-      </p:nvGrpSpPr>
-      <p:grpSpPr>
-        <a:xfrm>
-          <a:off x="0" y="0"/>
-          <a:ext cx="0" cy="0"/>
-          <a:chOff x="0" y="0"/>
-          <a:chExt cx="0" cy="0"/>
-        </a:xfrm>
-      </p:grpSpPr>
-      <p:pic>
-        <p:nvPicPr>
-          <p:cNvPr id="4" name="Picture 3" descr="Chart, line chart&#10;&#10;Description automatically generated">
-            <a:extLst>
-              <a:ext uri="{FF2B5EF4-FFF2-40B4-BE49-F238E27FC236}">
-                <a16:creationId xmlns:a16="http://schemas.microsoft.com/office/drawing/2014/main" id="{E09406DF-D2D8-BEB5-2F35-23721C5B0995}"/>
-              </a:ext>
-            </a:extLst>
-          </p:cNvPr>
-          <p:cNvPicPr>
-            <a:picLocks noChangeAspect="1"/>
-          </p:cNvPicPr>
-          <p:nvPr/>
-        </p:nvPicPr>
-        <p:blipFill>
-          <a:blip r:embed="rId2"/>
-          <a:stretch>
-            <a:fillRect/>
-          </a:stretch>
-        </p:blipFill>
-        <p:spPr>
-          <a:xfrm>
-            <a:off x="4236309" y="0"/>
-            <a:ext cx="6858000" cy="6858000"/>
-          </a:xfrm>
-          <a:prstGeom prst="rect">
-            <a:avLst/>
-          </a:prstGeom>
-        </p:spPr>
-      </p:pic>
-    </p:spTree>
-    <p:extLst>
-      <p:ext uri="{BB962C8B-B14F-4D97-AF65-F5344CB8AC3E}">
-        <p14:creationId xmlns:p14="http://schemas.microsoft.com/office/powerpoint/2010/main" val="672998204"/>
-      </p:ext>
-    </p:extLst>
-  </p:cSld>
-  <p:clrMapOvr>
-    <a:masterClrMapping/>
-  </p:clrMapOvr>
-</p:sld>
-</file>
-
-<file path=ppt/slides/slide7.xml><?xml version="1.0" encoding="utf-8"?>
-<p:sld xmlns:a="http://schemas.openxmlformats.org/drawingml/2006/main" xmlns:r="http://schemas.openxmlformats.org/officeDocument/2006/relationships" xmlns:p="http://schemas.openxmlformats.org/presentationml/2006/main">
-  <p:cSld>
-    <p:spTree>
-      <p:nvGrpSpPr>
-        <p:cNvPr id="1" name=""/>
-        <p:cNvGrpSpPr/>
-        <p:nvPr/>
-      </p:nvGrpSpPr>
-      <p:grpSpPr>
-        <a:xfrm>
-          <a:off x="0" y="0"/>
-          <a:ext cx="0" cy="0"/>
-          <a:chOff x="0" y="0"/>
-          <a:chExt cx="0" cy="0"/>
-        </a:xfrm>
-      </p:grpSpPr>
-      <p:cxnSp>
-        <p:nvCxnSpPr>
-          <p:cNvPr id="9" name="Straight Arrow Connector 8">
-            <a:extLst>
-              <a:ext uri="{FF2B5EF4-FFF2-40B4-BE49-F238E27FC236}">
-                <a16:creationId xmlns:a16="http://schemas.microsoft.com/office/drawing/2014/main" id="{F08BBB2B-BB4F-089F-0416-B3140A7E0ACE}"/>
-              </a:ext>
-            </a:extLst>
-          </p:cNvPr>
-          <p:cNvCxnSpPr>
-            <a:cxnSpLocks/>
-          </p:cNvCxnSpPr>
-          <p:nvPr/>
-        </p:nvCxnSpPr>
-        <p:spPr>
-          <a:xfrm flipV="1">
-            <a:off x="4102443" y="160638"/>
-            <a:ext cx="0" cy="3645243"/>
-          </a:xfrm>
-          <a:prstGeom prst="straightConnector1">
-            <a:avLst/>
-          </a:prstGeom>
-          <a:ln w="31750">
-            <a:headEnd w="lg" len="lg"/>
-            <a:tailEnd type="triangle"/>
-          </a:ln>
-        </p:spPr>
-        <p:style>
-          <a:lnRef idx="1">
-            <a:schemeClr val="dk1"/>
-          </a:lnRef>
-          <a:fillRef idx="0">
-            <a:schemeClr val="dk1"/>
-          </a:fillRef>
-          <a:effectRef idx="0">
-            <a:schemeClr val="dk1"/>
-          </a:effectRef>
-          <a:fontRef idx="minor">
-            <a:schemeClr val="tx1"/>
-          </a:fontRef>
-        </p:style>
-      </p:cxnSp>
-      <p:sp>
-        <p:nvSpPr>
-          <p:cNvPr id="10" name="TextBox 9">
-            <a:extLst>
-              <a:ext uri="{FF2B5EF4-FFF2-40B4-BE49-F238E27FC236}">
-                <a16:creationId xmlns:a16="http://schemas.microsoft.com/office/drawing/2014/main" id="{58244B80-4CAB-C39B-C40B-82B7E22734A6}"/>
-              </a:ext>
-            </a:extLst>
-          </p:cNvPr>
-          <p:cNvSpPr txBox="1"/>
-          <p:nvPr/>
-        </p:nvSpPr>
-        <p:spPr>
-          <a:xfrm>
-            <a:off x="1371600" y="160638"/>
-            <a:ext cx="2682145" cy="830997"/>
-          </a:xfrm>
-          <a:prstGeom prst="rect">
-            <a:avLst/>
-          </a:prstGeom>
-          <a:noFill/>
-        </p:spPr>
-        <p:txBody>
-          <a:bodyPr wrap="none" rtlCol="0">
-            <a:spAutoFit/>
-          </a:bodyPr>
-          <a:lstStyle/>
-          <a:p>
-            <a:r>
-              <a:rPr lang="en-US" sz="2400" dirty="0">
-                <a:latin typeface="Arial" panose="020B0604020202020204" pitchFamily="34" charset="0"/>
-                <a:cs typeface="Arial" panose="020B0604020202020204" pitchFamily="34" charset="0"/>
-              </a:rPr>
-              <a:t>Overestimation of </a:t>
-            </a:r>
-          </a:p>
-          <a:p>
-            <a:r>
-              <a:rPr lang="en-US" sz="2400" dirty="0">
-                <a:latin typeface="Arial" panose="020B0604020202020204" pitchFamily="34" charset="0"/>
-                <a:cs typeface="Arial" panose="020B0604020202020204" pitchFamily="34" charset="0"/>
-              </a:rPr>
-              <a:t>Previous Stress</a:t>
-            </a:r>
-          </a:p>
-        </p:txBody>
-      </p:sp>
-      <p:sp>
-        <p:nvSpPr>
-          <p:cNvPr id="11" name="TextBox 10">
-            <a:extLst>
-              <a:ext uri="{FF2B5EF4-FFF2-40B4-BE49-F238E27FC236}">
-                <a16:creationId xmlns:a16="http://schemas.microsoft.com/office/drawing/2014/main" id="{DA80D186-1C4D-443E-5737-664723057A58}"/>
-              </a:ext>
-            </a:extLst>
-          </p:cNvPr>
-          <p:cNvSpPr txBox="1"/>
-          <p:nvPr/>
-        </p:nvSpPr>
-        <p:spPr>
-          <a:xfrm>
-            <a:off x="1371600" y="4712043"/>
-            <a:ext cx="2855269" cy="830997"/>
-          </a:xfrm>
-          <a:prstGeom prst="rect">
-            <a:avLst/>
-          </a:prstGeom>
-          <a:noFill/>
-        </p:spPr>
-        <p:txBody>
-          <a:bodyPr wrap="none" rtlCol="0">
-            <a:spAutoFit/>
-          </a:bodyPr>
-          <a:lstStyle/>
-          <a:p>
-            <a:r>
-              <a:rPr lang="en-US" sz="2400" dirty="0">
-                <a:latin typeface="Arial" panose="020B0604020202020204" pitchFamily="34" charset="0"/>
-                <a:cs typeface="Arial" panose="020B0604020202020204" pitchFamily="34" charset="0"/>
-              </a:rPr>
-              <a:t>Underestimation of </a:t>
-            </a:r>
-          </a:p>
-          <a:p>
-            <a:r>
-              <a:rPr lang="en-US" sz="2400" dirty="0">
-                <a:latin typeface="Arial" panose="020B0604020202020204" pitchFamily="34" charset="0"/>
-                <a:cs typeface="Arial" panose="020B0604020202020204" pitchFamily="34" charset="0"/>
-              </a:rPr>
-              <a:t>Previous Stress</a:t>
-            </a:r>
-          </a:p>
-        </p:txBody>
-      </p:sp>
-      <p:cxnSp>
-        <p:nvCxnSpPr>
-          <p:cNvPr id="12" name="Straight Arrow Connector 11">
-            <a:extLst>
-              <a:ext uri="{FF2B5EF4-FFF2-40B4-BE49-F238E27FC236}">
-                <a16:creationId xmlns:a16="http://schemas.microsoft.com/office/drawing/2014/main" id="{7F31DE40-6E89-B153-2FD6-DFD21AEC3D6E}"/>
-              </a:ext>
-            </a:extLst>
-          </p:cNvPr>
-          <p:cNvCxnSpPr>
-            <a:cxnSpLocks/>
-          </p:cNvCxnSpPr>
-          <p:nvPr/>
-        </p:nvCxnSpPr>
-        <p:spPr>
-          <a:xfrm flipV="1">
-            <a:off x="4102443" y="3917092"/>
-            <a:ext cx="0" cy="1625948"/>
-          </a:xfrm>
-          <a:prstGeom prst="straightConnector1">
-            <a:avLst/>
-          </a:prstGeom>
-          <a:ln w="31750">
-            <a:headEnd type="triangle"/>
-            <a:tailEnd type="none" w="lg" len="lg"/>
-          </a:ln>
-        </p:spPr>
-        <p:style>
-          <a:lnRef idx="1">
-            <a:schemeClr val="dk1"/>
-          </a:lnRef>
-          <a:fillRef idx="0">
-            <a:schemeClr val="dk1"/>
-          </a:fillRef>
-          <a:effectRef idx="0">
-            <a:schemeClr val="dk1"/>
-          </a:effectRef>
-          <a:fontRef idx="minor">
-            <a:schemeClr val="tx1"/>
-          </a:fontRef>
-        </p:style>
-      </p:cxnSp>
-      <p:pic>
-        <p:nvPicPr>
-          <p:cNvPr id="25" name="Picture 24" descr="Chart&#10;&#10;Description automatically generated with medium confidence">
-            <a:extLst>
-              <a:ext uri="{FF2B5EF4-FFF2-40B4-BE49-F238E27FC236}">
-                <a16:creationId xmlns:a16="http://schemas.microsoft.com/office/drawing/2014/main" id="{AF91A413-C3A5-07BC-397D-CB45AE8D8063}"/>
-              </a:ext>
-            </a:extLst>
-          </p:cNvPr>
-          <p:cNvPicPr>
-            <a:picLocks noChangeAspect="1"/>
-          </p:cNvPicPr>
-          <p:nvPr/>
-        </p:nvPicPr>
-        <p:blipFill>
-          <a:blip r:embed="rId2"/>
-          <a:stretch>
-            <a:fillRect/>
-          </a:stretch>
-        </p:blipFill>
-        <p:spPr>
-          <a:xfrm>
-            <a:off x="4151142" y="0"/>
-            <a:ext cx="6858000" cy="6858000"/>
-          </a:xfrm>
-          <a:prstGeom prst="rect">
-            <a:avLst/>
-          </a:prstGeom>
-        </p:spPr>
-      </p:pic>
-    </p:spTree>
-    <p:extLst>
-      <p:ext uri="{BB962C8B-B14F-4D97-AF65-F5344CB8AC3E}">
-        <p14:creationId xmlns:p14="http://schemas.microsoft.com/office/powerpoint/2010/main" val="571879346"/>
       </p:ext>
     </p:extLst>
   </p:cSld>

--- a/Merged/Output/fig/pptx/covid_graph.pptx
+++ b/Merged/Output/fig/pptx/covid_graph.pptx
@@ -4,18 +4,24 @@
   <p:sldMasterIdLst>
     <p:sldMasterId id="2147483648" r:id="rId1"/>
   </p:sldMasterIdLst>
+  <p:notesMasterIdLst>
+    <p:notesMasterId r:id="rId16"/>
+  </p:notesMasterIdLst>
   <p:sldIdLst>
-    <p:sldId id="257" r:id="rId2"/>
-    <p:sldId id="266" r:id="rId3"/>
-    <p:sldId id="265" r:id="rId4"/>
-    <p:sldId id="256" r:id="rId5"/>
-    <p:sldId id="262" r:id="rId6"/>
-    <p:sldId id="267" r:id="rId7"/>
-    <p:sldId id="264" r:id="rId8"/>
-    <p:sldId id="259" r:id="rId9"/>
-    <p:sldId id="261" r:id="rId10"/>
-    <p:sldId id="263" r:id="rId11"/>
-    <p:sldId id="258" r:id="rId12"/>
+    <p:sldId id="271" r:id="rId2"/>
+    <p:sldId id="272" r:id="rId3"/>
+    <p:sldId id="257" r:id="rId4"/>
+    <p:sldId id="266" r:id="rId5"/>
+    <p:sldId id="265" r:id="rId6"/>
+    <p:sldId id="256" r:id="rId7"/>
+    <p:sldId id="262" r:id="rId8"/>
+    <p:sldId id="267" r:id="rId9"/>
+    <p:sldId id="269" r:id="rId10"/>
+    <p:sldId id="264" r:id="rId11"/>
+    <p:sldId id="259" r:id="rId12"/>
+    <p:sldId id="261" r:id="rId13"/>
+    <p:sldId id="263" r:id="rId14"/>
+    <p:sldId id="258" r:id="rId15"/>
   </p:sldIdLst>
   <p:sldSz cx="12192000" cy="6858000"/>
   <p:notesSz cx="6858000" cy="9144000"/>
@@ -125,13 +131,305 @@
 <file path=ppt/revisionInfo.xml><?xml version="1.0" encoding="utf-8"?>
 <p1510:revInfo xmlns:a="http://schemas.openxmlformats.org/drawingml/2006/main" xmlns:r="http://schemas.openxmlformats.org/officeDocument/2006/relationships" xmlns:p1510="http://schemas.microsoft.com/office/powerpoint/2015/10/main">
   <p1510:revLst>
-    <p1510:client id="{E22E5BB7-CD1F-7340-935F-A940F314ABAF}" v="65" dt="2022-09-01T22:21:20.776"/>
+    <p1510:client id="{4E5FB829-5166-6748-9F2C-095FA685F962}" v="5" dt="2022-11-29T20:37:00.883"/>
   </p1510:revLst>
 </p1510:revInfo>
 </file>
 
 <file path=ppt/changesInfos/changesInfo1.xml><?xml version="1.0" encoding="utf-8"?>
 <pc:chgInfo xmlns:a="http://schemas.openxmlformats.org/drawingml/2006/main" xmlns:r="http://schemas.openxmlformats.org/officeDocument/2006/relationships" xmlns:ac="http://schemas.microsoft.com/office/drawing/2013/main/command" xmlns:pc="http://schemas.microsoft.com/office/powerpoint/2013/main/command">
+  <pc:docChgLst>
+    <pc:chgData name="Fan, Haoxue" userId="b18e6d19-ba76-4460-b207-b07dff247cb6" providerId="ADAL" clId="{02BDAAA4-7F21-0E41-B5CC-3EA3611A1998}"/>
+    <pc:docChg chg="undo redo custSel addSld delSld modSld">
+      <pc:chgData name="Fan, Haoxue" userId="b18e6d19-ba76-4460-b207-b07dff247cb6" providerId="ADAL" clId="{02BDAAA4-7F21-0E41-B5CC-3EA3611A1998}" dt="2022-11-13T03:01:23.177" v="115" actId="1038"/>
+      <pc:docMkLst>
+        <pc:docMk/>
+      </pc:docMkLst>
+      <pc:sldChg chg="modSp">
+        <pc:chgData name="Fan, Haoxue" userId="b18e6d19-ba76-4460-b207-b07dff247cb6" providerId="ADAL" clId="{02BDAAA4-7F21-0E41-B5CC-3EA3611A1998}" dt="2022-11-13T02:59:32.068" v="70" actId="962"/>
+        <pc:sldMkLst>
+          <pc:docMk/>
+          <pc:sldMk cId="817930908" sldId="267"/>
+        </pc:sldMkLst>
+        <pc:picChg chg="mod">
+          <ac:chgData name="Fan, Haoxue" userId="b18e6d19-ba76-4460-b207-b07dff247cb6" providerId="ADAL" clId="{02BDAAA4-7F21-0E41-B5CC-3EA3611A1998}" dt="2022-11-13T02:59:32.068" v="70" actId="962"/>
+          <ac:picMkLst>
+            <pc:docMk/>
+            <pc:sldMk cId="817930908" sldId="267"/>
+            <ac:picMk id="14" creationId="{6623D51D-38AA-9C0E-B7B6-113BF7D50419}"/>
+          </ac:picMkLst>
+        </pc:picChg>
+      </pc:sldChg>
+      <pc:sldChg chg="addSp delSp modSp new mod modNotesTx">
+        <pc:chgData name="Fan, Haoxue" userId="b18e6d19-ba76-4460-b207-b07dff247cb6" providerId="ADAL" clId="{02BDAAA4-7F21-0E41-B5CC-3EA3611A1998}" dt="2022-11-13T03:00:27.640" v="82" actId="21"/>
+        <pc:sldMkLst>
+          <pc:docMk/>
+          <pc:sldMk cId="4158911080" sldId="268"/>
+        </pc:sldMkLst>
+        <pc:spChg chg="del">
+          <ac:chgData name="Fan, Haoxue" userId="b18e6d19-ba76-4460-b207-b07dff247cb6" providerId="ADAL" clId="{02BDAAA4-7F21-0E41-B5CC-3EA3611A1998}" dt="2022-11-13T02:59:24.548" v="66"/>
+          <ac:spMkLst>
+            <pc:docMk/>
+            <pc:sldMk cId="4158911080" sldId="268"/>
+            <ac:spMk id="3" creationId="{204E7E21-9FE0-C278-9C06-18A6BCD67F87}"/>
+          </ac:spMkLst>
+        </pc:spChg>
+        <pc:spChg chg="add mod">
+          <ac:chgData name="Fan, Haoxue" userId="b18e6d19-ba76-4460-b207-b07dff247cb6" providerId="ADAL" clId="{02BDAAA4-7F21-0E41-B5CC-3EA3611A1998}" dt="2022-11-13T03:00:01.906" v="76" actId="21"/>
+          <ac:spMkLst>
+            <pc:docMk/>
+            <pc:sldMk cId="4158911080" sldId="268"/>
+            <ac:spMk id="9" creationId="{863E19C4-A789-96D6-F81A-8524917BE99B}"/>
+          </ac:spMkLst>
+        </pc:spChg>
+        <pc:picChg chg="add del mod">
+          <ac:chgData name="Fan, Haoxue" userId="b18e6d19-ba76-4460-b207-b07dff247cb6" providerId="ADAL" clId="{02BDAAA4-7F21-0E41-B5CC-3EA3611A1998}" dt="2022-11-13T03:00:01.906" v="76" actId="21"/>
+          <ac:picMkLst>
+            <pc:docMk/>
+            <pc:sldMk cId="4158911080" sldId="268"/>
+            <ac:picMk id="5" creationId="{E8931692-3C8A-E17E-235A-E7ED0816BD93}"/>
+          </ac:picMkLst>
+        </pc:picChg>
+        <pc:picChg chg="add del mod">
+          <ac:chgData name="Fan, Haoxue" userId="b18e6d19-ba76-4460-b207-b07dff247cb6" providerId="ADAL" clId="{02BDAAA4-7F21-0E41-B5CC-3EA3611A1998}" dt="2022-11-13T03:00:27.640" v="82" actId="21"/>
+          <ac:picMkLst>
+            <pc:docMk/>
+            <pc:sldMk cId="4158911080" sldId="268"/>
+            <ac:picMk id="7" creationId="{620D0758-5978-CF17-D7E3-45B7DF01F7AF}"/>
+          </ac:picMkLst>
+        </pc:picChg>
+      </pc:sldChg>
+      <pc:sldChg chg="add del">
+        <pc:chgData name="Fan, Haoxue" userId="b18e6d19-ba76-4460-b207-b07dff247cb6" providerId="ADAL" clId="{02BDAAA4-7F21-0E41-B5CC-3EA3611A1998}" dt="2022-11-13T02:59:41.773" v="72"/>
+        <pc:sldMkLst>
+          <pc:docMk/>
+          <pc:sldMk cId="642742280" sldId="269"/>
+        </pc:sldMkLst>
+      </pc:sldChg>
+      <pc:sldChg chg="addSp delSp modSp add mod">
+        <pc:chgData name="Fan, Haoxue" userId="b18e6d19-ba76-4460-b207-b07dff247cb6" providerId="ADAL" clId="{02BDAAA4-7F21-0E41-B5CC-3EA3611A1998}" dt="2022-11-13T03:01:23.177" v="115" actId="1038"/>
+        <pc:sldMkLst>
+          <pc:docMk/>
+          <pc:sldMk cId="3532632232" sldId="269"/>
+        </pc:sldMkLst>
+        <pc:spChg chg="mod">
+          <ac:chgData name="Fan, Haoxue" userId="b18e6d19-ba76-4460-b207-b07dff247cb6" providerId="ADAL" clId="{02BDAAA4-7F21-0E41-B5CC-3EA3611A1998}" dt="2022-11-13T03:01:19.450" v="104" actId="1038"/>
+          <ac:spMkLst>
+            <pc:docMk/>
+            <pc:sldMk cId="3532632232" sldId="269"/>
+            <ac:spMk id="6" creationId="{591DFC6B-EE6A-DBC9-346B-A4F682A4A540}"/>
+          </ac:spMkLst>
+        </pc:spChg>
+        <pc:spChg chg="mod">
+          <ac:chgData name="Fan, Haoxue" userId="b18e6d19-ba76-4460-b207-b07dff247cb6" providerId="ADAL" clId="{02BDAAA4-7F21-0E41-B5CC-3EA3611A1998}" dt="2022-11-13T03:01:23.177" v="115" actId="1038"/>
+          <ac:spMkLst>
+            <pc:docMk/>
+            <pc:sldMk cId="3532632232" sldId="269"/>
+            <ac:spMk id="10" creationId="{C741AF86-FDC5-D891-5833-B0D84BDF2906}"/>
+          </ac:spMkLst>
+        </pc:spChg>
+        <pc:spChg chg="mod">
+          <ac:chgData name="Fan, Haoxue" userId="b18e6d19-ba76-4460-b207-b07dff247cb6" providerId="ADAL" clId="{02BDAAA4-7F21-0E41-B5CC-3EA3611A1998}" dt="2022-11-13T03:01:23.177" v="115" actId="1038"/>
+          <ac:spMkLst>
+            <pc:docMk/>
+            <pc:sldMk cId="3532632232" sldId="269"/>
+            <ac:spMk id="12" creationId="{98083C71-D38B-F2F8-72F5-C754FA6CD17A}"/>
+          </ac:spMkLst>
+        </pc:spChg>
+        <pc:picChg chg="add mod">
+          <ac:chgData name="Fan, Haoxue" userId="b18e6d19-ba76-4460-b207-b07dff247cb6" providerId="ADAL" clId="{02BDAAA4-7F21-0E41-B5CC-3EA3611A1998}" dt="2022-11-13T03:01:19.450" v="104" actId="1038"/>
+          <ac:picMkLst>
+            <pc:docMk/>
+            <pc:sldMk cId="3532632232" sldId="269"/>
+            <ac:picMk id="2" creationId="{320E5B94-B9E8-0B8A-9676-B8B1A1210381}"/>
+          </ac:picMkLst>
+        </pc:picChg>
+        <pc:picChg chg="add mod">
+          <ac:chgData name="Fan, Haoxue" userId="b18e6d19-ba76-4460-b207-b07dff247cb6" providerId="ADAL" clId="{02BDAAA4-7F21-0E41-B5CC-3EA3611A1998}" dt="2022-11-13T03:01:19.450" v="104" actId="1038"/>
+          <ac:picMkLst>
+            <pc:docMk/>
+            <pc:sldMk cId="3532632232" sldId="269"/>
+            <ac:picMk id="3" creationId="{417CC847-1B6A-480C-39B6-6DEE77D871C5}"/>
+          </ac:picMkLst>
+        </pc:picChg>
+        <pc:picChg chg="mod">
+          <ac:chgData name="Fan, Haoxue" userId="b18e6d19-ba76-4460-b207-b07dff247cb6" providerId="ADAL" clId="{02BDAAA4-7F21-0E41-B5CC-3EA3611A1998}" dt="2022-11-13T03:01:19.450" v="104" actId="1038"/>
+          <ac:picMkLst>
+            <pc:docMk/>
+            <pc:sldMk cId="3532632232" sldId="269"/>
+            <ac:picMk id="17" creationId="{A79EE7D8-7E84-A642-87ED-04FD62B8F967}"/>
+          </ac:picMkLst>
+        </pc:picChg>
+        <pc:picChg chg="mod">
+          <ac:chgData name="Fan, Haoxue" userId="b18e6d19-ba76-4460-b207-b07dff247cb6" providerId="ADAL" clId="{02BDAAA4-7F21-0E41-B5CC-3EA3611A1998}" dt="2022-11-13T03:01:19.450" v="104" actId="1038"/>
+          <ac:picMkLst>
+            <pc:docMk/>
+            <pc:sldMk cId="3532632232" sldId="269"/>
+            <ac:picMk id="20" creationId="{90EA4CC3-840F-EF41-E2D4-1DD8F941018F}"/>
+          </ac:picMkLst>
+        </pc:picChg>
+        <pc:picChg chg="del">
+          <ac:chgData name="Fan, Haoxue" userId="b18e6d19-ba76-4460-b207-b07dff247cb6" providerId="ADAL" clId="{02BDAAA4-7F21-0E41-B5CC-3EA3611A1998}" dt="2022-11-13T03:00:09.197" v="77" actId="478"/>
+          <ac:picMkLst>
+            <pc:docMk/>
+            <pc:sldMk cId="3532632232" sldId="269"/>
+            <ac:picMk id="1026" creationId="{AAA93493-990E-CE59-AA16-10D03CB93DED}"/>
+          </ac:picMkLst>
+        </pc:picChg>
+        <pc:picChg chg="del">
+          <ac:chgData name="Fan, Haoxue" userId="b18e6d19-ba76-4460-b207-b07dff247cb6" providerId="ADAL" clId="{02BDAAA4-7F21-0E41-B5CC-3EA3611A1998}" dt="2022-11-13T03:00:28.901" v="83" actId="478"/>
+          <ac:picMkLst>
+            <pc:docMk/>
+            <pc:sldMk cId="3532632232" sldId="269"/>
+            <ac:picMk id="1030" creationId="{427BCB10-51E4-8B6B-1ACF-DA4BDE9245AC}"/>
+          </ac:picMkLst>
+        </pc:picChg>
+      </pc:sldChg>
+    </pc:docChg>
+  </pc:docChgLst>
+  <pc:docChgLst>
+    <pc:chgData name="Fan, Haoxue" userId="b18e6d19-ba76-4460-b207-b07dff247cb6" providerId="ADAL" clId="{4E5FB829-5166-6748-9F2C-095FA685F962}"/>
+    <pc:docChg chg="undo custSel addSld delSld modSld">
+      <pc:chgData name="Fan, Haoxue" userId="b18e6d19-ba76-4460-b207-b07dff247cb6" providerId="ADAL" clId="{4E5FB829-5166-6748-9F2C-095FA685F962}" dt="2022-11-29T20:37:12.861" v="44" actId="1076"/>
+      <pc:docMkLst>
+        <pc:docMk/>
+      </pc:docMkLst>
+      <pc:sldChg chg="mod modShow">
+        <pc:chgData name="Fan, Haoxue" userId="b18e6d19-ba76-4460-b207-b07dff247cb6" providerId="ADAL" clId="{4E5FB829-5166-6748-9F2C-095FA685F962}" dt="2022-11-29T20:04:54.706" v="1" actId="729"/>
+        <pc:sldMkLst>
+          <pc:docMk/>
+          <pc:sldMk cId="1658426761" sldId="256"/>
+        </pc:sldMkLst>
+      </pc:sldChg>
+      <pc:sldChg chg="mod modShow">
+        <pc:chgData name="Fan, Haoxue" userId="b18e6d19-ba76-4460-b207-b07dff247cb6" providerId="ADAL" clId="{4E5FB829-5166-6748-9F2C-095FA685F962}" dt="2022-11-29T20:04:43.087" v="0" actId="729"/>
+        <pc:sldMkLst>
+          <pc:docMk/>
+          <pc:sldMk cId="189369324" sldId="259"/>
+        </pc:sldMkLst>
+      </pc:sldChg>
+      <pc:sldChg chg="mod modShow">
+        <pc:chgData name="Fan, Haoxue" userId="b18e6d19-ba76-4460-b207-b07dff247cb6" providerId="ADAL" clId="{4E5FB829-5166-6748-9F2C-095FA685F962}" dt="2022-11-29T20:04:54.706" v="1" actId="729"/>
+        <pc:sldMkLst>
+          <pc:docMk/>
+          <pc:sldMk cId="3732409021" sldId="262"/>
+        </pc:sldMkLst>
+      </pc:sldChg>
+      <pc:sldChg chg="mod modShow">
+        <pc:chgData name="Fan, Haoxue" userId="b18e6d19-ba76-4460-b207-b07dff247cb6" providerId="ADAL" clId="{4E5FB829-5166-6748-9F2C-095FA685F962}" dt="2022-11-29T20:05:02.260" v="2" actId="729"/>
+        <pc:sldMkLst>
+          <pc:docMk/>
+          <pc:sldMk cId="1902776895" sldId="265"/>
+        </pc:sldMkLst>
+      </pc:sldChg>
+      <pc:sldChg chg="mod modShow">
+        <pc:chgData name="Fan, Haoxue" userId="b18e6d19-ba76-4460-b207-b07dff247cb6" providerId="ADAL" clId="{4E5FB829-5166-6748-9F2C-095FA685F962}" dt="2022-11-29T20:04:54.706" v="1" actId="729"/>
+        <pc:sldMkLst>
+          <pc:docMk/>
+          <pc:sldMk cId="817930908" sldId="267"/>
+        </pc:sldMkLst>
+      </pc:sldChg>
+      <pc:sldChg chg="del">
+        <pc:chgData name="Fan, Haoxue" userId="b18e6d19-ba76-4460-b207-b07dff247cb6" providerId="ADAL" clId="{4E5FB829-5166-6748-9F2C-095FA685F962}" dt="2022-11-29T20:05:06.215" v="3" actId="2696"/>
+        <pc:sldMkLst>
+          <pc:docMk/>
+          <pc:sldMk cId="4158911080" sldId="268"/>
+        </pc:sldMkLst>
+      </pc:sldChg>
+      <pc:sldChg chg="mod modShow">
+        <pc:chgData name="Fan, Haoxue" userId="b18e6d19-ba76-4460-b207-b07dff247cb6" providerId="ADAL" clId="{4E5FB829-5166-6748-9F2C-095FA685F962}" dt="2022-11-29T20:34:56.968" v="7" actId="729"/>
+        <pc:sldMkLst>
+          <pc:docMk/>
+          <pc:sldMk cId="3532632232" sldId="269"/>
+        </pc:sldMkLst>
+      </pc:sldChg>
+      <pc:sldChg chg="new del">
+        <pc:chgData name="Fan, Haoxue" userId="b18e6d19-ba76-4460-b207-b07dff247cb6" providerId="ADAL" clId="{4E5FB829-5166-6748-9F2C-095FA685F962}" dt="2022-11-29T20:34:57.647" v="8" actId="2696"/>
+        <pc:sldMkLst>
+          <pc:docMk/>
+          <pc:sldMk cId="3742573288" sldId="270"/>
+        </pc:sldMkLst>
+      </pc:sldChg>
+      <pc:sldChg chg="addSp delSp modSp add mod modShow">
+        <pc:chgData name="Fan, Haoxue" userId="b18e6d19-ba76-4460-b207-b07dff247cb6" providerId="ADAL" clId="{4E5FB829-5166-6748-9F2C-095FA685F962}" dt="2022-11-29T20:36:05.841" v="24" actId="1076"/>
+        <pc:sldMkLst>
+          <pc:docMk/>
+          <pc:sldMk cId="869594595" sldId="271"/>
+        </pc:sldMkLst>
+        <pc:picChg chg="add mod">
+          <ac:chgData name="Fan, Haoxue" userId="b18e6d19-ba76-4460-b207-b07dff247cb6" providerId="ADAL" clId="{4E5FB829-5166-6748-9F2C-095FA685F962}" dt="2022-11-29T20:36:05.841" v="24" actId="1076"/>
+          <ac:picMkLst>
+            <pc:docMk/>
+            <pc:sldMk cId="869594595" sldId="271"/>
+            <ac:picMk id="3" creationId="{535A3B95-0359-759D-B258-6E60FB3DFD28}"/>
+          </ac:picMkLst>
+        </pc:picChg>
+        <pc:picChg chg="add mod">
+          <ac:chgData name="Fan, Haoxue" userId="b18e6d19-ba76-4460-b207-b07dff247cb6" providerId="ADAL" clId="{4E5FB829-5166-6748-9F2C-095FA685F962}" dt="2022-11-29T20:35:48.798" v="19" actId="1076"/>
+          <ac:picMkLst>
+            <pc:docMk/>
+            <pc:sldMk cId="869594595" sldId="271"/>
+            <ac:picMk id="5" creationId="{7E0F00E0-87CE-D6E8-F528-78B79E7496AE}"/>
+          </ac:picMkLst>
+        </pc:picChg>
+        <pc:picChg chg="del">
+          <ac:chgData name="Fan, Haoxue" userId="b18e6d19-ba76-4460-b207-b07dff247cb6" providerId="ADAL" clId="{4E5FB829-5166-6748-9F2C-095FA685F962}" dt="2022-11-29T20:35:59.824" v="22" actId="478"/>
+          <ac:picMkLst>
+            <pc:docMk/>
+            <pc:sldMk cId="869594595" sldId="271"/>
+            <ac:picMk id="10" creationId="{5D0B78D3-2DB1-FA8C-62D9-58FB2EB45467}"/>
+          </ac:picMkLst>
+        </pc:picChg>
+        <pc:picChg chg="del">
+          <ac:chgData name="Fan, Haoxue" userId="b18e6d19-ba76-4460-b207-b07dff247cb6" providerId="ADAL" clId="{4E5FB829-5166-6748-9F2C-095FA685F962}" dt="2022-11-29T20:35:43.614" v="18" actId="478"/>
+          <ac:picMkLst>
+            <pc:docMk/>
+            <pc:sldMk cId="869594595" sldId="271"/>
+            <ac:picMk id="12" creationId="{78EEF428-3E8C-D6ED-C54C-E703CA7F0909}"/>
+          </ac:picMkLst>
+        </pc:picChg>
+      </pc:sldChg>
+      <pc:sldChg chg="addSp delSp modSp add mod">
+        <pc:chgData name="Fan, Haoxue" userId="b18e6d19-ba76-4460-b207-b07dff247cb6" providerId="ADAL" clId="{4E5FB829-5166-6748-9F2C-095FA685F962}" dt="2022-11-29T20:37:12.861" v="44" actId="1076"/>
+        <pc:sldMkLst>
+          <pc:docMk/>
+          <pc:sldMk cId="4056772922" sldId="272"/>
+        </pc:sldMkLst>
+        <pc:picChg chg="add del">
+          <ac:chgData name="Fan, Haoxue" userId="b18e6d19-ba76-4460-b207-b07dff247cb6" providerId="ADAL" clId="{4E5FB829-5166-6748-9F2C-095FA685F962}" dt="2022-11-29T20:36:53.239" v="39" actId="478"/>
+          <ac:picMkLst>
+            <pc:docMk/>
+            <pc:sldMk cId="4056772922" sldId="272"/>
+            <ac:picMk id="2" creationId="{320E5B94-B9E8-0B8A-9676-B8B1A1210381}"/>
+          </ac:picMkLst>
+        </pc:picChg>
+        <pc:picChg chg="del">
+          <ac:chgData name="Fan, Haoxue" userId="b18e6d19-ba76-4460-b207-b07dff247cb6" providerId="ADAL" clId="{4E5FB829-5166-6748-9F2C-095FA685F962}" dt="2022-11-29T20:37:08.543" v="43" actId="478"/>
+          <ac:picMkLst>
+            <pc:docMk/>
+            <pc:sldMk cId="4056772922" sldId="272"/>
+            <ac:picMk id="3" creationId="{417CC847-1B6A-480C-39B6-6DEE77D871C5}"/>
+          </ac:picMkLst>
+        </pc:picChg>
+        <pc:picChg chg="add mod">
+          <ac:chgData name="Fan, Haoxue" userId="b18e6d19-ba76-4460-b207-b07dff247cb6" providerId="ADAL" clId="{4E5FB829-5166-6748-9F2C-095FA685F962}" dt="2022-11-29T20:37:12.861" v="44" actId="1076"/>
+          <ac:picMkLst>
+            <pc:docMk/>
+            <pc:sldMk cId="4056772922" sldId="272"/>
+            <ac:picMk id="8" creationId="{C480DAC0-A96C-E85B-FD31-392533C798F6}"/>
+          </ac:picMkLst>
+        </pc:picChg>
+        <pc:picChg chg="add mod">
+          <ac:chgData name="Fan, Haoxue" userId="b18e6d19-ba76-4460-b207-b07dff247cb6" providerId="ADAL" clId="{4E5FB829-5166-6748-9F2C-095FA685F962}" dt="2022-11-29T20:37:00.883" v="41" actId="167"/>
+          <ac:picMkLst>
+            <pc:docMk/>
+            <pc:sldMk cId="4056772922" sldId="272"/>
+            <ac:picMk id="13" creationId="{6AEE891F-30B8-0992-229C-CDC1BF434153}"/>
+          </ac:picMkLst>
+        </pc:picChg>
+      </pc:sldChg>
+    </pc:docChg>
+  </pc:docChgLst>
   <pc:docChgLst>
     <pc:chgData name="Fan, Haoxue" userId="b18e6d19-ba76-4460-b207-b07dff247cb6" providerId="ADAL" clId="{E22E5BB7-CD1F-7340-935F-A940F314ABAF}"/>
     <pc:docChg chg="undo custSel addSld modSld">
@@ -262,6 +560,439 @@
 </pc:chgInfo>
 </file>
 
+<file path=ppt/notesMasters/notesMaster1.xml><?xml version="1.0" encoding="utf-8"?>
+<p:notesMaster xmlns:a="http://schemas.openxmlformats.org/drawingml/2006/main" xmlns:r="http://schemas.openxmlformats.org/officeDocument/2006/relationships" xmlns:p="http://schemas.openxmlformats.org/presentationml/2006/main">
+  <p:cSld>
+    <p:bg>
+      <p:bgRef idx="1001">
+        <a:schemeClr val="bg1"/>
+      </p:bgRef>
+    </p:bg>
+    <p:spTree>
+      <p:nvGrpSpPr>
+        <p:cNvPr id="1" name=""/>
+        <p:cNvGrpSpPr/>
+        <p:nvPr/>
+      </p:nvGrpSpPr>
+      <p:grpSpPr>
+        <a:xfrm>
+          <a:off x="0" y="0"/>
+          <a:ext cx="0" cy="0"/>
+          <a:chOff x="0" y="0"/>
+          <a:chExt cx="0" cy="0"/>
+        </a:xfrm>
+      </p:grpSpPr>
+      <p:sp>
+        <p:nvSpPr>
+          <p:cNvPr id="2" name="Header Placeholder 1"/>
+          <p:cNvSpPr>
+            <a:spLocks noGrp="1"/>
+          </p:cNvSpPr>
+          <p:nvPr>
+            <p:ph type="hdr" sz="quarter"/>
+          </p:nvPr>
+        </p:nvSpPr>
+        <p:spPr>
+          <a:xfrm>
+            <a:off x="0" y="0"/>
+            <a:ext cx="2971800" cy="458788"/>
+          </a:xfrm>
+          <a:prstGeom prst="rect">
+            <a:avLst/>
+          </a:prstGeom>
+        </p:spPr>
+        <p:txBody>
+          <a:bodyPr vert="horz" lIns="91440" tIns="45720" rIns="91440" bIns="45720" rtlCol="0"/>
+          <a:lstStyle>
+            <a:lvl1pPr algn="l">
+              <a:defRPr sz="1200"/>
+            </a:lvl1pPr>
+          </a:lstStyle>
+          <a:p>
+            <a:endParaRPr lang="en-US"/>
+          </a:p>
+        </p:txBody>
+      </p:sp>
+      <p:sp>
+        <p:nvSpPr>
+          <p:cNvPr id="3" name="Date Placeholder 2"/>
+          <p:cNvSpPr>
+            <a:spLocks noGrp="1"/>
+          </p:cNvSpPr>
+          <p:nvPr>
+            <p:ph type="dt" idx="1"/>
+          </p:nvPr>
+        </p:nvSpPr>
+        <p:spPr>
+          <a:xfrm>
+            <a:off x="3884613" y="0"/>
+            <a:ext cx="2971800" cy="458788"/>
+          </a:xfrm>
+          <a:prstGeom prst="rect">
+            <a:avLst/>
+          </a:prstGeom>
+        </p:spPr>
+        <p:txBody>
+          <a:bodyPr vert="horz" lIns="91440" tIns="45720" rIns="91440" bIns="45720" rtlCol="0"/>
+          <a:lstStyle>
+            <a:lvl1pPr algn="r">
+              <a:defRPr sz="1200"/>
+            </a:lvl1pPr>
+          </a:lstStyle>
+          <a:p>
+            <a:fld id="{67C33C51-771E-9643-9D65-661F940D9C70}" type="datetimeFigureOut">
+              <a:rPr lang="en-US" smtClean="0"/>
+              <a:t>11/29/22</a:t>
+            </a:fld>
+            <a:endParaRPr lang="en-US"/>
+          </a:p>
+        </p:txBody>
+      </p:sp>
+      <p:sp>
+        <p:nvSpPr>
+          <p:cNvPr id="4" name="Slide Image Placeholder 3"/>
+          <p:cNvSpPr>
+            <a:spLocks noGrp="1" noRot="1" noChangeAspect="1"/>
+          </p:cNvSpPr>
+          <p:nvPr>
+            <p:ph type="sldImg" idx="2"/>
+          </p:nvPr>
+        </p:nvSpPr>
+        <p:spPr>
+          <a:xfrm>
+            <a:off x="685800" y="1143000"/>
+            <a:ext cx="5486400" cy="3086100"/>
+          </a:xfrm>
+          <a:prstGeom prst="rect">
+            <a:avLst/>
+          </a:prstGeom>
+          <a:noFill/>
+          <a:ln w="12700">
+            <a:solidFill>
+              <a:prstClr val="black"/>
+            </a:solidFill>
+          </a:ln>
+        </p:spPr>
+        <p:txBody>
+          <a:bodyPr vert="horz" lIns="91440" tIns="45720" rIns="91440" bIns="45720" rtlCol="0" anchor="ctr"/>
+          <a:lstStyle/>
+          <a:p>
+            <a:endParaRPr lang="en-US"/>
+          </a:p>
+        </p:txBody>
+      </p:sp>
+      <p:sp>
+        <p:nvSpPr>
+          <p:cNvPr id="5" name="Notes Placeholder 4"/>
+          <p:cNvSpPr>
+            <a:spLocks noGrp="1"/>
+          </p:cNvSpPr>
+          <p:nvPr>
+            <p:ph type="body" sz="quarter" idx="3"/>
+          </p:nvPr>
+        </p:nvSpPr>
+        <p:spPr>
+          <a:xfrm>
+            <a:off x="685800" y="4400550"/>
+            <a:ext cx="5486400" cy="3600450"/>
+          </a:xfrm>
+          <a:prstGeom prst="rect">
+            <a:avLst/>
+          </a:prstGeom>
+        </p:spPr>
+        <p:txBody>
+          <a:bodyPr vert="horz" lIns="91440" tIns="45720" rIns="91440" bIns="45720" rtlCol="0"/>
+          <a:lstStyle/>
+          <a:p>
+            <a:pPr lvl="0"/>
+            <a:r>
+              <a:rPr lang="en-US"/>
+              <a:t>Click to edit Master text styles</a:t>
+            </a:r>
+          </a:p>
+          <a:p>
+            <a:pPr lvl="1"/>
+            <a:r>
+              <a:rPr lang="en-US"/>
+              <a:t>Second level</a:t>
+            </a:r>
+          </a:p>
+          <a:p>
+            <a:pPr lvl="2"/>
+            <a:r>
+              <a:rPr lang="en-US"/>
+              <a:t>Third level</a:t>
+            </a:r>
+          </a:p>
+          <a:p>
+            <a:pPr lvl="3"/>
+            <a:r>
+              <a:rPr lang="en-US"/>
+              <a:t>Fourth level</a:t>
+            </a:r>
+          </a:p>
+          <a:p>
+            <a:pPr lvl="4"/>
+            <a:r>
+              <a:rPr lang="en-US"/>
+              <a:t>Fifth level</a:t>
+            </a:r>
+          </a:p>
+        </p:txBody>
+      </p:sp>
+      <p:sp>
+        <p:nvSpPr>
+          <p:cNvPr id="6" name="Footer Placeholder 5"/>
+          <p:cNvSpPr>
+            <a:spLocks noGrp="1"/>
+          </p:cNvSpPr>
+          <p:nvPr>
+            <p:ph type="ftr" sz="quarter" idx="4"/>
+          </p:nvPr>
+        </p:nvSpPr>
+        <p:spPr>
+          <a:xfrm>
+            <a:off x="0" y="8685213"/>
+            <a:ext cx="2971800" cy="458787"/>
+          </a:xfrm>
+          <a:prstGeom prst="rect">
+            <a:avLst/>
+          </a:prstGeom>
+        </p:spPr>
+        <p:txBody>
+          <a:bodyPr vert="horz" lIns="91440" tIns="45720" rIns="91440" bIns="45720" rtlCol="0" anchor="b"/>
+          <a:lstStyle>
+            <a:lvl1pPr algn="l">
+              <a:defRPr sz="1200"/>
+            </a:lvl1pPr>
+          </a:lstStyle>
+          <a:p>
+            <a:endParaRPr lang="en-US"/>
+          </a:p>
+        </p:txBody>
+      </p:sp>
+      <p:sp>
+        <p:nvSpPr>
+          <p:cNvPr id="7" name="Slide Number Placeholder 6"/>
+          <p:cNvSpPr>
+            <a:spLocks noGrp="1"/>
+          </p:cNvSpPr>
+          <p:nvPr>
+            <p:ph type="sldNum" sz="quarter" idx="5"/>
+          </p:nvPr>
+        </p:nvSpPr>
+        <p:spPr>
+          <a:xfrm>
+            <a:off x="3884613" y="8685213"/>
+            <a:ext cx="2971800" cy="458787"/>
+          </a:xfrm>
+          <a:prstGeom prst="rect">
+            <a:avLst/>
+          </a:prstGeom>
+        </p:spPr>
+        <p:txBody>
+          <a:bodyPr vert="horz" lIns="91440" tIns="45720" rIns="91440" bIns="45720" rtlCol="0" anchor="b"/>
+          <a:lstStyle>
+            <a:lvl1pPr algn="r">
+              <a:defRPr sz="1200"/>
+            </a:lvl1pPr>
+          </a:lstStyle>
+          <a:p>
+            <a:fld id="{7E5223CE-929F-3644-8CDE-1CA2CC0CA650}" type="slidenum">
+              <a:rPr lang="en-US" smtClean="0"/>
+              <a:t>‹#›</a:t>
+            </a:fld>
+            <a:endParaRPr lang="en-US"/>
+          </a:p>
+        </p:txBody>
+      </p:sp>
+    </p:spTree>
+    <p:extLst>
+      <p:ext uri="{BB962C8B-B14F-4D97-AF65-F5344CB8AC3E}">
+        <p14:creationId xmlns:p14="http://schemas.microsoft.com/office/powerpoint/2010/main" val="371857179"/>
+      </p:ext>
+    </p:extLst>
+  </p:cSld>
+  <p:clrMap bg1="lt1" tx1="dk1" bg2="lt2" tx2="dk2" accent1="accent1" accent2="accent2" accent3="accent3" accent4="accent4" accent5="accent5" accent6="accent6" hlink="hlink" folHlink="folHlink"/>
+  <p:notesStyle>
+    <a:lvl1pPr marL="0" algn="l" defTabSz="914400" rtl="0" eaLnBrk="1" latinLnBrk="0" hangingPunct="1">
+      <a:defRPr sz="1200" kern="1200">
+        <a:solidFill>
+          <a:schemeClr val="tx1"/>
+        </a:solidFill>
+        <a:latin typeface="+mn-lt"/>
+        <a:ea typeface="+mn-ea"/>
+        <a:cs typeface="+mn-cs"/>
+      </a:defRPr>
+    </a:lvl1pPr>
+    <a:lvl2pPr marL="457200" algn="l" defTabSz="914400" rtl="0" eaLnBrk="1" latinLnBrk="0" hangingPunct="1">
+      <a:defRPr sz="1200" kern="1200">
+        <a:solidFill>
+          <a:schemeClr val="tx1"/>
+        </a:solidFill>
+        <a:latin typeface="+mn-lt"/>
+        <a:ea typeface="+mn-ea"/>
+        <a:cs typeface="+mn-cs"/>
+      </a:defRPr>
+    </a:lvl2pPr>
+    <a:lvl3pPr marL="914400" algn="l" defTabSz="914400" rtl="0" eaLnBrk="1" latinLnBrk="0" hangingPunct="1">
+      <a:defRPr sz="1200" kern="1200">
+        <a:solidFill>
+          <a:schemeClr val="tx1"/>
+        </a:solidFill>
+        <a:latin typeface="+mn-lt"/>
+        <a:ea typeface="+mn-ea"/>
+        <a:cs typeface="+mn-cs"/>
+      </a:defRPr>
+    </a:lvl3pPr>
+    <a:lvl4pPr marL="1371600" algn="l" defTabSz="914400" rtl="0" eaLnBrk="1" latinLnBrk="0" hangingPunct="1">
+      <a:defRPr sz="1200" kern="1200">
+        <a:solidFill>
+          <a:schemeClr val="tx1"/>
+        </a:solidFill>
+        <a:latin typeface="+mn-lt"/>
+        <a:ea typeface="+mn-ea"/>
+        <a:cs typeface="+mn-cs"/>
+      </a:defRPr>
+    </a:lvl4pPr>
+    <a:lvl5pPr marL="1828800" algn="l" defTabSz="914400" rtl="0" eaLnBrk="1" latinLnBrk="0" hangingPunct="1">
+      <a:defRPr sz="1200" kern="1200">
+        <a:solidFill>
+          <a:schemeClr val="tx1"/>
+        </a:solidFill>
+        <a:latin typeface="+mn-lt"/>
+        <a:ea typeface="+mn-ea"/>
+        <a:cs typeface="+mn-cs"/>
+      </a:defRPr>
+    </a:lvl5pPr>
+    <a:lvl6pPr marL="2286000" algn="l" defTabSz="914400" rtl="0" eaLnBrk="1" latinLnBrk="0" hangingPunct="1">
+      <a:defRPr sz="1200" kern="1200">
+        <a:solidFill>
+          <a:schemeClr val="tx1"/>
+        </a:solidFill>
+        <a:latin typeface="+mn-lt"/>
+        <a:ea typeface="+mn-ea"/>
+        <a:cs typeface="+mn-cs"/>
+      </a:defRPr>
+    </a:lvl6pPr>
+    <a:lvl7pPr marL="2743200" algn="l" defTabSz="914400" rtl="0" eaLnBrk="1" latinLnBrk="0" hangingPunct="1">
+      <a:defRPr sz="1200" kern="1200">
+        <a:solidFill>
+          <a:schemeClr val="tx1"/>
+        </a:solidFill>
+        <a:latin typeface="+mn-lt"/>
+        <a:ea typeface="+mn-ea"/>
+        <a:cs typeface="+mn-cs"/>
+      </a:defRPr>
+    </a:lvl7pPr>
+    <a:lvl8pPr marL="3200400" algn="l" defTabSz="914400" rtl="0" eaLnBrk="1" latinLnBrk="0" hangingPunct="1">
+      <a:defRPr sz="1200" kern="1200">
+        <a:solidFill>
+          <a:schemeClr val="tx1"/>
+        </a:solidFill>
+        <a:latin typeface="+mn-lt"/>
+        <a:ea typeface="+mn-ea"/>
+        <a:cs typeface="+mn-cs"/>
+      </a:defRPr>
+    </a:lvl8pPr>
+    <a:lvl9pPr marL="3657600" algn="l" defTabSz="914400" rtl="0" eaLnBrk="1" latinLnBrk="0" hangingPunct="1">
+      <a:defRPr sz="1200" kern="1200">
+        <a:solidFill>
+          <a:schemeClr val="tx1"/>
+        </a:solidFill>
+        <a:latin typeface="+mn-lt"/>
+        <a:ea typeface="+mn-ea"/>
+        <a:cs typeface="+mn-cs"/>
+      </a:defRPr>
+    </a:lvl9pPr>
+  </p:notesStyle>
+</p:notesMaster>
+</file>
+
+<file path=ppt/notesSlides/notesSlide1.xml><?xml version="1.0" encoding="utf-8"?>
+<p:notes xmlns:a="http://schemas.openxmlformats.org/drawingml/2006/main" xmlns:r="http://schemas.openxmlformats.org/officeDocument/2006/relationships" xmlns:p="http://schemas.openxmlformats.org/presentationml/2006/main">
+  <p:cSld>
+    <p:spTree>
+      <p:nvGrpSpPr>
+        <p:cNvPr id="1" name=""/>
+        <p:cNvGrpSpPr/>
+        <p:nvPr/>
+      </p:nvGrpSpPr>
+      <p:grpSpPr>
+        <a:xfrm>
+          <a:off x="0" y="0"/>
+          <a:ext cx="0" cy="0"/>
+          <a:chOff x="0" y="0"/>
+          <a:chExt cx="0" cy="0"/>
+        </a:xfrm>
+      </p:grpSpPr>
+      <p:sp>
+        <p:nvSpPr>
+          <p:cNvPr id="2" name="Slide Image Placeholder 1"/>
+          <p:cNvSpPr>
+            <a:spLocks noGrp="1" noRot="1" noChangeAspect="1"/>
+          </p:cNvSpPr>
+          <p:nvPr>
+            <p:ph type="sldImg"/>
+          </p:nvPr>
+        </p:nvSpPr>
+        <p:spPr/>
+      </p:sp>
+      <p:sp>
+        <p:nvSpPr>
+          <p:cNvPr id="3" name="Notes Placeholder 2"/>
+          <p:cNvSpPr>
+            <a:spLocks noGrp="1"/>
+          </p:cNvSpPr>
+          <p:nvPr>
+            <p:ph type="body" idx="1"/>
+          </p:nvPr>
+        </p:nvSpPr>
+        <p:spPr/>
+        <p:txBody>
+          <a:bodyPr/>
+          <a:lstStyle/>
+          <a:p>
+            <a:endParaRPr lang="en-US" dirty="0"/>
+          </a:p>
+        </p:txBody>
+      </p:sp>
+      <p:sp>
+        <p:nvSpPr>
+          <p:cNvPr id="4" name="Slide Number Placeholder 3"/>
+          <p:cNvSpPr>
+            <a:spLocks noGrp="1"/>
+          </p:cNvSpPr>
+          <p:nvPr>
+            <p:ph type="sldNum" sz="quarter" idx="5"/>
+          </p:nvPr>
+        </p:nvSpPr>
+        <p:spPr/>
+        <p:txBody>
+          <a:bodyPr/>
+          <a:lstStyle/>
+          <a:p>
+            <a:fld id="{7E5223CE-929F-3644-8CDE-1CA2CC0CA650}" type="slidenum">
+              <a:rPr lang="en-US" smtClean="0"/>
+              <a:t>8</a:t>
+            </a:fld>
+            <a:endParaRPr lang="en-US"/>
+          </a:p>
+        </p:txBody>
+      </p:sp>
+    </p:spTree>
+    <p:extLst>
+      <p:ext uri="{BB962C8B-B14F-4D97-AF65-F5344CB8AC3E}">
+        <p14:creationId xmlns:p14="http://schemas.microsoft.com/office/powerpoint/2010/main" val="264036522"/>
+      </p:ext>
+    </p:extLst>
+  </p:cSld>
+  <p:clrMapOvr>
+    <a:masterClrMapping/>
+  </p:clrMapOvr>
+</p:notes>
+</file>
+
 <file path=ppt/slideLayouts/slideLayout1.xml><?xml version="1.0" encoding="utf-8"?>
 <p:sldLayout xmlns:a="http://schemas.openxmlformats.org/drawingml/2006/main" xmlns:r="http://schemas.openxmlformats.org/officeDocument/2006/relationships" xmlns:p="http://schemas.openxmlformats.org/presentationml/2006/main" type="title" preserve="1">
   <p:cSld name="Title Slide">
@@ -409,7 +1140,7 @@
           <a:p>
             <a:fld id="{9C1A8FE5-6487-A042-91C9-52C1D4B17324}" type="datetimeFigureOut">
               <a:rPr lang="en-US" smtClean="0"/>
-              <a:t>9/1/22</a:t>
+              <a:t>11/29/22</a:t>
             </a:fld>
             <a:endParaRPr lang="en-US"/>
           </a:p>
@@ -607,7 +1338,7 @@
           <a:p>
             <a:fld id="{9C1A8FE5-6487-A042-91C9-52C1D4B17324}" type="datetimeFigureOut">
               <a:rPr lang="en-US" smtClean="0"/>
-              <a:t>9/1/22</a:t>
+              <a:t>11/29/22</a:t>
             </a:fld>
             <a:endParaRPr lang="en-US"/>
           </a:p>
@@ -815,7 +1546,7 @@
           <a:p>
             <a:fld id="{9C1A8FE5-6487-A042-91C9-52C1D4B17324}" type="datetimeFigureOut">
               <a:rPr lang="en-US" smtClean="0"/>
-              <a:t>9/1/22</a:t>
+              <a:t>11/29/22</a:t>
             </a:fld>
             <a:endParaRPr lang="en-US"/>
           </a:p>
@@ -1013,7 +1744,7 @@
           <a:p>
             <a:fld id="{9C1A8FE5-6487-A042-91C9-52C1D4B17324}" type="datetimeFigureOut">
               <a:rPr lang="en-US" smtClean="0"/>
-              <a:t>9/1/22</a:t>
+              <a:t>11/29/22</a:t>
             </a:fld>
             <a:endParaRPr lang="en-US"/>
           </a:p>
@@ -1288,7 +2019,7 @@
           <a:p>
             <a:fld id="{9C1A8FE5-6487-A042-91C9-52C1D4B17324}" type="datetimeFigureOut">
               <a:rPr lang="en-US" smtClean="0"/>
-              <a:t>9/1/22</a:t>
+              <a:t>11/29/22</a:t>
             </a:fld>
             <a:endParaRPr lang="en-US"/>
           </a:p>
@@ -1553,7 +2284,7 @@
           <a:p>
             <a:fld id="{9C1A8FE5-6487-A042-91C9-52C1D4B17324}" type="datetimeFigureOut">
               <a:rPr lang="en-US" smtClean="0"/>
-              <a:t>9/1/22</a:t>
+              <a:t>11/29/22</a:t>
             </a:fld>
             <a:endParaRPr lang="en-US"/>
           </a:p>
@@ -1965,7 +2696,7 @@
           <a:p>
             <a:fld id="{9C1A8FE5-6487-A042-91C9-52C1D4B17324}" type="datetimeFigureOut">
               <a:rPr lang="en-US" smtClean="0"/>
-              <a:t>9/1/22</a:t>
+              <a:t>11/29/22</a:t>
             </a:fld>
             <a:endParaRPr lang="en-US"/>
           </a:p>
@@ -2106,7 +2837,7 @@
           <a:p>
             <a:fld id="{9C1A8FE5-6487-A042-91C9-52C1D4B17324}" type="datetimeFigureOut">
               <a:rPr lang="en-US" smtClean="0"/>
-              <a:t>9/1/22</a:t>
+              <a:t>11/29/22</a:t>
             </a:fld>
             <a:endParaRPr lang="en-US"/>
           </a:p>
@@ -2219,7 +2950,7 @@
           <a:p>
             <a:fld id="{9C1A8FE5-6487-A042-91C9-52C1D4B17324}" type="datetimeFigureOut">
               <a:rPr lang="en-US" smtClean="0"/>
-              <a:t>9/1/22</a:t>
+              <a:t>11/29/22</a:t>
             </a:fld>
             <a:endParaRPr lang="en-US"/>
           </a:p>
@@ -2530,7 +3261,7 @@
           <a:p>
             <a:fld id="{9C1A8FE5-6487-A042-91C9-52C1D4B17324}" type="datetimeFigureOut">
               <a:rPr lang="en-US" smtClean="0"/>
-              <a:t>9/1/22</a:t>
+              <a:t>11/29/22</a:t>
             </a:fld>
             <a:endParaRPr lang="en-US"/>
           </a:p>
@@ -2818,7 +3549,7 @@
           <a:p>
             <a:fld id="{9C1A8FE5-6487-A042-91C9-52C1D4B17324}" type="datetimeFigureOut">
               <a:rPr lang="en-US" smtClean="0"/>
-              <a:t>9/1/22</a:t>
+              <a:t>11/29/22</a:t>
             </a:fld>
             <a:endParaRPr lang="en-US"/>
           </a:p>
@@ -3059,7 +3790,7 @@
           <a:p>
             <a:fld id="{9C1A8FE5-6487-A042-91C9-52C1D4B17324}" type="datetimeFigureOut">
               <a:rPr lang="en-US" smtClean="0"/>
-              <a:t>9/1/22</a:t>
+              <a:t>11/29/22</a:t>
             </a:fld>
             <a:endParaRPr lang="en-US"/>
           </a:p>
@@ -3460,166 +4191,6 @@
 </file>
 
 <file path=ppt/slides/slide1.xml><?xml version="1.0" encoding="utf-8"?>
-<p:sld xmlns:a="http://schemas.openxmlformats.org/drawingml/2006/main" xmlns:r="http://schemas.openxmlformats.org/officeDocument/2006/relationships" xmlns:p="http://schemas.openxmlformats.org/presentationml/2006/main" show="0">
-  <p:cSld>
-    <p:spTree>
-      <p:nvGrpSpPr>
-        <p:cNvPr id="1" name=""/>
-        <p:cNvGrpSpPr/>
-        <p:nvPr/>
-      </p:nvGrpSpPr>
-      <p:grpSpPr>
-        <a:xfrm>
-          <a:off x="0" y="0"/>
-          <a:ext cx="0" cy="0"/>
-          <a:chOff x="0" y="0"/>
-          <a:chExt cx="0" cy="0"/>
-        </a:xfrm>
-      </p:grpSpPr>
-      <p:pic>
-        <p:nvPicPr>
-          <p:cNvPr id="10" name="Picture 9" descr="Chart, box and whisker chart&#10;&#10;Description automatically generated">
-            <a:extLst>
-              <a:ext uri="{FF2B5EF4-FFF2-40B4-BE49-F238E27FC236}">
-                <a16:creationId xmlns:a16="http://schemas.microsoft.com/office/drawing/2014/main" id="{5D0B78D3-2DB1-FA8C-62D9-58FB2EB45467}"/>
-              </a:ext>
-            </a:extLst>
-          </p:cNvPr>
-          <p:cNvPicPr>
-            <a:picLocks noChangeAspect="1"/>
-          </p:cNvPicPr>
-          <p:nvPr/>
-        </p:nvPicPr>
-        <p:blipFill>
-          <a:blip r:embed="rId2"/>
-          <a:stretch>
-            <a:fillRect/>
-          </a:stretch>
-        </p:blipFill>
-        <p:spPr>
-          <a:xfrm>
-            <a:off x="24714" y="284413"/>
-            <a:ext cx="4267200" cy="3657600"/>
-          </a:xfrm>
-          <a:prstGeom prst="rect">
-            <a:avLst/>
-          </a:prstGeom>
-        </p:spPr>
-      </p:pic>
-      <p:sp>
-        <p:nvSpPr>
-          <p:cNvPr id="15" name="TextBox 14">
-            <a:extLst>
-              <a:ext uri="{FF2B5EF4-FFF2-40B4-BE49-F238E27FC236}">
-                <a16:creationId xmlns:a16="http://schemas.microsoft.com/office/drawing/2014/main" id="{2D648060-0806-C02F-47D3-B992E3DE628C}"/>
-              </a:ext>
-            </a:extLst>
-          </p:cNvPr>
-          <p:cNvSpPr txBox="1"/>
-          <p:nvPr/>
-        </p:nvSpPr>
-        <p:spPr>
-          <a:xfrm>
-            <a:off x="91440" y="93913"/>
-            <a:ext cx="369012" cy="553998"/>
-          </a:xfrm>
-          <a:prstGeom prst="rect">
-            <a:avLst/>
-          </a:prstGeom>
-          <a:noFill/>
-        </p:spPr>
-        <p:txBody>
-          <a:bodyPr wrap="none" rtlCol="0">
-            <a:spAutoFit/>
-          </a:bodyPr>
-          <a:lstStyle/>
-          <a:p>
-            <a:r>
-              <a:rPr lang="en-US" sz="3000" dirty="0"/>
-              <a:t>a</a:t>
-            </a:r>
-          </a:p>
-        </p:txBody>
-      </p:sp>
-      <p:sp>
-        <p:nvSpPr>
-          <p:cNvPr id="16" name="TextBox 15">
-            <a:extLst>
-              <a:ext uri="{FF2B5EF4-FFF2-40B4-BE49-F238E27FC236}">
-                <a16:creationId xmlns:a16="http://schemas.microsoft.com/office/drawing/2014/main" id="{23ED1619-745A-6D24-E6AD-226C560CF606}"/>
-              </a:ext>
-            </a:extLst>
-          </p:cNvPr>
-          <p:cNvSpPr txBox="1"/>
-          <p:nvPr/>
-        </p:nvSpPr>
-        <p:spPr>
-          <a:xfrm>
-            <a:off x="3971996" y="99271"/>
-            <a:ext cx="386644" cy="553998"/>
-          </a:xfrm>
-          <a:prstGeom prst="rect">
-            <a:avLst/>
-          </a:prstGeom>
-          <a:noFill/>
-        </p:spPr>
-        <p:txBody>
-          <a:bodyPr wrap="none" rtlCol="0">
-            <a:spAutoFit/>
-          </a:bodyPr>
-          <a:lstStyle/>
-          <a:p>
-            <a:r>
-              <a:rPr lang="en-US" sz="3000" dirty="0"/>
-              <a:t>b</a:t>
-            </a:r>
-          </a:p>
-        </p:txBody>
-      </p:sp>
-      <p:pic>
-        <p:nvPicPr>
-          <p:cNvPr id="12" name="Picture 11" descr="Chart, scatter chart&#10;&#10;Description automatically generated">
-            <a:extLst>
-              <a:ext uri="{FF2B5EF4-FFF2-40B4-BE49-F238E27FC236}">
-                <a16:creationId xmlns:a16="http://schemas.microsoft.com/office/drawing/2014/main" id="{78EEF428-3E8C-D6ED-C54C-E703CA7F0909}"/>
-              </a:ext>
-            </a:extLst>
-          </p:cNvPr>
-          <p:cNvPicPr>
-            <a:picLocks noChangeAspect="1"/>
-          </p:cNvPicPr>
-          <p:nvPr/>
-        </p:nvPicPr>
-        <p:blipFill>
-          <a:blip r:embed="rId3"/>
-          <a:stretch>
-            <a:fillRect/>
-          </a:stretch>
-        </p:blipFill>
-        <p:spPr>
-          <a:xfrm>
-            <a:off x="4358640" y="284413"/>
-            <a:ext cx="4267200" cy="3657600"/>
-          </a:xfrm>
-          <a:prstGeom prst="rect">
-            <a:avLst/>
-          </a:prstGeom>
-        </p:spPr>
-      </p:pic>
-    </p:spTree>
-    <p:extLst>
-      <p:ext uri="{BB962C8B-B14F-4D97-AF65-F5344CB8AC3E}">
-        <p14:creationId xmlns:p14="http://schemas.microsoft.com/office/powerpoint/2010/main" val="3124854890"/>
-      </p:ext>
-    </p:extLst>
-  </p:cSld>
-  <p:clrMapOvr>
-    <a:masterClrMapping/>
-  </p:clrMapOvr>
-</p:sld>
-</file>
-
-<file path=ppt/slides/slide10.xml><?xml version="1.0" encoding="utf-8"?>
 <p:sld xmlns:a="http://schemas.openxmlformats.org/drawingml/2006/main" xmlns:r="http://schemas.openxmlformats.org/officeDocument/2006/relationships" xmlns:p="http://schemas.openxmlformats.org/presentationml/2006/main">
   <p:cSld>
     <p:spTree>
@@ -3636,12 +4207,82 @@
           <a:chExt cx="0" cy="0"/>
         </a:xfrm>
       </p:grpSpPr>
+      <p:sp>
+        <p:nvSpPr>
+          <p:cNvPr id="15" name="TextBox 14">
+            <a:extLst>
+              <a:ext uri="{FF2B5EF4-FFF2-40B4-BE49-F238E27FC236}">
+                <a16:creationId xmlns:a16="http://schemas.microsoft.com/office/drawing/2014/main" id="{2D648060-0806-C02F-47D3-B992E3DE628C}"/>
+              </a:ext>
+            </a:extLst>
+          </p:cNvPr>
+          <p:cNvSpPr txBox="1"/>
+          <p:nvPr/>
+        </p:nvSpPr>
+        <p:spPr>
+          <a:xfrm>
+            <a:off x="91440" y="-109287"/>
+            <a:ext cx="369012" cy="553998"/>
+          </a:xfrm>
+          <a:prstGeom prst="rect">
+            <a:avLst/>
+          </a:prstGeom>
+          <a:noFill/>
+        </p:spPr>
+        <p:txBody>
+          <a:bodyPr wrap="none" rtlCol="0">
+            <a:spAutoFit/>
+          </a:bodyPr>
+          <a:lstStyle/>
+          <a:p>
+            <a:r>
+              <a:rPr lang="en-US" sz="3000" dirty="0"/>
+              <a:t>a</a:t>
+            </a:r>
+          </a:p>
+        </p:txBody>
+      </p:sp>
+      <p:sp>
+        <p:nvSpPr>
+          <p:cNvPr id="16" name="TextBox 15">
+            <a:extLst>
+              <a:ext uri="{FF2B5EF4-FFF2-40B4-BE49-F238E27FC236}">
+                <a16:creationId xmlns:a16="http://schemas.microsoft.com/office/drawing/2014/main" id="{23ED1619-745A-6D24-E6AD-226C560CF606}"/>
+              </a:ext>
+            </a:extLst>
+          </p:cNvPr>
+          <p:cNvSpPr txBox="1"/>
+          <p:nvPr/>
+        </p:nvSpPr>
+        <p:spPr>
+          <a:xfrm>
+            <a:off x="3971996" y="-103929"/>
+            <a:ext cx="386644" cy="553998"/>
+          </a:xfrm>
+          <a:prstGeom prst="rect">
+            <a:avLst/>
+          </a:prstGeom>
+          <a:noFill/>
+        </p:spPr>
+        <p:txBody>
+          <a:bodyPr wrap="none" rtlCol="0">
+            <a:spAutoFit/>
+          </a:bodyPr>
+          <a:lstStyle/>
+          <a:p>
+            <a:r>
+              <a:rPr lang="en-US" sz="3000" dirty="0"/>
+              <a:t>b</a:t>
+            </a:r>
+          </a:p>
+        </p:txBody>
+      </p:sp>
       <p:pic>
         <p:nvPicPr>
           <p:cNvPr id="3" name="Picture 2">
             <a:extLst>
               <a:ext uri="{FF2B5EF4-FFF2-40B4-BE49-F238E27FC236}">
-                <a16:creationId xmlns:a16="http://schemas.microsoft.com/office/drawing/2014/main" id="{94EDFDE8-AF90-B977-0A25-7F1FD968864E}"/>
+                <a16:creationId xmlns:a16="http://schemas.microsoft.com/office/drawing/2014/main" id="{535A3B95-0359-759D-B258-6E60FB3DFD28}"/>
               </a:ext>
             </a:extLst>
           </p:cNvPr>
@@ -3658,8 +4299,38 @@
         </p:blipFill>
         <p:spPr>
           <a:xfrm>
-            <a:off x="4682073" y="0"/>
-            <a:ext cx="6858000" cy="6858000"/>
+            <a:off x="4270248" y="356616"/>
+            <a:ext cx="4267200" cy="3657600"/>
+          </a:xfrm>
+          <a:prstGeom prst="rect">
+            <a:avLst/>
+          </a:prstGeom>
+        </p:spPr>
+      </p:pic>
+      <p:pic>
+        <p:nvPicPr>
+          <p:cNvPr id="5" name="Picture 4">
+            <a:extLst>
+              <a:ext uri="{FF2B5EF4-FFF2-40B4-BE49-F238E27FC236}">
+                <a16:creationId xmlns:a16="http://schemas.microsoft.com/office/drawing/2014/main" id="{7E0F00E0-87CE-D6E8-F528-78B79E7496AE}"/>
+              </a:ext>
+            </a:extLst>
+          </p:cNvPr>
+          <p:cNvPicPr>
+            <a:picLocks noChangeAspect="1"/>
+          </p:cNvPicPr>
+          <p:nvPr/>
+        </p:nvPicPr>
+        <p:blipFill>
+          <a:blip r:embed="rId3"/>
+          <a:stretch>
+            <a:fillRect/>
+          </a:stretch>
+        </p:blipFill>
+        <p:spPr>
+          <a:xfrm>
+            <a:off x="27432" y="356616"/>
+            <a:ext cx="4267200" cy="3657600"/>
           </a:xfrm>
           <a:prstGeom prst="rect">
             <a:avLst/>
@@ -3669,7 +4340,7 @@
     </p:spTree>
     <p:extLst>
       <p:ext uri="{BB962C8B-B14F-4D97-AF65-F5344CB8AC3E}">
-        <p14:creationId xmlns:p14="http://schemas.microsoft.com/office/powerpoint/2010/main" val="672998204"/>
+        <p14:creationId xmlns:p14="http://schemas.microsoft.com/office/powerpoint/2010/main" val="869594595"/>
       </p:ext>
     </p:extLst>
   </p:cSld>
@@ -3679,1811 +4350,7 @@
 </p:sld>
 </file>
 
-<file path=ppt/slides/slide11.xml><?xml version="1.0" encoding="utf-8"?>
-<p:sld xmlns:a="http://schemas.openxmlformats.org/drawingml/2006/main" xmlns:r="http://schemas.openxmlformats.org/officeDocument/2006/relationships" xmlns:p="http://schemas.openxmlformats.org/presentationml/2006/main">
-  <p:cSld>
-    <p:spTree>
-      <p:nvGrpSpPr>
-        <p:cNvPr id="1" name=""/>
-        <p:cNvGrpSpPr/>
-        <p:nvPr/>
-      </p:nvGrpSpPr>
-      <p:grpSpPr>
-        <a:xfrm>
-          <a:off x="0" y="0"/>
-          <a:ext cx="0" cy="0"/>
-          <a:chOff x="0" y="0"/>
-          <a:chExt cx="0" cy="0"/>
-        </a:xfrm>
-      </p:grpSpPr>
-      <p:cxnSp>
-        <p:nvCxnSpPr>
-          <p:cNvPr id="9" name="Straight Arrow Connector 8">
-            <a:extLst>
-              <a:ext uri="{FF2B5EF4-FFF2-40B4-BE49-F238E27FC236}">
-                <a16:creationId xmlns:a16="http://schemas.microsoft.com/office/drawing/2014/main" id="{F08BBB2B-BB4F-089F-0416-B3140A7E0ACE}"/>
-              </a:ext>
-            </a:extLst>
-          </p:cNvPr>
-          <p:cNvCxnSpPr>
-            <a:cxnSpLocks/>
-          </p:cNvCxnSpPr>
-          <p:nvPr/>
-        </p:nvCxnSpPr>
-        <p:spPr>
-          <a:xfrm flipV="1">
-            <a:off x="4102443" y="160638"/>
-            <a:ext cx="0" cy="3645243"/>
-          </a:xfrm>
-          <a:prstGeom prst="straightConnector1">
-            <a:avLst/>
-          </a:prstGeom>
-          <a:ln w="31750">
-            <a:headEnd w="lg" len="lg"/>
-            <a:tailEnd type="triangle"/>
-          </a:ln>
-        </p:spPr>
-        <p:style>
-          <a:lnRef idx="1">
-            <a:schemeClr val="dk1"/>
-          </a:lnRef>
-          <a:fillRef idx="0">
-            <a:schemeClr val="dk1"/>
-          </a:fillRef>
-          <a:effectRef idx="0">
-            <a:schemeClr val="dk1"/>
-          </a:effectRef>
-          <a:fontRef idx="minor">
-            <a:schemeClr val="tx1"/>
-          </a:fontRef>
-        </p:style>
-      </p:cxnSp>
-      <p:sp>
-        <p:nvSpPr>
-          <p:cNvPr id="10" name="TextBox 9">
-            <a:extLst>
-              <a:ext uri="{FF2B5EF4-FFF2-40B4-BE49-F238E27FC236}">
-                <a16:creationId xmlns:a16="http://schemas.microsoft.com/office/drawing/2014/main" id="{58244B80-4CAB-C39B-C40B-82B7E22734A6}"/>
-              </a:ext>
-            </a:extLst>
-          </p:cNvPr>
-          <p:cNvSpPr txBox="1"/>
-          <p:nvPr/>
-        </p:nvSpPr>
-        <p:spPr>
-          <a:xfrm>
-            <a:off x="1371600" y="160638"/>
-            <a:ext cx="2682145" cy="830997"/>
-          </a:xfrm>
-          <a:prstGeom prst="rect">
-            <a:avLst/>
-          </a:prstGeom>
-          <a:noFill/>
-        </p:spPr>
-        <p:txBody>
-          <a:bodyPr wrap="none" rtlCol="0">
-            <a:spAutoFit/>
-          </a:bodyPr>
-          <a:lstStyle/>
-          <a:p>
-            <a:r>
-              <a:rPr lang="en-US" sz="2400" dirty="0">
-                <a:latin typeface="Arial" panose="020B0604020202020204" pitchFamily="34" charset="0"/>
-                <a:cs typeface="Arial" panose="020B0604020202020204" pitchFamily="34" charset="0"/>
-              </a:rPr>
-              <a:t>Overestimation of </a:t>
-            </a:r>
-          </a:p>
-          <a:p>
-            <a:r>
-              <a:rPr lang="en-US" sz="2400" dirty="0">
-                <a:latin typeface="Arial" panose="020B0604020202020204" pitchFamily="34" charset="0"/>
-                <a:cs typeface="Arial" panose="020B0604020202020204" pitchFamily="34" charset="0"/>
-              </a:rPr>
-              <a:t>Previous Stress</a:t>
-            </a:r>
-          </a:p>
-        </p:txBody>
-      </p:sp>
-      <p:sp>
-        <p:nvSpPr>
-          <p:cNvPr id="11" name="TextBox 10">
-            <a:extLst>
-              <a:ext uri="{FF2B5EF4-FFF2-40B4-BE49-F238E27FC236}">
-                <a16:creationId xmlns:a16="http://schemas.microsoft.com/office/drawing/2014/main" id="{DA80D186-1C4D-443E-5737-664723057A58}"/>
-              </a:ext>
-            </a:extLst>
-          </p:cNvPr>
-          <p:cNvSpPr txBox="1"/>
-          <p:nvPr/>
-        </p:nvSpPr>
-        <p:spPr>
-          <a:xfrm>
-            <a:off x="1371600" y="4712043"/>
-            <a:ext cx="2855269" cy="830997"/>
-          </a:xfrm>
-          <a:prstGeom prst="rect">
-            <a:avLst/>
-          </a:prstGeom>
-          <a:noFill/>
-        </p:spPr>
-        <p:txBody>
-          <a:bodyPr wrap="none" rtlCol="0">
-            <a:spAutoFit/>
-          </a:bodyPr>
-          <a:lstStyle/>
-          <a:p>
-            <a:r>
-              <a:rPr lang="en-US" sz="2400" dirty="0">
-                <a:latin typeface="Arial" panose="020B0604020202020204" pitchFamily="34" charset="0"/>
-                <a:cs typeface="Arial" panose="020B0604020202020204" pitchFamily="34" charset="0"/>
-              </a:rPr>
-              <a:t>Underestimation of </a:t>
-            </a:r>
-          </a:p>
-          <a:p>
-            <a:r>
-              <a:rPr lang="en-US" sz="2400" dirty="0">
-                <a:latin typeface="Arial" panose="020B0604020202020204" pitchFamily="34" charset="0"/>
-                <a:cs typeface="Arial" panose="020B0604020202020204" pitchFamily="34" charset="0"/>
-              </a:rPr>
-              <a:t>Previous Stress</a:t>
-            </a:r>
-          </a:p>
-        </p:txBody>
-      </p:sp>
-      <p:cxnSp>
-        <p:nvCxnSpPr>
-          <p:cNvPr id="12" name="Straight Arrow Connector 11">
-            <a:extLst>
-              <a:ext uri="{FF2B5EF4-FFF2-40B4-BE49-F238E27FC236}">
-                <a16:creationId xmlns:a16="http://schemas.microsoft.com/office/drawing/2014/main" id="{7F31DE40-6E89-B153-2FD6-DFD21AEC3D6E}"/>
-              </a:ext>
-            </a:extLst>
-          </p:cNvPr>
-          <p:cNvCxnSpPr>
-            <a:cxnSpLocks/>
-          </p:cNvCxnSpPr>
-          <p:nvPr/>
-        </p:nvCxnSpPr>
-        <p:spPr>
-          <a:xfrm flipV="1">
-            <a:off x="4102443" y="3917092"/>
-            <a:ext cx="0" cy="1625948"/>
-          </a:xfrm>
-          <a:prstGeom prst="straightConnector1">
-            <a:avLst/>
-          </a:prstGeom>
-          <a:ln w="31750">
-            <a:headEnd type="triangle"/>
-            <a:tailEnd type="none" w="lg" len="lg"/>
-          </a:ln>
-        </p:spPr>
-        <p:style>
-          <a:lnRef idx="1">
-            <a:schemeClr val="dk1"/>
-          </a:lnRef>
-          <a:fillRef idx="0">
-            <a:schemeClr val="dk1"/>
-          </a:fillRef>
-          <a:effectRef idx="0">
-            <a:schemeClr val="dk1"/>
-          </a:effectRef>
-          <a:fontRef idx="minor">
-            <a:schemeClr val="tx1"/>
-          </a:fontRef>
-        </p:style>
-      </p:cxnSp>
-      <p:pic>
-        <p:nvPicPr>
-          <p:cNvPr id="25" name="Picture 24" descr="Chart&#10;&#10;Description automatically generated with medium confidence">
-            <a:extLst>
-              <a:ext uri="{FF2B5EF4-FFF2-40B4-BE49-F238E27FC236}">
-                <a16:creationId xmlns:a16="http://schemas.microsoft.com/office/drawing/2014/main" id="{AF91A413-C3A5-07BC-397D-CB45AE8D8063}"/>
-              </a:ext>
-            </a:extLst>
-          </p:cNvPr>
-          <p:cNvPicPr>
-            <a:picLocks noChangeAspect="1"/>
-          </p:cNvPicPr>
-          <p:nvPr/>
-        </p:nvPicPr>
-        <p:blipFill>
-          <a:blip r:embed="rId2"/>
-          <a:stretch>
-            <a:fillRect/>
-          </a:stretch>
-        </p:blipFill>
-        <p:spPr>
-          <a:xfrm>
-            <a:off x="4151142" y="0"/>
-            <a:ext cx="6858000" cy="6858000"/>
-          </a:xfrm>
-          <a:prstGeom prst="rect">
-            <a:avLst/>
-          </a:prstGeom>
-        </p:spPr>
-      </p:pic>
-    </p:spTree>
-    <p:extLst>
-      <p:ext uri="{BB962C8B-B14F-4D97-AF65-F5344CB8AC3E}">
-        <p14:creationId xmlns:p14="http://schemas.microsoft.com/office/powerpoint/2010/main" val="571879346"/>
-      </p:ext>
-    </p:extLst>
-  </p:cSld>
-  <p:clrMapOvr>
-    <a:masterClrMapping/>
-  </p:clrMapOvr>
-</p:sld>
-</file>
-
-<file path=ppt/slides/slide2.xml><?xml version="1.0" encoding="utf-8"?>
-<p:sld xmlns:a="http://schemas.openxmlformats.org/drawingml/2006/main" xmlns:r="http://schemas.openxmlformats.org/officeDocument/2006/relationships" xmlns:p="http://schemas.openxmlformats.org/presentationml/2006/main" show="0">
-  <p:cSld>
-    <p:spTree>
-      <p:nvGrpSpPr>
-        <p:cNvPr id="1" name=""/>
-        <p:cNvGrpSpPr/>
-        <p:nvPr/>
-      </p:nvGrpSpPr>
-      <p:grpSpPr>
-        <a:xfrm>
-          <a:off x="0" y="0"/>
-          <a:ext cx="0" cy="0"/>
-          <a:chOff x="0" y="0"/>
-          <a:chExt cx="0" cy="0"/>
-        </a:xfrm>
-      </p:grpSpPr>
-      <p:pic>
-        <p:nvPicPr>
-          <p:cNvPr id="10" name="Picture 9" descr="Chart, box and whisker chart&#10;&#10;Description automatically generated">
-            <a:extLst>
-              <a:ext uri="{FF2B5EF4-FFF2-40B4-BE49-F238E27FC236}">
-                <a16:creationId xmlns:a16="http://schemas.microsoft.com/office/drawing/2014/main" id="{5D0B78D3-2DB1-FA8C-62D9-58FB2EB45467}"/>
-              </a:ext>
-            </a:extLst>
-          </p:cNvPr>
-          <p:cNvPicPr>
-            <a:picLocks noChangeAspect="1"/>
-          </p:cNvPicPr>
-          <p:nvPr/>
-        </p:nvPicPr>
-        <p:blipFill>
-          <a:blip r:embed="rId2"/>
-          <a:stretch>
-            <a:fillRect/>
-          </a:stretch>
-        </p:blipFill>
-        <p:spPr>
-          <a:xfrm>
-            <a:off x="4272788" y="360613"/>
-            <a:ext cx="4267200" cy="3657600"/>
-          </a:xfrm>
-          <a:prstGeom prst="rect">
-            <a:avLst/>
-          </a:prstGeom>
-        </p:spPr>
-      </p:pic>
-      <p:pic>
-        <p:nvPicPr>
-          <p:cNvPr id="12" name="Picture 11" descr="Chart, scatter chart&#10;&#10;Description automatically generated">
-            <a:extLst>
-              <a:ext uri="{FF2B5EF4-FFF2-40B4-BE49-F238E27FC236}">
-                <a16:creationId xmlns:a16="http://schemas.microsoft.com/office/drawing/2014/main" id="{78EEF428-3E8C-D6ED-C54C-E703CA7F0909}"/>
-              </a:ext>
-            </a:extLst>
-          </p:cNvPr>
-          <p:cNvPicPr>
-            <a:picLocks noChangeAspect="1"/>
-          </p:cNvPicPr>
-          <p:nvPr/>
-        </p:nvPicPr>
-        <p:blipFill>
-          <a:blip r:embed="rId3"/>
-          <a:stretch>
-            <a:fillRect/>
-          </a:stretch>
-        </p:blipFill>
-        <p:spPr>
-          <a:xfrm>
-            <a:off x="27432" y="360613"/>
-            <a:ext cx="4267200" cy="3657600"/>
-          </a:xfrm>
-          <a:prstGeom prst="rect">
-            <a:avLst/>
-          </a:prstGeom>
-        </p:spPr>
-      </p:pic>
-      <p:sp>
-        <p:nvSpPr>
-          <p:cNvPr id="15" name="TextBox 14">
-            <a:extLst>
-              <a:ext uri="{FF2B5EF4-FFF2-40B4-BE49-F238E27FC236}">
-                <a16:creationId xmlns:a16="http://schemas.microsoft.com/office/drawing/2014/main" id="{2D648060-0806-C02F-47D3-B992E3DE628C}"/>
-              </a:ext>
-            </a:extLst>
-          </p:cNvPr>
-          <p:cNvSpPr txBox="1"/>
-          <p:nvPr/>
-        </p:nvSpPr>
-        <p:spPr>
-          <a:xfrm>
-            <a:off x="91440" y="-109287"/>
-            <a:ext cx="369012" cy="553998"/>
-          </a:xfrm>
-          <a:prstGeom prst="rect">
-            <a:avLst/>
-          </a:prstGeom>
-          <a:noFill/>
-        </p:spPr>
-        <p:txBody>
-          <a:bodyPr wrap="none" rtlCol="0">
-            <a:spAutoFit/>
-          </a:bodyPr>
-          <a:lstStyle/>
-          <a:p>
-            <a:r>
-              <a:rPr lang="en-US" sz="3000" dirty="0"/>
-              <a:t>a</a:t>
-            </a:r>
-          </a:p>
-        </p:txBody>
-      </p:sp>
-      <p:sp>
-        <p:nvSpPr>
-          <p:cNvPr id="16" name="TextBox 15">
-            <a:extLst>
-              <a:ext uri="{FF2B5EF4-FFF2-40B4-BE49-F238E27FC236}">
-                <a16:creationId xmlns:a16="http://schemas.microsoft.com/office/drawing/2014/main" id="{23ED1619-745A-6D24-E6AD-226C560CF606}"/>
-              </a:ext>
-            </a:extLst>
-          </p:cNvPr>
-          <p:cNvSpPr txBox="1"/>
-          <p:nvPr/>
-        </p:nvSpPr>
-        <p:spPr>
-          <a:xfrm>
-            <a:off x="3971996" y="-103929"/>
-            <a:ext cx="386644" cy="553998"/>
-          </a:xfrm>
-          <a:prstGeom prst="rect">
-            <a:avLst/>
-          </a:prstGeom>
-          <a:noFill/>
-        </p:spPr>
-        <p:txBody>
-          <a:bodyPr wrap="none" rtlCol="0">
-            <a:spAutoFit/>
-          </a:bodyPr>
-          <a:lstStyle/>
-          <a:p>
-            <a:r>
-              <a:rPr lang="en-US" sz="3000" dirty="0"/>
-              <a:t>b</a:t>
-            </a:r>
-          </a:p>
-        </p:txBody>
-      </p:sp>
-    </p:spTree>
-    <p:extLst>
-      <p:ext uri="{BB962C8B-B14F-4D97-AF65-F5344CB8AC3E}">
-        <p14:creationId xmlns:p14="http://schemas.microsoft.com/office/powerpoint/2010/main" val="3856042665"/>
-      </p:ext>
-    </p:extLst>
-  </p:cSld>
-  <p:clrMapOvr>
-    <a:masterClrMapping/>
-  </p:clrMapOvr>
-</p:sld>
-</file>
-
-<file path=ppt/slides/slide3.xml><?xml version="1.0" encoding="utf-8"?>
-<p:sld xmlns:a="http://schemas.openxmlformats.org/drawingml/2006/main" xmlns:r="http://schemas.openxmlformats.org/officeDocument/2006/relationships" xmlns:p="http://schemas.openxmlformats.org/presentationml/2006/main">
-  <p:cSld>
-    <p:spTree>
-      <p:nvGrpSpPr>
-        <p:cNvPr id="1" name=""/>
-        <p:cNvGrpSpPr/>
-        <p:nvPr/>
-      </p:nvGrpSpPr>
-      <p:grpSpPr>
-        <a:xfrm>
-          <a:off x="0" y="0"/>
-          <a:ext cx="0" cy="0"/>
-          <a:chOff x="0" y="0"/>
-          <a:chExt cx="0" cy="0"/>
-        </a:xfrm>
-      </p:grpSpPr>
-      <p:pic>
-        <p:nvPicPr>
-          <p:cNvPr id="9" name="Picture 8" descr="Chart, box and whisker chart&#10;&#10;Description automatically generated">
-            <a:extLst>
-              <a:ext uri="{FF2B5EF4-FFF2-40B4-BE49-F238E27FC236}">
-                <a16:creationId xmlns:a16="http://schemas.microsoft.com/office/drawing/2014/main" id="{2BB98C13-C019-2DC6-9231-4F25806130E9}"/>
-              </a:ext>
-            </a:extLst>
-          </p:cNvPr>
-          <p:cNvPicPr>
-            <a:picLocks noChangeAspect="1"/>
-          </p:cNvPicPr>
-          <p:nvPr/>
-        </p:nvPicPr>
-        <p:blipFill>
-          <a:blip r:embed="rId2"/>
-          <a:stretch>
-            <a:fillRect/>
-          </a:stretch>
-        </p:blipFill>
-        <p:spPr>
-          <a:xfrm>
-            <a:off x="24714" y="284413"/>
-            <a:ext cx="4267200" cy="3657600"/>
-          </a:xfrm>
-          <a:prstGeom prst="rect">
-            <a:avLst/>
-          </a:prstGeom>
-        </p:spPr>
-      </p:pic>
-      <p:pic>
-        <p:nvPicPr>
-          <p:cNvPr id="11" name="Picture 10" descr="Chart, scatter chart&#10;&#10;Description automatically generated">
-            <a:extLst>
-              <a:ext uri="{FF2B5EF4-FFF2-40B4-BE49-F238E27FC236}">
-                <a16:creationId xmlns:a16="http://schemas.microsoft.com/office/drawing/2014/main" id="{D9221AA0-C833-24BB-F7AD-33D9D7F385A6}"/>
-              </a:ext>
-            </a:extLst>
-          </p:cNvPr>
-          <p:cNvPicPr>
-            <a:picLocks noChangeAspect="1"/>
-          </p:cNvPicPr>
-          <p:nvPr/>
-        </p:nvPicPr>
-        <p:blipFill>
-          <a:blip r:embed="rId3"/>
-          <a:stretch>
-            <a:fillRect/>
-          </a:stretch>
-        </p:blipFill>
-        <p:spPr>
-          <a:xfrm>
-            <a:off x="4358640" y="284413"/>
-            <a:ext cx="4267200" cy="3657600"/>
-          </a:xfrm>
-          <a:prstGeom prst="rect">
-            <a:avLst/>
-          </a:prstGeom>
-        </p:spPr>
-      </p:pic>
-      <p:sp>
-        <p:nvSpPr>
-          <p:cNvPr id="15" name="TextBox 14">
-            <a:extLst>
-              <a:ext uri="{FF2B5EF4-FFF2-40B4-BE49-F238E27FC236}">
-                <a16:creationId xmlns:a16="http://schemas.microsoft.com/office/drawing/2014/main" id="{2D648060-0806-C02F-47D3-B992E3DE628C}"/>
-              </a:ext>
-            </a:extLst>
-          </p:cNvPr>
-          <p:cNvSpPr txBox="1"/>
-          <p:nvPr/>
-        </p:nvSpPr>
-        <p:spPr>
-          <a:xfrm>
-            <a:off x="91440" y="93913"/>
-            <a:ext cx="369012" cy="553998"/>
-          </a:xfrm>
-          <a:prstGeom prst="rect">
-            <a:avLst/>
-          </a:prstGeom>
-          <a:noFill/>
-        </p:spPr>
-        <p:txBody>
-          <a:bodyPr wrap="none" rtlCol="0">
-            <a:spAutoFit/>
-          </a:bodyPr>
-          <a:lstStyle/>
-          <a:p>
-            <a:r>
-              <a:rPr lang="en-US" sz="3000" dirty="0"/>
-              <a:t>a</a:t>
-            </a:r>
-          </a:p>
-        </p:txBody>
-      </p:sp>
-      <p:sp>
-        <p:nvSpPr>
-          <p:cNvPr id="16" name="TextBox 15">
-            <a:extLst>
-              <a:ext uri="{FF2B5EF4-FFF2-40B4-BE49-F238E27FC236}">
-                <a16:creationId xmlns:a16="http://schemas.microsoft.com/office/drawing/2014/main" id="{23ED1619-745A-6D24-E6AD-226C560CF606}"/>
-              </a:ext>
-            </a:extLst>
-          </p:cNvPr>
-          <p:cNvSpPr txBox="1"/>
-          <p:nvPr/>
-        </p:nvSpPr>
-        <p:spPr>
-          <a:xfrm>
-            <a:off x="3971996" y="99271"/>
-            <a:ext cx="386644" cy="553998"/>
-          </a:xfrm>
-          <a:prstGeom prst="rect">
-            <a:avLst/>
-          </a:prstGeom>
-          <a:noFill/>
-        </p:spPr>
-        <p:txBody>
-          <a:bodyPr wrap="none" rtlCol="0">
-            <a:spAutoFit/>
-          </a:bodyPr>
-          <a:lstStyle/>
-          <a:p>
-            <a:r>
-              <a:rPr lang="en-US" sz="3000" dirty="0"/>
-              <a:t>b</a:t>
-            </a:r>
-          </a:p>
-        </p:txBody>
-      </p:sp>
-    </p:spTree>
-    <p:extLst>
-      <p:ext uri="{BB962C8B-B14F-4D97-AF65-F5344CB8AC3E}">
-        <p14:creationId xmlns:p14="http://schemas.microsoft.com/office/powerpoint/2010/main" val="1902776895"/>
-      </p:ext>
-    </p:extLst>
-  </p:cSld>
-  <p:clrMapOvr>
-    <a:masterClrMapping/>
-  </p:clrMapOvr>
-</p:sld>
-</file>
-
-<file path=ppt/slides/slide4.xml><?xml version="1.0" encoding="utf-8"?>
-<p:sld xmlns:a="http://schemas.openxmlformats.org/drawingml/2006/main" xmlns:r="http://schemas.openxmlformats.org/officeDocument/2006/relationships" xmlns:p="http://schemas.openxmlformats.org/presentationml/2006/main">
-  <p:cSld>
-    <p:spTree>
-      <p:nvGrpSpPr>
-        <p:cNvPr id="1" name=""/>
-        <p:cNvGrpSpPr/>
-        <p:nvPr/>
-      </p:nvGrpSpPr>
-      <p:grpSpPr>
-        <a:xfrm>
-          <a:off x="0" y="0"/>
-          <a:ext cx="0" cy="0"/>
-          <a:chOff x="0" y="0"/>
-          <a:chExt cx="0" cy="0"/>
-        </a:xfrm>
-      </p:grpSpPr>
-      <p:pic>
-        <p:nvPicPr>
-          <p:cNvPr id="8" name="Picture 7" descr="Chart, box and whisker chart&#10;&#10;Description automatically generated">
-            <a:extLst>
-              <a:ext uri="{FF2B5EF4-FFF2-40B4-BE49-F238E27FC236}">
-                <a16:creationId xmlns:a16="http://schemas.microsoft.com/office/drawing/2014/main" id="{9FF62FE6-451B-951B-5ADD-571169F11661}"/>
-              </a:ext>
-            </a:extLst>
-          </p:cNvPr>
-          <p:cNvPicPr>
-            <a:picLocks noChangeAspect="1"/>
-          </p:cNvPicPr>
-          <p:nvPr/>
-        </p:nvPicPr>
-        <p:blipFill>
-          <a:blip r:embed="rId2"/>
-          <a:stretch>
-            <a:fillRect/>
-          </a:stretch>
-        </p:blipFill>
-        <p:spPr>
-          <a:xfrm>
-            <a:off x="3415410" y="3209544"/>
-            <a:ext cx="2935224" cy="2935224"/>
-          </a:xfrm>
-          <a:prstGeom prst="rect">
-            <a:avLst/>
-          </a:prstGeom>
-        </p:spPr>
-      </p:pic>
-      <p:pic>
-        <p:nvPicPr>
-          <p:cNvPr id="15" name="Picture 14" descr="Chart, scatter chart&#10;&#10;Description automatically generated">
-            <a:extLst>
-              <a:ext uri="{FF2B5EF4-FFF2-40B4-BE49-F238E27FC236}">
-                <a16:creationId xmlns:a16="http://schemas.microsoft.com/office/drawing/2014/main" id="{E77C7DDD-A693-A54F-D3ED-F553097B8BDD}"/>
-              </a:ext>
-            </a:extLst>
-          </p:cNvPr>
-          <p:cNvPicPr>
-            <a:picLocks noChangeAspect="1"/>
-          </p:cNvPicPr>
-          <p:nvPr/>
-        </p:nvPicPr>
-        <p:blipFill>
-          <a:blip r:embed="rId3"/>
-          <a:stretch>
-            <a:fillRect/>
-          </a:stretch>
-        </p:blipFill>
-        <p:spPr>
-          <a:xfrm>
-            <a:off x="3415410" y="0"/>
-            <a:ext cx="2935224" cy="2935224"/>
-          </a:xfrm>
-          <a:prstGeom prst="rect">
-            <a:avLst/>
-          </a:prstGeom>
-        </p:spPr>
-      </p:pic>
-      <p:pic>
-        <p:nvPicPr>
-          <p:cNvPr id="1026" name="Picture 2">
-            <a:extLst>
-              <a:ext uri="{FF2B5EF4-FFF2-40B4-BE49-F238E27FC236}">
-                <a16:creationId xmlns:a16="http://schemas.microsoft.com/office/drawing/2014/main" id="{AAA93493-990E-CE59-AA16-10D03CB93DED}"/>
-              </a:ext>
-            </a:extLst>
-          </p:cNvPr>
-          <p:cNvPicPr>
-            <a:picLocks noChangeAspect="1" noChangeArrowheads="1"/>
-          </p:cNvPicPr>
-          <p:nvPr/>
-        </p:nvPicPr>
-        <p:blipFill>
-          <a:blip r:embed="rId4">
-            <a:extLst>
-              <a:ext uri="{28A0092B-C50C-407E-A947-70E740481C1C}">
-                <a14:useLocalDpi xmlns:a14="http://schemas.microsoft.com/office/drawing/2010/main" val="0"/>
-              </a:ext>
-            </a:extLst>
-          </a:blip>
-          <a:srcRect/>
-          <a:stretch>
-            <a:fillRect/>
-          </a:stretch>
-        </p:blipFill>
-        <p:spPr bwMode="auto">
-          <a:xfrm>
-            <a:off x="182880" y="0"/>
-            <a:ext cx="3227831" cy="3227831"/>
-          </a:xfrm>
-          <a:prstGeom prst="rect">
-            <a:avLst/>
-          </a:prstGeom>
-          <a:noFill/>
-          <a:extLst>
-            <a:ext uri="{909E8E84-426E-40DD-AFC4-6F175D3DCCD1}">
-              <a14:hiddenFill xmlns:a14="http://schemas.microsoft.com/office/drawing/2010/main">
-                <a:solidFill>
-                  <a:srgbClr val="FFFFFF"/>
-                </a:solidFill>
-              </a14:hiddenFill>
-            </a:ext>
-          </a:extLst>
-        </p:spPr>
-      </p:pic>
-      <p:sp>
-        <p:nvSpPr>
-          <p:cNvPr id="4" name="TextBox 3">
-            <a:extLst>
-              <a:ext uri="{FF2B5EF4-FFF2-40B4-BE49-F238E27FC236}">
-                <a16:creationId xmlns:a16="http://schemas.microsoft.com/office/drawing/2014/main" id="{30A663DB-2E51-B05F-30FC-58354FF142F5}"/>
-              </a:ext>
-            </a:extLst>
-          </p:cNvPr>
-          <p:cNvSpPr txBox="1"/>
-          <p:nvPr/>
-        </p:nvSpPr>
-        <p:spPr>
-          <a:xfrm>
-            <a:off x="6944499" y="5453278"/>
-            <a:ext cx="155042" cy="646331"/>
-          </a:xfrm>
-          <a:prstGeom prst="rect">
-            <a:avLst/>
-          </a:prstGeom>
-          <a:noFill/>
-        </p:spPr>
-        <p:txBody>
-          <a:bodyPr wrap="square" rtlCol="0">
-            <a:spAutoFit/>
-          </a:bodyPr>
-          <a:lstStyle/>
-          <a:p>
-            <a:endParaRPr lang="en-US" dirty="0"/>
-          </a:p>
-          <a:p>
-            <a:endParaRPr lang="en-US" dirty="0"/>
-          </a:p>
-        </p:txBody>
-      </p:sp>
-      <p:pic>
-        <p:nvPicPr>
-          <p:cNvPr id="1030" name="Picture 6">
-            <a:extLst>
-              <a:ext uri="{FF2B5EF4-FFF2-40B4-BE49-F238E27FC236}">
-                <a16:creationId xmlns:a16="http://schemas.microsoft.com/office/drawing/2014/main" id="{427BCB10-51E4-8B6B-1ACF-DA4BDE9245AC}"/>
-              </a:ext>
-            </a:extLst>
-          </p:cNvPr>
-          <p:cNvPicPr>
-            <a:picLocks noChangeAspect="1" noChangeArrowheads="1"/>
-          </p:cNvPicPr>
-          <p:nvPr/>
-        </p:nvPicPr>
-        <p:blipFill>
-          <a:blip r:embed="rId5">
-            <a:extLst>
-              <a:ext uri="{28A0092B-C50C-407E-A947-70E740481C1C}">
-                <a14:useLocalDpi xmlns:a14="http://schemas.microsoft.com/office/drawing/2010/main" val="0"/>
-              </a:ext>
-            </a:extLst>
-          </a:blip>
-          <a:srcRect/>
-          <a:stretch>
-            <a:fillRect/>
-          </a:stretch>
-        </p:blipFill>
-        <p:spPr bwMode="auto">
-          <a:xfrm>
-            <a:off x="182880" y="2996855"/>
-            <a:ext cx="3284065" cy="3284065"/>
-          </a:xfrm>
-          <a:prstGeom prst="rect">
-            <a:avLst/>
-          </a:prstGeom>
-          <a:noFill/>
-          <a:extLst>
-            <a:ext uri="{909E8E84-426E-40DD-AFC4-6F175D3DCCD1}">
-              <a14:hiddenFill xmlns:a14="http://schemas.microsoft.com/office/drawing/2010/main">
-                <a:solidFill>
-                  <a:srgbClr val="FFFFFF"/>
-                </a:solidFill>
-              </a14:hiddenFill>
-            </a:ext>
-          </a:extLst>
-        </p:spPr>
-      </p:pic>
-      <p:sp>
-        <p:nvSpPr>
-          <p:cNvPr id="5" name="TextBox 4">
-            <a:extLst>
-              <a:ext uri="{FF2B5EF4-FFF2-40B4-BE49-F238E27FC236}">
-                <a16:creationId xmlns:a16="http://schemas.microsoft.com/office/drawing/2014/main" id="{E86FD1C2-B002-534E-3A4B-706D4375B076}"/>
-              </a:ext>
-            </a:extLst>
-          </p:cNvPr>
-          <p:cNvSpPr txBox="1"/>
-          <p:nvPr/>
-        </p:nvSpPr>
-        <p:spPr>
-          <a:xfrm>
-            <a:off x="91440" y="-91440"/>
-            <a:ext cx="369012" cy="553998"/>
-          </a:xfrm>
-          <a:prstGeom prst="rect">
-            <a:avLst/>
-          </a:prstGeom>
-          <a:noFill/>
-        </p:spPr>
-        <p:txBody>
-          <a:bodyPr wrap="none" rtlCol="0">
-            <a:spAutoFit/>
-          </a:bodyPr>
-          <a:lstStyle/>
-          <a:p>
-            <a:r>
-              <a:rPr lang="en-US" sz="3000" dirty="0"/>
-              <a:t>a</a:t>
-            </a:r>
-          </a:p>
-        </p:txBody>
-      </p:sp>
-      <p:sp>
-        <p:nvSpPr>
-          <p:cNvPr id="10" name="TextBox 9">
-            <a:extLst>
-              <a:ext uri="{FF2B5EF4-FFF2-40B4-BE49-F238E27FC236}">
-                <a16:creationId xmlns:a16="http://schemas.microsoft.com/office/drawing/2014/main" id="{C741AF86-FDC5-D891-5833-B0D84BDF2906}"/>
-              </a:ext>
-            </a:extLst>
-          </p:cNvPr>
-          <p:cNvSpPr txBox="1"/>
-          <p:nvPr/>
-        </p:nvSpPr>
-        <p:spPr>
-          <a:xfrm>
-            <a:off x="3482136" y="-91440"/>
-            <a:ext cx="386644" cy="553998"/>
-          </a:xfrm>
-          <a:prstGeom prst="rect">
-            <a:avLst/>
-          </a:prstGeom>
-          <a:noFill/>
-        </p:spPr>
-        <p:txBody>
-          <a:bodyPr wrap="none" rtlCol="0">
-            <a:spAutoFit/>
-          </a:bodyPr>
-          <a:lstStyle/>
-          <a:p>
-            <a:r>
-              <a:rPr lang="en-US" sz="3000" dirty="0"/>
-              <a:t>b</a:t>
-            </a:r>
-          </a:p>
-        </p:txBody>
-      </p:sp>
-      <p:sp>
-        <p:nvSpPr>
-          <p:cNvPr id="11" name="TextBox 10">
-            <a:extLst>
-              <a:ext uri="{FF2B5EF4-FFF2-40B4-BE49-F238E27FC236}">
-                <a16:creationId xmlns:a16="http://schemas.microsoft.com/office/drawing/2014/main" id="{FC632005-FB62-C982-B4E4-AE9599EBDB91}"/>
-              </a:ext>
-            </a:extLst>
-          </p:cNvPr>
-          <p:cNvSpPr txBox="1"/>
-          <p:nvPr/>
-        </p:nvSpPr>
-        <p:spPr>
-          <a:xfrm>
-            <a:off x="91440" y="2442857"/>
-            <a:ext cx="346570" cy="553998"/>
-          </a:xfrm>
-          <a:prstGeom prst="rect">
-            <a:avLst/>
-          </a:prstGeom>
-          <a:noFill/>
-        </p:spPr>
-        <p:txBody>
-          <a:bodyPr wrap="none" rtlCol="0">
-            <a:spAutoFit/>
-          </a:bodyPr>
-          <a:lstStyle/>
-          <a:p>
-            <a:r>
-              <a:rPr lang="en-US" sz="3000" dirty="0"/>
-              <a:t>c</a:t>
-            </a:r>
-          </a:p>
-        </p:txBody>
-      </p:sp>
-      <p:sp>
-        <p:nvSpPr>
-          <p:cNvPr id="12" name="TextBox 11">
-            <a:extLst>
-              <a:ext uri="{FF2B5EF4-FFF2-40B4-BE49-F238E27FC236}">
-                <a16:creationId xmlns:a16="http://schemas.microsoft.com/office/drawing/2014/main" id="{98083C71-D38B-F2F8-72F5-C754FA6CD17A}"/>
-              </a:ext>
-            </a:extLst>
-          </p:cNvPr>
-          <p:cNvSpPr txBox="1"/>
-          <p:nvPr/>
-        </p:nvSpPr>
-        <p:spPr>
-          <a:xfrm>
-            <a:off x="3482136" y="2442857"/>
-            <a:ext cx="386644" cy="553998"/>
-          </a:xfrm>
-          <a:prstGeom prst="rect">
-            <a:avLst/>
-          </a:prstGeom>
-          <a:noFill/>
-        </p:spPr>
-        <p:txBody>
-          <a:bodyPr wrap="none" rtlCol="0">
-            <a:spAutoFit/>
-          </a:bodyPr>
-          <a:lstStyle/>
-          <a:p>
-            <a:r>
-              <a:rPr lang="en-US" sz="3000" dirty="0"/>
-              <a:t>d</a:t>
-            </a:r>
-          </a:p>
-        </p:txBody>
-      </p:sp>
-      <p:sp>
-        <p:nvSpPr>
-          <p:cNvPr id="6" name="TextBox 5">
-            <a:extLst>
-              <a:ext uri="{FF2B5EF4-FFF2-40B4-BE49-F238E27FC236}">
-                <a16:creationId xmlns:a16="http://schemas.microsoft.com/office/drawing/2014/main" id="{591DFC6B-EE6A-DBC9-346B-A4F682A4A540}"/>
-              </a:ext>
-            </a:extLst>
-          </p:cNvPr>
-          <p:cNvSpPr txBox="1"/>
-          <p:nvPr/>
-        </p:nvSpPr>
-        <p:spPr>
-          <a:xfrm>
-            <a:off x="3082486" y="629996"/>
-            <a:ext cx="338554" cy="461665"/>
-          </a:xfrm>
-          <a:prstGeom prst="rect">
-            <a:avLst/>
-          </a:prstGeom>
-          <a:noFill/>
-        </p:spPr>
-        <p:txBody>
-          <a:bodyPr wrap="none" rtlCol="0">
-            <a:spAutoFit/>
-          </a:bodyPr>
-          <a:lstStyle/>
-          <a:p>
-            <a:r>
-              <a:rPr lang="en-US" sz="2400" dirty="0"/>
-              <a:t>*</a:t>
-            </a:r>
-          </a:p>
-        </p:txBody>
-      </p:sp>
-    </p:spTree>
-    <p:extLst>
-      <p:ext uri="{BB962C8B-B14F-4D97-AF65-F5344CB8AC3E}">
-        <p14:creationId xmlns:p14="http://schemas.microsoft.com/office/powerpoint/2010/main" val="1658426761"/>
-      </p:ext>
-    </p:extLst>
-  </p:cSld>
-  <p:clrMapOvr>
-    <a:masterClrMapping/>
-  </p:clrMapOvr>
-</p:sld>
-</file>
-
-<file path=ppt/slides/slide5.xml><?xml version="1.0" encoding="utf-8"?>
-<p:sld xmlns:a="http://schemas.openxmlformats.org/drawingml/2006/main" xmlns:r="http://schemas.openxmlformats.org/officeDocument/2006/relationships" xmlns:p="http://schemas.openxmlformats.org/presentationml/2006/main">
-  <p:cSld>
-    <p:spTree>
-      <p:nvGrpSpPr>
-        <p:cNvPr id="1" name=""/>
-        <p:cNvGrpSpPr/>
-        <p:nvPr/>
-      </p:nvGrpSpPr>
-      <p:grpSpPr>
-        <a:xfrm>
-          <a:off x="0" y="0"/>
-          <a:ext cx="0" cy="0"/>
-          <a:chOff x="0" y="0"/>
-          <a:chExt cx="0" cy="0"/>
-        </a:xfrm>
-      </p:grpSpPr>
-      <p:pic>
-        <p:nvPicPr>
-          <p:cNvPr id="17" name="Picture 16" descr="Chart, histogram&#10;&#10;Description automatically generated">
-            <a:extLst>
-              <a:ext uri="{FF2B5EF4-FFF2-40B4-BE49-F238E27FC236}">
-                <a16:creationId xmlns:a16="http://schemas.microsoft.com/office/drawing/2014/main" id="{A79EE7D8-7E84-A642-87ED-04FD62B8F967}"/>
-              </a:ext>
-            </a:extLst>
-          </p:cNvPr>
-          <p:cNvPicPr>
-            <a:picLocks noChangeAspect="1"/>
-          </p:cNvPicPr>
-          <p:nvPr/>
-        </p:nvPicPr>
-        <p:blipFill>
-          <a:blip r:embed="rId2"/>
-          <a:stretch>
-            <a:fillRect/>
-          </a:stretch>
-        </p:blipFill>
-        <p:spPr>
-          <a:xfrm>
-            <a:off x="3456927" y="0"/>
-            <a:ext cx="3017520" cy="3017520"/>
-          </a:xfrm>
-          <a:prstGeom prst="rect">
-            <a:avLst/>
-          </a:prstGeom>
-        </p:spPr>
-      </p:pic>
-      <p:pic>
-        <p:nvPicPr>
-          <p:cNvPr id="20" name="Picture 19" descr="Chart, histogram&#10;&#10;Description automatically generated">
-            <a:extLst>
-              <a:ext uri="{FF2B5EF4-FFF2-40B4-BE49-F238E27FC236}">
-                <a16:creationId xmlns:a16="http://schemas.microsoft.com/office/drawing/2014/main" id="{90EA4CC3-840F-EF41-E2D4-1DD8F941018F}"/>
-              </a:ext>
-            </a:extLst>
-          </p:cNvPr>
-          <p:cNvPicPr>
-            <a:picLocks noChangeAspect="1"/>
-          </p:cNvPicPr>
-          <p:nvPr/>
-        </p:nvPicPr>
-        <p:blipFill>
-          <a:blip r:embed="rId3"/>
-          <a:stretch>
-            <a:fillRect/>
-          </a:stretch>
-        </p:blipFill>
-        <p:spPr>
-          <a:xfrm>
-            <a:off x="3424238" y="2976190"/>
-            <a:ext cx="3017520" cy="3017520"/>
-          </a:xfrm>
-          <a:prstGeom prst="rect">
-            <a:avLst/>
-          </a:prstGeom>
-        </p:spPr>
-      </p:pic>
-      <p:pic>
-        <p:nvPicPr>
-          <p:cNvPr id="1026" name="Picture 2">
-            <a:extLst>
-              <a:ext uri="{FF2B5EF4-FFF2-40B4-BE49-F238E27FC236}">
-                <a16:creationId xmlns:a16="http://schemas.microsoft.com/office/drawing/2014/main" id="{AAA93493-990E-CE59-AA16-10D03CB93DED}"/>
-              </a:ext>
-            </a:extLst>
-          </p:cNvPr>
-          <p:cNvPicPr>
-            <a:picLocks noChangeAspect="1" noChangeArrowheads="1"/>
-          </p:cNvPicPr>
-          <p:nvPr/>
-        </p:nvPicPr>
-        <p:blipFill>
-          <a:blip r:embed="rId4">
-            <a:extLst>
-              <a:ext uri="{28A0092B-C50C-407E-A947-70E740481C1C}">
-                <a14:useLocalDpi xmlns:a14="http://schemas.microsoft.com/office/drawing/2010/main" val="0"/>
-              </a:ext>
-            </a:extLst>
-          </a:blip>
-          <a:srcRect/>
-          <a:stretch>
-            <a:fillRect/>
-          </a:stretch>
-        </p:blipFill>
-        <p:spPr bwMode="auto">
-          <a:xfrm>
-            <a:off x="182880" y="0"/>
-            <a:ext cx="3227831" cy="3227831"/>
-          </a:xfrm>
-          <a:prstGeom prst="rect">
-            <a:avLst/>
-          </a:prstGeom>
-          <a:noFill/>
-          <a:extLst>
-            <a:ext uri="{909E8E84-426E-40DD-AFC4-6F175D3DCCD1}">
-              <a14:hiddenFill xmlns:a14="http://schemas.microsoft.com/office/drawing/2010/main">
-                <a:solidFill>
-                  <a:srgbClr val="FFFFFF"/>
-                </a:solidFill>
-              </a14:hiddenFill>
-            </a:ext>
-          </a:extLst>
-        </p:spPr>
-      </p:pic>
-      <p:sp>
-        <p:nvSpPr>
-          <p:cNvPr id="4" name="TextBox 3">
-            <a:extLst>
-              <a:ext uri="{FF2B5EF4-FFF2-40B4-BE49-F238E27FC236}">
-                <a16:creationId xmlns:a16="http://schemas.microsoft.com/office/drawing/2014/main" id="{30A663DB-2E51-B05F-30FC-58354FF142F5}"/>
-              </a:ext>
-            </a:extLst>
-          </p:cNvPr>
-          <p:cNvSpPr txBox="1"/>
-          <p:nvPr/>
-        </p:nvSpPr>
-        <p:spPr>
-          <a:xfrm>
-            <a:off x="6944499" y="5453278"/>
-            <a:ext cx="155042" cy="646331"/>
-          </a:xfrm>
-          <a:prstGeom prst="rect">
-            <a:avLst/>
-          </a:prstGeom>
-          <a:noFill/>
-        </p:spPr>
-        <p:txBody>
-          <a:bodyPr wrap="square" rtlCol="0">
-            <a:spAutoFit/>
-          </a:bodyPr>
-          <a:lstStyle/>
-          <a:p>
-            <a:endParaRPr lang="en-US" dirty="0"/>
-          </a:p>
-          <a:p>
-            <a:endParaRPr lang="en-US" dirty="0"/>
-          </a:p>
-        </p:txBody>
-      </p:sp>
-      <p:pic>
-        <p:nvPicPr>
-          <p:cNvPr id="1030" name="Picture 6">
-            <a:extLst>
-              <a:ext uri="{FF2B5EF4-FFF2-40B4-BE49-F238E27FC236}">
-                <a16:creationId xmlns:a16="http://schemas.microsoft.com/office/drawing/2014/main" id="{427BCB10-51E4-8B6B-1ACF-DA4BDE9245AC}"/>
-              </a:ext>
-            </a:extLst>
-          </p:cNvPr>
-          <p:cNvPicPr>
-            <a:picLocks noChangeAspect="1" noChangeArrowheads="1"/>
-          </p:cNvPicPr>
-          <p:nvPr/>
-        </p:nvPicPr>
-        <p:blipFill>
-          <a:blip r:embed="rId5">
-            <a:extLst>
-              <a:ext uri="{28A0092B-C50C-407E-A947-70E740481C1C}">
-                <a14:useLocalDpi xmlns:a14="http://schemas.microsoft.com/office/drawing/2010/main" val="0"/>
-              </a:ext>
-            </a:extLst>
-          </a:blip>
-          <a:srcRect/>
-          <a:stretch>
-            <a:fillRect/>
-          </a:stretch>
-        </p:blipFill>
-        <p:spPr bwMode="auto">
-          <a:xfrm>
-            <a:off x="182880" y="2996855"/>
-            <a:ext cx="3284065" cy="3284065"/>
-          </a:xfrm>
-          <a:prstGeom prst="rect">
-            <a:avLst/>
-          </a:prstGeom>
-          <a:noFill/>
-          <a:extLst>
-            <a:ext uri="{909E8E84-426E-40DD-AFC4-6F175D3DCCD1}">
-              <a14:hiddenFill xmlns:a14="http://schemas.microsoft.com/office/drawing/2010/main">
-                <a:solidFill>
-                  <a:srgbClr val="FFFFFF"/>
-                </a:solidFill>
-              </a14:hiddenFill>
-            </a:ext>
-          </a:extLst>
-        </p:spPr>
-      </p:pic>
-      <p:sp>
-        <p:nvSpPr>
-          <p:cNvPr id="5" name="TextBox 4">
-            <a:extLst>
-              <a:ext uri="{FF2B5EF4-FFF2-40B4-BE49-F238E27FC236}">
-                <a16:creationId xmlns:a16="http://schemas.microsoft.com/office/drawing/2014/main" id="{E86FD1C2-B002-534E-3A4B-706D4375B076}"/>
-              </a:ext>
-            </a:extLst>
-          </p:cNvPr>
-          <p:cNvSpPr txBox="1"/>
-          <p:nvPr/>
-        </p:nvSpPr>
-        <p:spPr>
-          <a:xfrm>
-            <a:off x="91440" y="-91440"/>
-            <a:ext cx="369012" cy="553998"/>
-          </a:xfrm>
-          <a:prstGeom prst="rect">
-            <a:avLst/>
-          </a:prstGeom>
-          <a:noFill/>
-        </p:spPr>
-        <p:txBody>
-          <a:bodyPr wrap="none" rtlCol="0">
-            <a:spAutoFit/>
-          </a:bodyPr>
-          <a:lstStyle/>
-          <a:p>
-            <a:r>
-              <a:rPr lang="en-US" sz="3000" dirty="0"/>
-              <a:t>a</a:t>
-            </a:r>
-          </a:p>
-        </p:txBody>
-      </p:sp>
-      <p:sp>
-        <p:nvSpPr>
-          <p:cNvPr id="10" name="TextBox 9">
-            <a:extLst>
-              <a:ext uri="{FF2B5EF4-FFF2-40B4-BE49-F238E27FC236}">
-                <a16:creationId xmlns:a16="http://schemas.microsoft.com/office/drawing/2014/main" id="{C741AF86-FDC5-D891-5833-B0D84BDF2906}"/>
-              </a:ext>
-            </a:extLst>
-          </p:cNvPr>
-          <p:cNvSpPr txBox="1"/>
-          <p:nvPr/>
-        </p:nvSpPr>
-        <p:spPr>
-          <a:xfrm>
-            <a:off x="3482136" y="-91440"/>
-            <a:ext cx="386644" cy="553998"/>
-          </a:xfrm>
-          <a:prstGeom prst="rect">
-            <a:avLst/>
-          </a:prstGeom>
-          <a:noFill/>
-        </p:spPr>
-        <p:txBody>
-          <a:bodyPr wrap="none" rtlCol="0">
-            <a:spAutoFit/>
-          </a:bodyPr>
-          <a:lstStyle/>
-          <a:p>
-            <a:r>
-              <a:rPr lang="en-US" sz="3000" dirty="0"/>
-              <a:t>b</a:t>
-            </a:r>
-          </a:p>
-        </p:txBody>
-      </p:sp>
-      <p:sp>
-        <p:nvSpPr>
-          <p:cNvPr id="11" name="TextBox 10">
-            <a:extLst>
-              <a:ext uri="{FF2B5EF4-FFF2-40B4-BE49-F238E27FC236}">
-                <a16:creationId xmlns:a16="http://schemas.microsoft.com/office/drawing/2014/main" id="{FC632005-FB62-C982-B4E4-AE9599EBDB91}"/>
-              </a:ext>
-            </a:extLst>
-          </p:cNvPr>
-          <p:cNvSpPr txBox="1"/>
-          <p:nvPr/>
-        </p:nvSpPr>
-        <p:spPr>
-          <a:xfrm>
-            <a:off x="91440" y="2442857"/>
-            <a:ext cx="346570" cy="553998"/>
-          </a:xfrm>
-          <a:prstGeom prst="rect">
-            <a:avLst/>
-          </a:prstGeom>
-          <a:noFill/>
-        </p:spPr>
-        <p:txBody>
-          <a:bodyPr wrap="none" rtlCol="0">
-            <a:spAutoFit/>
-          </a:bodyPr>
-          <a:lstStyle/>
-          <a:p>
-            <a:r>
-              <a:rPr lang="en-US" sz="3000" dirty="0"/>
-              <a:t>c</a:t>
-            </a:r>
-          </a:p>
-        </p:txBody>
-      </p:sp>
-      <p:sp>
-        <p:nvSpPr>
-          <p:cNvPr id="12" name="TextBox 11">
-            <a:extLst>
-              <a:ext uri="{FF2B5EF4-FFF2-40B4-BE49-F238E27FC236}">
-                <a16:creationId xmlns:a16="http://schemas.microsoft.com/office/drawing/2014/main" id="{98083C71-D38B-F2F8-72F5-C754FA6CD17A}"/>
-              </a:ext>
-            </a:extLst>
-          </p:cNvPr>
-          <p:cNvSpPr txBox="1"/>
-          <p:nvPr/>
-        </p:nvSpPr>
-        <p:spPr>
-          <a:xfrm>
-            <a:off x="3482136" y="2442857"/>
-            <a:ext cx="386644" cy="553998"/>
-          </a:xfrm>
-          <a:prstGeom prst="rect">
-            <a:avLst/>
-          </a:prstGeom>
-          <a:noFill/>
-        </p:spPr>
-        <p:txBody>
-          <a:bodyPr wrap="none" rtlCol="0">
-            <a:spAutoFit/>
-          </a:bodyPr>
-          <a:lstStyle/>
-          <a:p>
-            <a:r>
-              <a:rPr lang="en-US" sz="3000" dirty="0"/>
-              <a:t>d</a:t>
-            </a:r>
-          </a:p>
-        </p:txBody>
-      </p:sp>
-      <p:sp>
-        <p:nvSpPr>
-          <p:cNvPr id="6" name="TextBox 5">
-            <a:extLst>
-              <a:ext uri="{FF2B5EF4-FFF2-40B4-BE49-F238E27FC236}">
-                <a16:creationId xmlns:a16="http://schemas.microsoft.com/office/drawing/2014/main" id="{591DFC6B-EE6A-DBC9-346B-A4F682A4A540}"/>
-              </a:ext>
-            </a:extLst>
-          </p:cNvPr>
-          <p:cNvSpPr txBox="1"/>
-          <p:nvPr/>
-        </p:nvSpPr>
-        <p:spPr>
-          <a:xfrm>
-            <a:off x="3082486" y="629996"/>
-            <a:ext cx="338554" cy="461665"/>
-          </a:xfrm>
-          <a:prstGeom prst="rect">
-            <a:avLst/>
-          </a:prstGeom>
-          <a:noFill/>
-        </p:spPr>
-        <p:txBody>
-          <a:bodyPr wrap="none" rtlCol="0">
-            <a:spAutoFit/>
-          </a:bodyPr>
-          <a:lstStyle/>
-          <a:p>
-            <a:r>
-              <a:rPr lang="en-US" sz="2400" dirty="0"/>
-              <a:t>*</a:t>
-            </a:r>
-          </a:p>
-        </p:txBody>
-      </p:sp>
-      <p:sp>
-        <p:nvSpPr>
-          <p:cNvPr id="18" name="TextBox 17">
-            <a:extLst>
-              <a:ext uri="{FF2B5EF4-FFF2-40B4-BE49-F238E27FC236}">
-                <a16:creationId xmlns:a16="http://schemas.microsoft.com/office/drawing/2014/main" id="{51F2EB28-F632-2964-40AD-5DB34308BD26}"/>
-              </a:ext>
-            </a:extLst>
-          </p:cNvPr>
-          <p:cNvSpPr txBox="1"/>
-          <p:nvPr/>
-        </p:nvSpPr>
-        <p:spPr>
-          <a:xfrm>
-            <a:off x="11059297" y="3361038"/>
-            <a:ext cx="184731" cy="369332"/>
-          </a:xfrm>
-          <a:prstGeom prst="rect">
-            <a:avLst/>
-          </a:prstGeom>
-          <a:noFill/>
-        </p:spPr>
-        <p:txBody>
-          <a:bodyPr wrap="none" rtlCol="0">
-            <a:spAutoFit/>
-          </a:bodyPr>
-          <a:lstStyle/>
-          <a:p>
-            <a:endParaRPr lang="en-US" dirty="0"/>
-          </a:p>
-        </p:txBody>
-      </p:sp>
-    </p:spTree>
-    <p:extLst>
-      <p:ext uri="{BB962C8B-B14F-4D97-AF65-F5344CB8AC3E}">
-        <p14:creationId xmlns:p14="http://schemas.microsoft.com/office/powerpoint/2010/main" val="3732409021"/>
-      </p:ext>
-    </p:extLst>
-  </p:cSld>
-  <p:clrMapOvr>
-    <a:masterClrMapping/>
-  </p:clrMapOvr>
-</p:sld>
-</file>
-
-<file path=ppt/slides/slide6.xml><?xml version="1.0" encoding="utf-8"?>
-<p:sld xmlns:a="http://schemas.openxmlformats.org/drawingml/2006/main" xmlns:r="http://schemas.openxmlformats.org/officeDocument/2006/relationships" xmlns:p="http://schemas.openxmlformats.org/presentationml/2006/main">
-  <p:cSld>
-    <p:spTree>
-      <p:nvGrpSpPr>
-        <p:cNvPr id="1" name=""/>
-        <p:cNvGrpSpPr/>
-        <p:nvPr/>
-      </p:nvGrpSpPr>
-      <p:grpSpPr>
-        <a:xfrm>
-          <a:off x="0" y="0"/>
-          <a:ext cx="0" cy="0"/>
-          <a:chOff x="0" y="0"/>
-          <a:chExt cx="0" cy="0"/>
-        </a:xfrm>
-      </p:grpSpPr>
-      <p:pic>
-        <p:nvPicPr>
-          <p:cNvPr id="13" name="Picture 12" descr="Chart, histogram&#10;&#10;Description automatically generated">
-            <a:extLst>
-              <a:ext uri="{FF2B5EF4-FFF2-40B4-BE49-F238E27FC236}">
-                <a16:creationId xmlns:a16="http://schemas.microsoft.com/office/drawing/2014/main" id="{8DDF6171-A118-2201-C77D-E0ED19A53C39}"/>
-              </a:ext>
-            </a:extLst>
-          </p:cNvPr>
-          <p:cNvPicPr>
-            <a:picLocks noChangeAspect="1"/>
-          </p:cNvPicPr>
-          <p:nvPr/>
-        </p:nvPicPr>
-        <p:blipFill>
-          <a:blip r:embed="rId2"/>
-          <a:stretch>
-            <a:fillRect/>
-          </a:stretch>
-        </p:blipFill>
-        <p:spPr>
-          <a:xfrm>
-            <a:off x="3563938" y="165100"/>
-            <a:ext cx="3017520" cy="3017520"/>
-          </a:xfrm>
-          <a:prstGeom prst="rect">
-            <a:avLst/>
-          </a:prstGeom>
-        </p:spPr>
-      </p:pic>
-      <p:pic>
-        <p:nvPicPr>
-          <p:cNvPr id="14" name="Picture 6">
-            <a:extLst>
-              <a:ext uri="{FF2B5EF4-FFF2-40B4-BE49-F238E27FC236}">
-                <a16:creationId xmlns:a16="http://schemas.microsoft.com/office/drawing/2014/main" id="{6623D51D-38AA-9C0E-B7B6-113BF7D50419}"/>
-              </a:ext>
-            </a:extLst>
-          </p:cNvPr>
-          <p:cNvPicPr>
-            <a:picLocks noChangeAspect="1" noChangeArrowheads="1"/>
-          </p:cNvPicPr>
-          <p:nvPr/>
-        </p:nvPicPr>
-        <p:blipFill>
-          <a:blip r:embed="rId3">
-            <a:extLst>
-              <a:ext uri="{28A0092B-C50C-407E-A947-70E740481C1C}">
-                <a14:useLocalDpi xmlns:a14="http://schemas.microsoft.com/office/drawing/2010/main" val="0"/>
-              </a:ext>
-            </a:extLst>
-          </a:blip>
-          <a:srcRect/>
-          <a:stretch>
-            <a:fillRect/>
-          </a:stretch>
-        </p:blipFill>
-        <p:spPr bwMode="auto">
-          <a:xfrm>
-            <a:off x="360680" y="165100"/>
-            <a:ext cx="3284065" cy="3284065"/>
-          </a:xfrm>
-          <a:prstGeom prst="rect">
-            <a:avLst/>
-          </a:prstGeom>
-          <a:noFill/>
-          <a:extLst>
-            <a:ext uri="{909E8E84-426E-40DD-AFC4-6F175D3DCCD1}">
-              <a14:hiddenFill xmlns:a14="http://schemas.microsoft.com/office/drawing/2010/main">
-                <a:solidFill>
-                  <a:srgbClr val="FFFFFF"/>
-                </a:solidFill>
-              </a14:hiddenFill>
-            </a:ext>
-          </a:extLst>
-        </p:spPr>
-      </p:pic>
-      <p:sp>
-        <p:nvSpPr>
-          <p:cNvPr id="4" name="TextBox 3">
-            <a:extLst>
-              <a:ext uri="{FF2B5EF4-FFF2-40B4-BE49-F238E27FC236}">
-                <a16:creationId xmlns:a16="http://schemas.microsoft.com/office/drawing/2014/main" id="{30A663DB-2E51-B05F-30FC-58354FF142F5}"/>
-              </a:ext>
-            </a:extLst>
-          </p:cNvPr>
-          <p:cNvSpPr txBox="1"/>
-          <p:nvPr/>
-        </p:nvSpPr>
-        <p:spPr>
-          <a:xfrm>
-            <a:off x="6944499" y="5453278"/>
-            <a:ext cx="155042" cy="646331"/>
-          </a:xfrm>
-          <a:prstGeom prst="rect">
-            <a:avLst/>
-          </a:prstGeom>
-          <a:noFill/>
-        </p:spPr>
-        <p:txBody>
-          <a:bodyPr wrap="square" rtlCol="0">
-            <a:spAutoFit/>
-          </a:bodyPr>
-          <a:lstStyle/>
-          <a:p>
-            <a:endParaRPr lang="en-US" dirty="0"/>
-          </a:p>
-          <a:p>
-            <a:endParaRPr lang="en-US" dirty="0"/>
-          </a:p>
-        </p:txBody>
-      </p:sp>
-      <p:sp>
-        <p:nvSpPr>
-          <p:cNvPr id="5" name="TextBox 4">
-            <a:extLst>
-              <a:ext uri="{FF2B5EF4-FFF2-40B4-BE49-F238E27FC236}">
-                <a16:creationId xmlns:a16="http://schemas.microsoft.com/office/drawing/2014/main" id="{E86FD1C2-B002-534E-3A4B-706D4375B076}"/>
-              </a:ext>
-            </a:extLst>
-          </p:cNvPr>
-          <p:cNvSpPr txBox="1"/>
-          <p:nvPr/>
-        </p:nvSpPr>
-        <p:spPr>
-          <a:xfrm>
-            <a:off x="91440" y="-91440"/>
-            <a:ext cx="369012" cy="553998"/>
-          </a:xfrm>
-          <a:prstGeom prst="rect">
-            <a:avLst/>
-          </a:prstGeom>
-          <a:noFill/>
-        </p:spPr>
-        <p:txBody>
-          <a:bodyPr wrap="none" rtlCol="0">
-            <a:spAutoFit/>
-          </a:bodyPr>
-          <a:lstStyle/>
-          <a:p>
-            <a:r>
-              <a:rPr lang="en-US" sz="3000" dirty="0"/>
-              <a:t>a</a:t>
-            </a:r>
-          </a:p>
-        </p:txBody>
-      </p:sp>
-      <p:sp>
-        <p:nvSpPr>
-          <p:cNvPr id="10" name="TextBox 9">
-            <a:extLst>
-              <a:ext uri="{FF2B5EF4-FFF2-40B4-BE49-F238E27FC236}">
-                <a16:creationId xmlns:a16="http://schemas.microsoft.com/office/drawing/2014/main" id="{C741AF86-FDC5-D891-5833-B0D84BDF2906}"/>
-              </a:ext>
-            </a:extLst>
-          </p:cNvPr>
-          <p:cNvSpPr txBox="1"/>
-          <p:nvPr/>
-        </p:nvSpPr>
-        <p:spPr>
-          <a:xfrm>
-            <a:off x="3482136" y="-91440"/>
-            <a:ext cx="386644" cy="553998"/>
-          </a:xfrm>
-          <a:prstGeom prst="rect">
-            <a:avLst/>
-          </a:prstGeom>
-          <a:noFill/>
-        </p:spPr>
-        <p:txBody>
-          <a:bodyPr wrap="none" rtlCol="0">
-            <a:spAutoFit/>
-          </a:bodyPr>
-          <a:lstStyle/>
-          <a:p>
-            <a:r>
-              <a:rPr lang="en-US" sz="3000" dirty="0"/>
-              <a:t>b</a:t>
-            </a:r>
-          </a:p>
-        </p:txBody>
-      </p:sp>
-      <p:sp>
-        <p:nvSpPr>
-          <p:cNvPr id="11" name="TextBox 10">
-            <a:extLst>
-              <a:ext uri="{FF2B5EF4-FFF2-40B4-BE49-F238E27FC236}">
-                <a16:creationId xmlns:a16="http://schemas.microsoft.com/office/drawing/2014/main" id="{FC632005-FB62-C982-B4E4-AE9599EBDB91}"/>
-              </a:ext>
-            </a:extLst>
-          </p:cNvPr>
-          <p:cNvSpPr txBox="1"/>
-          <p:nvPr/>
-        </p:nvSpPr>
-        <p:spPr>
-          <a:xfrm>
-            <a:off x="91440" y="2836557"/>
-            <a:ext cx="346570" cy="553998"/>
-          </a:xfrm>
-          <a:prstGeom prst="rect">
-            <a:avLst/>
-          </a:prstGeom>
-          <a:noFill/>
-        </p:spPr>
-        <p:txBody>
-          <a:bodyPr wrap="none" rtlCol="0">
-            <a:spAutoFit/>
-          </a:bodyPr>
-          <a:lstStyle/>
-          <a:p>
-            <a:r>
-              <a:rPr lang="en-US" sz="3000" dirty="0"/>
-              <a:t>c</a:t>
-            </a:r>
-          </a:p>
-        </p:txBody>
-      </p:sp>
-      <p:sp>
-        <p:nvSpPr>
-          <p:cNvPr id="18" name="TextBox 17">
-            <a:extLst>
-              <a:ext uri="{FF2B5EF4-FFF2-40B4-BE49-F238E27FC236}">
-                <a16:creationId xmlns:a16="http://schemas.microsoft.com/office/drawing/2014/main" id="{51F2EB28-F632-2964-40AD-5DB34308BD26}"/>
-              </a:ext>
-            </a:extLst>
-          </p:cNvPr>
-          <p:cNvSpPr txBox="1"/>
-          <p:nvPr/>
-        </p:nvSpPr>
-        <p:spPr>
-          <a:xfrm>
-            <a:off x="11059297" y="3361038"/>
-            <a:ext cx="184731" cy="369332"/>
-          </a:xfrm>
-          <a:prstGeom prst="rect">
-            <a:avLst/>
-          </a:prstGeom>
-          <a:noFill/>
-        </p:spPr>
-        <p:txBody>
-          <a:bodyPr wrap="none" rtlCol="0">
-            <a:spAutoFit/>
-          </a:bodyPr>
-          <a:lstStyle/>
-          <a:p>
-            <a:endParaRPr lang="en-US" dirty="0"/>
-          </a:p>
-        </p:txBody>
-      </p:sp>
-      <p:pic>
-        <p:nvPicPr>
-          <p:cNvPr id="17" name="Picture 16" descr="Chart, histogram&#10;&#10;Description automatically generated">
-            <a:extLst>
-              <a:ext uri="{FF2B5EF4-FFF2-40B4-BE49-F238E27FC236}">
-                <a16:creationId xmlns:a16="http://schemas.microsoft.com/office/drawing/2014/main" id="{A79EE7D8-7E84-A642-87ED-04FD62B8F967}"/>
-              </a:ext>
-            </a:extLst>
-          </p:cNvPr>
-          <p:cNvPicPr>
-            <a:picLocks noChangeAspect="1"/>
-          </p:cNvPicPr>
-          <p:nvPr/>
-        </p:nvPicPr>
-        <p:blipFill>
-          <a:blip r:embed="rId4"/>
-          <a:stretch>
-            <a:fillRect/>
-          </a:stretch>
-        </p:blipFill>
-        <p:spPr>
-          <a:xfrm>
-            <a:off x="3596627" y="3202432"/>
-            <a:ext cx="3017520" cy="3017520"/>
-          </a:xfrm>
-          <a:prstGeom prst="rect">
-            <a:avLst/>
-          </a:prstGeom>
-        </p:spPr>
-      </p:pic>
-      <p:pic>
-        <p:nvPicPr>
-          <p:cNvPr id="1026" name="Picture 2">
-            <a:extLst>
-              <a:ext uri="{FF2B5EF4-FFF2-40B4-BE49-F238E27FC236}">
-                <a16:creationId xmlns:a16="http://schemas.microsoft.com/office/drawing/2014/main" id="{AAA93493-990E-CE59-AA16-10D03CB93DED}"/>
-              </a:ext>
-            </a:extLst>
-          </p:cNvPr>
-          <p:cNvPicPr>
-            <a:picLocks noChangeAspect="1" noChangeArrowheads="1"/>
-          </p:cNvPicPr>
-          <p:nvPr/>
-        </p:nvPicPr>
-        <p:blipFill>
-          <a:blip r:embed="rId5">
-            <a:extLst>
-              <a:ext uri="{28A0092B-C50C-407E-A947-70E740481C1C}">
-                <a14:useLocalDpi xmlns:a14="http://schemas.microsoft.com/office/drawing/2010/main" val="0"/>
-              </a:ext>
-            </a:extLst>
-          </a:blip>
-          <a:srcRect/>
-          <a:stretch>
-            <a:fillRect/>
-          </a:stretch>
-        </p:blipFill>
-        <p:spPr bwMode="auto">
-          <a:xfrm>
-            <a:off x="373380" y="3202432"/>
-            <a:ext cx="3227831" cy="3227831"/>
-          </a:xfrm>
-          <a:prstGeom prst="rect">
-            <a:avLst/>
-          </a:prstGeom>
-          <a:noFill/>
-          <a:extLst>
-            <a:ext uri="{909E8E84-426E-40DD-AFC4-6F175D3DCCD1}">
-              <a14:hiddenFill xmlns:a14="http://schemas.microsoft.com/office/drawing/2010/main">
-                <a:solidFill>
-                  <a:srgbClr val="FFFFFF"/>
-                </a:solidFill>
-              </a14:hiddenFill>
-            </a:ext>
-          </a:extLst>
-        </p:spPr>
-      </p:pic>
-      <p:sp>
-        <p:nvSpPr>
-          <p:cNvPr id="12" name="TextBox 11">
-            <a:extLst>
-              <a:ext uri="{FF2B5EF4-FFF2-40B4-BE49-F238E27FC236}">
-                <a16:creationId xmlns:a16="http://schemas.microsoft.com/office/drawing/2014/main" id="{98083C71-D38B-F2F8-72F5-C754FA6CD17A}"/>
-              </a:ext>
-            </a:extLst>
-          </p:cNvPr>
-          <p:cNvSpPr txBox="1"/>
-          <p:nvPr/>
-        </p:nvSpPr>
-        <p:spPr>
-          <a:xfrm>
-            <a:off x="3482136" y="2836557"/>
-            <a:ext cx="386644" cy="553998"/>
-          </a:xfrm>
-          <a:prstGeom prst="rect">
-            <a:avLst/>
-          </a:prstGeom>
-          <a:noFill/>
-        </p:spPr>
-        <p:txBody>
-          <a:bodyPr wrap="none" rtlCol="0">
-            <a:spAutoFit/>
-          </a:bodyPr>
-          <a:lstStyle/>
-          <a:p>
-            <a:r>
-              <a:rPr lang="en-US" sz="3000" dirty="0"/>
-              <a:t>d</a:t>
-            </a:r>
-          </a:p>
-        </p:txBody>
-      </p:sp>
-      <p:sp>
-        <p:nvSpPr>
-          <p:cNvPr id="6" name="TextBox 5">
-            <a:extLst>
-              <a:ext uri="{FF2B5EF4-FFF2-40B4-BE49-F238E27FC236}">
-                <a16:creationId xmlns:a16="http://schemas.microsoft.com/office/drawing/2014/main" id="{591DFC6B-EE6A-DBC9-346B-A4F682A4A540}"/>
-              </a:ext>
-            </a:extLst>
-          </p:cNvPr>
-          <p:cNvSpPr txBox="1"/>
-          <p:nvPr/>
-        </p:nvSpPr>
-        <p:spPr>
-          <a:xfrm>
-            <a:off x="3185622" y="3846570"/>
-            <a:ext cx="338554" cy="461665"/>
-          </a:xfrm>
-          <a:prstGeom prst="rect">
-            <a:avLst/>
-          </a:prstGeom>
-          <a:noFill/>
-        </p:spPr>
-        <p:txBody>
-          <a:bodyPr wrap="none" rtlCol="0">
-            <a:spAutoFit/>
-          </a:bodyPr>
-          <a:lstStyle/>
-          <a:p>
-            <a:r>
-              <a:rPr lang="en-US" sz="2400" dirty="0"/>
-              <a:t>*</a:t>
-            </a:r>
-          </a:p>
-        </p:txBody>
-      </p:sp>
-    </p:spTree>
-    <p:extLst>
-      <p:ext uri="{BB962C8B-B14F-4D97-AF65-F5344CB8AC3E}">
-        <p14:creationId xmlns:p14="http://schemas.microsoft.com/office/powerpoint/2010/main" val="817930908"/>
-      </p:ext>
-    </p:extLst>
-  </p:cSld>
-  <p:clrMapOvr>
-    <a:masterClrMapping/>
-  </p:clrMapOvr>
-</p:sld>
-</file>
-
-<file path=ppt/slides/slide7.xml><?xml version="1.0" encoding="utf-8"?>
+<file path=ppt/slides/slide10.xml><?xml version="1.0" encoding="utf-8"?>
 <p:sld xmlns:a="http://schemas.openxmlformats.org/drawingml/2006/main" xmlns:r="http://schemas.openxmlformats.org/officeDocument/2006/relationships" xmlns:p="http://schemas.openxmlformats.org/presentationml/2006/main" show="0">
   <p:cSld>
     <p:spTree>
@@ -5960,8 +4827,8 @@
 </p:sld>
 </file>
 
-<file path=ppt/slides/slide8.xml><?xml version="1.0" encoding="utf-8"?>
-<p:sld xmlns:a="http://schemas.openxmlformats.org/drawingml/2006/main" xmlns:r="http://schemas.openxmlformats.org/officeDocument/2006/relationships" xmlns:p="http://schemas.openxmlformats.org/presentationml/2006/main">
+<file path=ppt/slides/slide11.xml><?xml version="1.0" encoding="utf-8"?>
+<p:sld xmlns:a="http://schemas.openxmlformats.org/drawingml/2006/main" xmlns:r="http://schemas.openxmlformats.org/officeDocument/2006/relationships" xmlns:p="http://schemas.openxmlformats.org/presentationml/2006/main" show="0">
   <p:cSld>
     <p:spTree>
       <p:nvGrpSpPr>
@@ -6437,7 +5304,7 @@
 </p:sld>
 </file>
 
-<file path=ppt/slides/slide9.xml><?xml version="1.0" encoding="utf-8"?>
+<file path=ppt/slides/slide12.xml><?xml version="1.0" encoding="utf-8"?>
 <p:sld xmlns:a="http://schemas.openxmlformats.org/drawingml/2006/main" xmlns:r="http://schemas.openxmlformats.org/officeDocument/2006/relationships" xmlns:p="http://schemas.openxmlformats.org/presentationml/2006/main" show="0">
   <p:cSld>
     <p:spTree>
@@ -6577,6 +5444,2814 @@
     <p:extLst>
       <p:ext uri="{BB962C8B-B14F-4D97-AF65-F5344CB8AC3E}">
         <p14:creationId xmlns:p14="http://schemas.microsoft.com/office/powerpoint/2010/main" val="2321095042"/>
+      </p:ext>
+    </p:extLst>
+  </p:cSld>
+  <p:clrMapOvr>
+    <a:masterClrMapping/>
+  </p:clrMapOvr>
+</p:sld>
+</file>
+
+<file path=ppt/slides/slide13.xml><?xml version="1.0" encoding="utf-8"?>
+<p:sld xmlns:a="http://schemas.openxmlformats.org/drawingml/2006/main" xmlns:r="http://schemas.openxmlformats.org/officeDocument/2006/relationships" xmlns:p="http://schemas.openxmlformats.org/presentationml/2006/main">
+  <p:cSld>
+    <p:spTree>
+      <p:nvGrpSpPr>
+        <p:cNvPr id="1" name=""/>
+        <p:cNvGrpSpPr/>
+        <p:nvPr/>
+      </p:nvGrpSpPr>
+      <p:grpSpPr>
+        <a:xfrm>
+          <a:off x="0" y="0"/>
+          <a:ext cx="0" cy="0"/>
+          <a:chOff x="0" y="0"/>
+          <a:chExt cx="0" cy="0"/>
+        </a:xfrm>
+      </p:grpSpPr>
+      <p:pic>
+        <p:nvPicPr>
+          <p:cNvPr id="3" name="Picture 2">
+            <a:extLst>
+              <a:ext uri="{FF2B5EF4-FFF2-40B4-BE49-F238E27FC236}">
+                <a16:creationId xmlns:a16="http://schemas.microsoft.com/office/drawing/2014/main" id="{94EDFDE8-AF90-B977-0A25-7F1FD968864E}"/>
+              </a:ext>
+            </a:extLst>
+          </p:cNvPr>
+          <p:cNvPicPr>
+            <a:picLocks noChangeAspect="1"/>
+          </p:cNvPicPr>
+          <p:nvPr/>
+        </p:nvPicPr>
+        <p:blipFill>
+          <a:blip r:embed="rId2"/>
+          <a:stretch>
+            <a:fillRect/>
+          </a:stretch>
+        </p:blipFill>
+        <p:spPr>
+          <a:xfrm>
+            <a:off x="4682073" y="0"/>
+            <a:ext cx="6858000" cy="6858000"/>
+          </a:xfrm>
+          <a:prstGeom prst="rect">
+            <a:avLst/>
+          </a:prstGeom>
+        </p:spPr>
+      </p:pic>
+    </p:spTree>
+    <p:extLst>
+      <p:ext uri="{BB962C8B-B14F-4D97-AF65-F5344CB8AC3E}">
+        <p14:creationId xmlns:p14="http://schemas.microsoft.com/office/powerpoint/2010/main" val="672998204"/>
+      </p:ext>
+    </p:extLst>
+  </p:cSld>
+  <p:clrMapOvr>
+    <a:masterClrMapping/>
+  </p:clrMapOvr>
+</p:sld>
+</file>
+
+<file path=ppt/slides/slide14.xml><?xml version="1.0" encoding="utf-8"?>
+<p:sld xmlns:a="http://schemas.openxmlformats.org/drawingml/2006/main" xmlns:r="http://schemas.openxmlformats.org/officeDocument/2006/relationships" xmlns:p="http://schemas.openxmlformats.org/presentationml/2006/main">
+  <p:cSld>
+    <p:spTree>
+      <p:nvGrpSpPr>
+        <p:cNvPr id="1" name=""/>
+        <p:cNvGrpSpPr/>
+        <p:nvPr/>
+      </p:nvGrpSpPr>
+      <p:grpSpPr>
+        <a:xfrm>
+          <a:off x="0" y="0"/>
+          <a:ext cx="0" cy="0"/>
+          <a:chOff x="0" y="0"/>
+          <a:chExt cx="0" cy="0"/>
+        </a:xfrm>
+      </p:grpSpPr>
+      <p:cxnSp>
+        <p:nvCxnSpPr>
+          <p:cNvPr id="9" name="Straight Arrow Connector 8">
+            <a:extLst>
+              <a:ext uri="{FF2B5EF4-FFF2-40B4-BE49-F238E27FC236}">
+                <a16:creationId xmlns:a16="http://schemas.microsoft.com/office/drawing/2014/main" id="{F08BBB2B-BB4F-089F-0416-B3140A7E0ACE}"/>
+              </a:ext>
+            </a:extLst>
+          </p:cNvPr>
+          <p:cNvCxnSpPr>
+            <a:cxnSpLocks/>
+          </p:cNvCxnSpPr>
+          <p:nvPr/>
+        </p:nvCxnSpPr>
+        <p:spPr>
+          <a:xfrm flipV="1">
+            <a:off x="4102443" y="160638"/>
+            <a:ext cx="0" cy="3645243"/>
+          </a:xfrm>
+          <a:prstGeom prst="straightConnector1">
+            <a:avLst/>
+          </a:prstGeom>
+          <a:ln w="31750">
+            <a:headEnd w="lg" len="lg"/>
+            <a:tailEnd type="triangle"/>
+          </a:ln>
+        </p:spPr>
+        <p:style>
+          <a:lnRef idx="1">
+            <a:schemeClr val="dk1"/>
+          </a:lnRef>
+          <a:fillRef idx="0">
+            <a:schemeClr val="dk1"/>
+          </a:fillRef>
+          <a:effectRef idx="0">
+            <a:schemeClr val="dk1"/>
+          </a:effectRef>
+          <a:fontRef idx="minor">
+            <a:schemeClr val="tx1"/>
+          </a:fontRef>
+        </p:style>
+      </p:cxnSp>
+      <p:sp>
+        <p:nvSpPr>
+          <p:cNvPr id="10" name="TextBox 9">
+            <a:extLst>
+              <a:ext uri="{FF2B5EF4-FFF2-40B4-BE49-F238E27FC236}">
+                <a16:creationId xmlns:a16="http://schemas.microsoft.com/office/drawing/2014/main" id="{58244B80-4CAB-C39B-C40B-82B7E22734A6}"/>
+              </a:ext>
+            </a:extLst>
+          </p:cNvPr>
+          <p:cNvSpPr txBox="1"/>
+          <p:nvPr/>
+        </p:nvSpPr>
+        <p:spPr>
+          <a:xfrm>
+            <a:off x="1371600" y="160638"/>
+            <a:ext cx="2682145" cy="830997"/>
+          </a:xfrm>
+          <a:prstGeom prst="rect">
+            <a:avLst/>
+          </a:prstGeom>
+          <a:noFill/>
+        </p:spPr>
+        <p:txBody>
+          <a:bodyPr wrap="none" rtlCol="0">
+            <a:spAutoFit/>
+          </a:bodyPr>
+          <a:lstStyle/>
+          <a:p>
+            <a:r>
+              <a:rPr lang="en-US" sz="2400" dirty="0">
+                <a:latin typeface="Arial" panose="020B0604020202020204" pitchFamily="34" charset="0"/>
+                <a:cs typeface="Arial" panose="020B0604020202020204" pitchFamily="34" charset="0"/>
+              </a:rPr>
+              <a:t>Overestimation of </a:t>
+            </a:r>
+          </a:p>
+          <a:p>
+            <a:r>
+              <a:rPr lang="en-US" sz="2400" dirty="0">
+                <a:latin typeface="Arial" panose="020B0604020202020204" pitchFamily="34" charset="0"/>
+                <a:cs typeface="Arial" panose="020B0604020202020204" pitchFamily="34" charset="0"/>
+              </a:rPr>
+              <a:t>Previous Stress</a:t>
+            </a:r>
+          </a:p>
+        </p:txBody>
+      </p:sp>
+      <p:sp>
+        <p:nvSpPr>
+          <p:cNvPr id="11" name="TextBox 10">
+            <a:extLst>
+              <a:ext uri="{FF2B5EF4-FFF2-40B4-BE49-F238E27FC236}">
+                <a16:creationId xmlns:a16="http://schemas.microsoft.com/office/drawing/2014/main" id="{DA80D186-1C4D-443E-5737-664723057A58}"/>
+              </a:ext>
+            </a:extLst>
+          </p:cNvPr>
+          <p:cNvSpPr txBox="1"/>
+          <p:nvPr/>
+        </p:nvSpPr>
+        <p:spPr>
+          <a:xfrm>
+            <a:off x="1371600" y="4712043"/>
+            <a:ext cx="2855269" cy="830997"/>
+          </a:xfrm>
+          <a:prstGeom prst="rect">
+            <a:avLst/>
+          </a:prstGeom>
+          <a:noFill/>
+        </p:spPr>
+        <p:txBody>
+          <a:bodyPr wrap="none" rtlCol="0">
+            <a:spAutoFit/>
+          </a:bodyPr>
+          <a:lstStyle/>
+          <a:p>
+            <a:r>
+              <a:rPr lang="en-US" sz="2400" dirty="0">
+                <a:latin typeface="Arial" panose="020B0604020202020204" pitchFamily="34" charset="0"/>
+                <a:cs typeface="Arial" panose="020B0604020202020204" pitchFamily="34" charset="0"/>
+              </a:rPr>
+              <a:t>Underestimation of </a:t>
+            </a:r>
+          </a:p>
+          <a:p>
+            <a:r>
+              <a:rPr lang="en-US" sz="2400" dirty="0">
+                <a:latin typeface="Arial" panose="020B0604020202020204" pitchFamily="34" charset="0"/>
+                <a:cs typeface="Arial" panose="020B0604020202020204" pitchFamily="34" charset="0"/>
+              </a:rPr>
+              <a:t>Previous Stress</a:t>
+            </a:r>
+          </a:p>
+        </p:txBody>
+      </p:sp>
+      <p:cxnSp>
+        <p:nvCxnSpPr>
+          <p:cNvPr id="12" name="Straight Arrow Connector 11">
+            <a:extLst>
+              <a:ext uri="{FF2B5EF4-FFF2-40B4-BE49-F238E27FC236}">
+                <a16:creationId xmlns:a16="http://schemas.microsoft.com/office/drawing/2014/main" id="{7F31DE40-6E89-B153-2FD6-DFD21AEC3D6E}"/>
+              </a:ext>
+            </a:extLst>
+          </p:cNvPr>
+          <p:cNvCxnSpPr>
+            <a:cxnSpLocks/>
+          </p:cNvCxnSpPr>
+          <p:nvPr/>
+        </p:nvCxnSpPr>
+        <p:spPr>
+          <a:xfrm flipV="1">
+            <a:off x="4102443" y="3917092"/>
+            <a:ext cx="0" cy="1625948"/>
+          </a:xfrm>
+          <a:prstGeom prst="straightConnector1">
+            <a:avLst/>
+          </a:prstGeom>
+          <a:ln w="31750">
+            <a:headEnd type="triangle"/>
+            <a:tailEnd type="none" w="lg" len="lg"/>
+          </a:ln>
+        </p:spPr>
+        <p:style>
+          <a:lnRef idx="1">
+            <a:schemeClr val="dk1"/>
+          </a:lnRef>
+          <a:fillRef idx="0">
+            <a:schemeClr val="dk1"/>
+          </a:fillRef>
+          <a:effectRef idx="0">
+            <a:schemeClr val="dk1"/>
+          </a:effectRef>
+          <a:fontRef idx="minor">
+            <a:schemeClr val="tx1"/>
+          </a:fontRef>
+        </p:style>
+      </p:cxnSp>
+      <p:pic>
+        <p:nvPicPr>
+          <p:cNvPr id="25" name="Picture 24" descr="Chart&#10;&#10;Description automatically generated with medium confidence">
+            <a:extLst>
+              <a:ext uri="{FF2B5EF4-FFF2-40B4-BE49-F238E27FC236}">
+                <a16:creationId xmlns:a16="http://schemas.microsoft.com/office/drawing/2014/main" id="{AF91A413-C3A5-07BC-397D-CB45AE8D8063}"/>
+              </a:ext>
+            </a:extLst>
+          </p:cNvPr>
+          <p:cNvPicPr>
+            <a:picLocks noChangeAspect="1"/>
+          </p:cNvPicPr>
+          <p:nvPr/>
+        </p:nvPicPr>
+        <p:blipFill>
+          <a:blip r:embed="rId2"/>
+          <a:stretch>
+            <a:fillRect/>
+          </a:stretch>
+        </p:blipFill>
+        <p:spPr>
+          <a:xfrm>
+            <a:off x="4151142" y="0"/>
+            <a:ext cx="6858000" cy="6858000"/>
+          </a:xfrm>
+          <a:prstGeom prst="rect">
+            <a:avLst/>
+          </a:prstGeom>
+        </p:spPr>
+      </p:pic>
+    </p:spTree>
+    <p:extLst>
+      <p:ext uri="{BB962C8B-B14F-4D97-AF65-F5344CB8AC3E}">
+        <p14:creationId xmlns:p14="http://schemas.microsoft.com/office/powerpoint/2010/main" val="571879346"/>
+      </p:ext>
+    </p:extLst>
+  </p:cSld>
+  <p:clrMapOvr>
+    <a:masterClrMapping/>
+  </p:clrMapOvr>
+</p:sld>
+</file>
+
+<file path=ppt/slides/slide2.xml><?xml version="1.0" encoding="utf-8"?>
+<p:sld xmlns:a="http://schemas.openxmlformats.org/drawingml/2006/main" xmlns:r="http://schemas.openxmlformats.org/officeDocument/2006/relationships" xmlns:p="http://schemas.openxmlformats.org/presentationml/2006/main">
+  <p:cSld>
+    <p:spTree>
+      <p:nvGrpSpPr>
+        <p:cNvPr id="1" name=""/>
+        <p:cNvGrpSpPr/>
+        <p:nvPr/>
+      </p:nvGrpSpPr>
+      <p:grpSpPr>
+        <a:xfrm>
+          <a:off x="0" y="0"/>
+          <a:ext cx="0" cy="0"/>
+          <a:chOff x="0" y="0"/>
+          <a:chExt cx="0" cy="0"/>
+        </a:xfrm>
+      </p:grpSpPr>
+      <p:pic>
+        <p:nvPicPr>
+          <p:cNvPr id="13" name="Picture 12">
+            <a:extLst>
+              <a:ext uri="{FF2B5EF4-FFF2-40B4-BE49-F238E27FC236}">
+                <a16:creationId xmlns:a16="http://schemas.microsoft.com/office/drawing/2014/main" id="{6AEE891F-30B8-0992-229C-CDC1BF434153}"/>
+              </a:ext>
+            </a:extLst>
+          </p:cNvPr>
+          <p:cNvPicPr>
+            <a:picLocks noChangeAspect="1"/>
+          </p:cNvPicPr>
+          <p:nvPr/>
+        </p:nvPicPr>
+        <p:blipFill>
+          <a:blip r:embed="rId2"/>
+          <a:stretch>
+            <a:fillRect/>
+          </a:stretch>
+        </p:blipFill>
+        <p:spPr>
+          <a:xfrm>
+            <a:off x="374904" y="0"/>
+            <a:ext cx="3227832" cy="3227832"/>
+          </a:xfrm>
+          <a:prstGeom prst="rect">
+            <a:avLst/>
+          </a:prstGeom>
+        </p:spPr>
+      </p:pic>
+      <p:pic>
+        <p:nvPicPr>
+          <p:cNvPr id="17" name="Picture 16" descr="Chart, histogram&#10;&#10;Description automatically generated">
+            <a:extLst>
+              <a:ext uri="{FF2B5EF4-FFF2-40B4-BE49-F238E27FC236}">
+                <a16:creationId xmlns:a16="http://schemas.microsoft.com/office/drawing/2014/main" id="{A79EE7D8-7E84-A642-87ED-04FD62B8F967}"/>
+              </a:ext>
+            </a:extLst>
+          </p:cNvPr>
+          <p:cNvPicPr>
+            <a:picLocks noChangeAspect="1"/>
+          </p:cNvPicPr>
+          <p:nvPr/>
+        </p:nvPicPr>
+        <p:blipFill>
+          <a:blip r:embed="rId3"/>
+          <a:stretch>
+            <a:fillRect/>
+          </a:stretch>
+        </p:blipFill>
+        <p:spPr>
+          <a:xfrm>
+            <a:off x="3647427" y="0"/>
+            <a:ext cx="3017520" cy="3017520"/>
+          </a:xfrm>
+          <a:prstGeom prst="rect">
+            <a:avLst/>
+          </a:prstGeom>
+        </p:spPr>
+      </p:pic>
+      <p:pic>
+        <p:nvPicPr>
+          <p:cNvPr id="20" name="Picture 19" descr="Chart, histogram&#10;&#10;Description automatically generated">
+            <a:extLst>
+              <a:ext uri="{FF2B5EF4-FFF2-40B4-BE49-F238E27FC236}">
+                <a16:creationId xmlns:a16="http://schemas.microsoft.com/office/drawing/2014/main" id="{90EA4CC3-840F-EF41-E2D4-1DD8F941018F}"/>
+              </a:ext>
+            </a:extLst>
+          </p:cNvPr>
+          <p:cNvPicPr>
+            <a:picLocks noChangeAspect="1"/>
+          </p:cNvPicPr>
+          <p:nvPr/>
+        </p:nvPicPr>
+        <p:blipFill>
+          <a:blip r:embed="rId4"/>
+          <a:stretch>
+            <a:fillRect/>
+          </a:stretch>
+        </p:blipFill>
+        <p:spPr>
+          <a:xfrm>
+            <a:off x="3614738" y="2976190"/>
+            <a:ext cx="3017520" cy="3017520"/>
+          </a:xfrm>
+          <a:prstGeom prst="rect">
+            <a:avLst/>
+          </a:prstGeom>
+        </p:spPr>
+      </p:pic>
+      <p:sp>
+        <p:nvSpPr>
+          <p:cNvPr id="4" name="TextBox 3">
+            <a:extLst>
+              <a:ext uri="{FF2B5EF4-FFF2-40B4-BE49-F238E27FC236}">
+                <a16:creationId xmlns:a16="http://schemas.microsoft.com/office/drawing/2014/main" id="{30A663DB-2E51-B05F-30FC-58354FF142F5}"/>
+              </a:ext>
+            </a:extLst>
+          </p:cNvPr>
+          <p:cNvSpPr txBox="1"/>
+          <p:nvPr/>
+        </p:nvSpPr>
+        <p:spPr>
+          <a:xfrm>
+            <a:off x="6944499" y="5453278"/>
+            <a:ext cx="155042" cy="646331"/>
+          </a:xfrm>
+          <a:prstGeom prst="rect">
+            <a:avLst/>
+          </a:prstGeom>
+          <a:noFill/>
+        </p:spPr>
+        <p:txBody>
+          <a:bodyPr wrap="square" rtlCol="0">
+            <a:spAutoFit/>
+          </a:bodyPr>
+          <a:lstStyle/>
+          <a:p>
+            <a:endParaRPr lang="en-US" dirty="0"/>
+          </a:p>
+          <a:p>
+            <a:endParaRPr lang="en-US" dirty="0"/>
+          </a:p>
+        </p:txBody>
+      </p:sp>
+      <p:sp>
+        <p:nvSpPr>
+          <p:cNvPr id="5" name="TextBox 4">
+            <a:extLst>
+              <a:ext uri="{FF2B5EF4-FFF2-40B4-BE49-F238E27FC236}">
+                <a16:creationId xmlns:a16="http://schemas.microsoft.com/office/drawing/2014/main" id="{E86FD1C2-B002-534E-3A4B-706D4375B076}"/>
+              </a:ext>
+            </a:extLst>
+          </p:cNvPr>
+          <p:cNvSpPr txBox="1"/>
+          <p:nvPr/>
+        </p:nvSpPr>
+        <p:spPr>
+          <a:xfrm>
+            <a:off x="91440" y="-91440"/>
+            <a:ext cx="369012" cy="553998"/>
+          </a:xfrm>
+          <a:prstGeom prst="rect">
+            <a:avLst/>
+          </a:prstGeom>
+          <a:noFill/>
+        </p:spPr>
+        <p:txBody>
+          <a:bodyPr wrap="none" rtlCol="0">
+            <a:spAutoFit/>
+          </a:bodyPr>
+          <a:lstStyle/>
+          <a:p>
+            <a:r>
+              <a:rPr lang="en-US" sz="3000" dirty="0"/>
+              <a:t>a</a:t>
+            </a:r>
+          </a:p>
+        </p:txBody>
+      </p:sp>
+      <p:sp>
+        <p:nvSpPr>
+          <p:cNvPr id="10" name="TextBox 9">
+            <a:extLst>
+              <a:ext uri="{FF2B5EF4-FFF2-40B4-BE49-F238E27FC236}">
+                <a16:creationId xmlns:a16="http://schemas.microsoft.com/office/drawing/2014/main" id="{C741AF86-FDC5-D891-5833-B0D84BDF2906}"/>
+              </a:ext>
+            </a:extLst>
+          </p:cNvPr>
+          <p:cNvSpPr txBox="1"/>
+          <p:nvPr/>
+        </p:nvSpPr>
+        <p:spPr>
+          <a:xfrm>
+            <a:off x="3812336" y="-91440"/>
+            <a:ext cx="386644" cy="553998"/>
+          </a:xfrm>
+          <a:prstGeom prst="rect">
+            <a:avLst/>
+          </a:prstGeom>
+          <a:noFill/>
+        </p:spPr>
+        <p:txBody>
+          <a:bodyPr wrap="none" rtlCol="0">
+            <a:spAutoFit/>
+          </a:bodyPr>
+          <a:lstStyle/>
+          <a:p>
+            <a:r>
+              <a:rPr lang="en-US" sz="3000" dirty="0"/>
+              <a:t>b</a:t>
+            </a:r>
+          </a:p>
+        </p:txBody>
+      </p:sp>
+      <p:sp>
+        <p:nvSpPr>
+          <p:cNvPr id="11" name="TextBox 10">
+            <a:extLst>
+              <a:ext uri="{FF2B5EF4-FFF2-40B4-BE49-F238E27FC236}">
+                <a16:creationId xmlns:a16="http://schemas.microsoft.com/office/drawing/2014/main" id="{FC632005-FB62-C982-B4E4-AE9599EBDB91}"/>
+              </a:ext>
+            </a:extLst>
+          </p:cNvPr>
+          <p:cNvSpPr txBox="1"/>
+          <p:nvPr/>
+        </p:nvSpPr>
+        <p:spPr>
+          <a:xfrm>
+            <a:off x="91440" y="2442857"/>
+            <a:ext cx="346570" cy="553998"/>
+          </a:xfrm>
+          <a:prstGeom prst="rect">
+            <a:avLst/>
+          </a:prstGeom>
+          <a:noFill/>
+        </p:spPr>
+        <p:txBody>
+          <a:bodyPr wrap="none" rtlCol="0">
+            <a:spAutoFit/>
+          </a:bodyPr>
+          <a:lstStyle/>
+          <a:p>
+            <a:r>
+              <a:rPr lang="en-US" sz="3000" dirty="0"/>
+              <a:t>c</a:t>
+            </a:r>
+          </a:p>
+        </p:txBody>
+      </p:sp>
+      <p:sp>
+        <p:nvSpPr>
+          <p:cNvPr id="12" name="TextBox 11">
+            <a:extLst>
+              <a:ext uri="{FF2B5EF4-FFF2-40B4-BE49-F238E27FC236}">
+                <a16:creationId xmlns:a16="http://schemas.microsoft.com/office/drawing/2014/main" id="{98083C71-D38B-F2F8-72F5-C754FA6CD17A}"/>
+              </a:ext>
+            </a:extLst>
+          </p:cNvPr>
+          <p:cNvSpPr txBox="1"/>
+          <p:nvPr/>
+        </p:nvSpPr>
+        <p:spPr>
+          <a:xfrm>
+            <a:off x="3812336" y="2442857"/>
+            <a:ext cx="386644" cy="553998"/>
+          </a:xfrm>
+          <a:prstGeom prst="rect">
+            <a:avLst/>
+          </a:prstGeom>
+          <a:noFill/>
+        </p:spPr>
+        <p:txBody>
+          <a:bodyPr wrap="none" rtlCol="0">
+            <a:spAutoFit/>
+          </a:bodyPr>
+          <a:lstStyle/>
+          <a:p>
+            <a:r>
+              <a:rPr lang="en-US" sz="3000" dirty="0"/>
+              <a:t>d</a:t>
+            </a:r>
+          </a:p>
+        </p:txBody>
+      </p:sp>
+      <p:sp>
+        <p:nvSpPr>
+          <p:cNvPr id="6" name="TextBox 5">
+            <a:extLst>
+              <a:ext uri="{FF2B5EF4-FFF2-40B4-BE49-F238E27FC236}">
+                <a16:creationId xmlns:a16="http://schemas.microsoft.com/office/drawing/2014/main" id="{591DFC6B-EE6A-DBC9-346B-A4F682A4A540}"/>
+              </a:ext>
+            </a:extLst>
+          </p:cNvPr>
+          <p:cNvSpPr txBox="1"/>
+          <p:nvPr/>
+        </p:nvSpPr>
+        <p:spPr>
+          <a:xfrm>
+            <a:off x="3272986" y="629996"/>
+            <a:ext cx="338554" cy="461665"/>
+          </a:xfrm>
+          <a:prstGeom prst="rect">
+            <a:avLst/>
+          </a:prstGeom>
+          <a:noFill/>
+        </p:spPr>
+        <p:txBody>
+          <a:bodyPr wrap="none" rtlCol="0">
+            <a:spAutoFit/>
+          </a:bodyPr>
+          <a:lstStyle/>
+          <a:p>
+            <a:r>
+              <a:rPr lang="en-US" sz="2400" dirty="0"/>
+              <a:t>*</a:t>
+            </a:r>
+          </a:p>
+        </p:txBody>
+      </p:sp>
+      <p:sp>
+        <p:nvSpPr>
+          <p:cNvPr id="18" name="TextBox 17">
+            <a:extLst>
+              <a:ext uri="{FF2B5EF4-FFF2-40B4-BE49-F238E27FC236}">
+                <a16:creationId xmlns:a16="http://schemas.microsoft.com/office/drawing/2014/main" id="{51F2EB28-F632-2964-40AD-5DB34308BD26}"/>
+              </a:ext>
+            </a:extLst>
+          </p:cNvPr>
+          <p:cNvSpPr txBox="1"/>
+          <p:nvPr/>
+        </p:nvSpPr>
+        <p:spPr>
+          <a:xfrm>
+            <a:off x="11059297" y="3361038"/>
+            <a:ext cx="184731" cy="369332"/>
+          </a:xfrm>
+          <a:prstGeom prst="rect">
+            <a:avLst/>
+          </a:prstGeom>
+          <a:noFill/>
+        </p:spPr>
+        <p:txBody>
+          <a:bodyPr wrap="none" rtlCol="0">
+            <a:spAutoFit/>
+          </a:bodyPr>
+          <a:lstStyle/>
+          <a:p>
+            <a:endParaRPr lang="en-US" dirty="0"/>
+          </a:p>
+        </p:txBody>
+      </p:sp>
+      <p:pic>
+        <p:nvPicPr>
+          <p:cNvPr id="8" name="Picture 7">
+            <a:extLst>
+              <a:ext uri="{FF2B5EF4-FFF2-40B4-BE49-F238E27FC236}">
+                <a16:creationId xmlns:a16="http://schemas.microsoft.com/office/drawing/2014/main" id="{C480DAC0-A96C-E85B-FD31-392533C798F6}"/>
+              </a:ext>
+            </a:extLst>
+          </p:cNvPr>
+          <p:cNvPicPr>
+            <a:picLocks noChangeAspect="1"/>
+          </p:cNvPicPr>
+          <p:nvPr/>
+        </p:nvPicPr>
+        <p:blipFill>
+          <a:blip r:embed="rId5"/>
+          <a:stretch>
+            <a:fillRect/>
+          </a:stretch>
+        </p:blipFill>
+        <p:spPr>
+          <a:xfrm>
+            <a:off x="374904" y="2999232"/>
+            <a:ext cx="3227832" cy="3227832"/>
+          </a:xfrm>
+          <a:prstGeom prst="rect">
+            <a:avLst/>
+          </a:prstGeom>
+        </p:spPr>
+      </p:pic>
+    </p:spTree>
+    <p:extLst>
+      <p:ext uri="{BB962C8B-B14F-4D97-AF65-F5344CB8AC3E}">
+        <p14:creationId xmlns:p14="http://schemas.microsoft.com/office/powerpoint/2010/main" val="4056772922"/>
+      </p:ext>
+    </p:extLst>
+  </p:cSld>
+  <p:clrMapOvr>
+    <a:masterClrMapping/>
+  </p:clrMapOvr>
+</p:sld>
+</file>
+
+<file path=ppt/slides/slide3.xml><?xml version="1.0" encoding="utf-8"?>
+<p:sld xmlns:a="http://schemas.openxmlformats.org/drawingml/2006/main" xmlns:r="http://schemas.openxmlformats.org/officeDocument/2006/relationships" xmlns:p="http://schemas.openxmlformats.org/presentationml/2006/main" show="0">
+  <p:cSld>
+    <p:spTree>
+      <p:nvGrpSpPr>
+        <p:cNvPr id="1" name=""/>
+        <p:cNvGrpSpPr/>
+        <p:nvPr/>
+      </p:nvGrpSpPr>
+      <p:grpSpPr>
+        <a:xfrm>
+          <a:off x="0" y="0"/>
+          <a:ext cx="0" cy="0"/>
+          <a:chOff x="0" y="0"/>
+          <a:chExt cx="0" cy="0"/>
+        </a:xfrm>
+      </p:grpSpPr>
+      <p:pic>
+        <p:nvPicPr>
+          <p:cNvPr id="10" name="Picture 9" descr="Chart, box and whisker chart&#10;&#10;Description automatically generated">
+            <a:extLst>
+              <a:ext uri="{FF2B5EF4-FFF2-40B4-BE49-F238E27FC236}">
+                <a16:creationId xmlns:a16="http://schemas.microsoft.com/office/drawing/2014/main" id="{5D0B78D3-2DB1-FA8C-62D9-58FB2EB45467}"/>
+              </a:ext>
+            </a:extLst>
+          </p:cNvPr>
+          <p:cNvPicPr>
+            <a:picLocks noChangeAspect="1"/>
+          </p:cNvPicPr>
+          <p:nvPr/>
+        </p:nvPicPr>
+        <p:blipFill>
+          <a:blip r:embed="rId2"/>
+          <a:stretch>
+            <a:fillRect/>
+          </a:stretch>
+        </p:blipFill>
+        <p:spPr>
+          <a:xfrm>
+            <a:off x="24714" y="284413"/>
+            <a:ext cx="4267200" cy="3657600"/>
+          </a:xfrm>
+          <a:prstGeom prst="rect">
+            <a:avLst/>
+          </a:prstGeom>
+        </p:spPr>
+      </p:pic>
+      <p:sp>
+        <p:nvSpPr>
+          <p:cNvPr id="15" name="TextBox 14">
+            <a:extLst>
+              <a:ext uri="{FF2B5EF4-FFF2-40B4-BE49-F238E27FC236}">
+                <a16:creationId xmlns:a16="http://schemas.microsoft.com/office/drawing/2014/main" id="{2D648060-0806-C02F-47D3-B992E3DE628C}"/>
+              </a:ext>
+            </a:extLst>
+          </p:cNvPr>
+          <p:cNvSpPr txBox="1"/>
+          <p:nvPr/>
+        </p:nvSpPr>
+        <p:spPr>
+          <a:xfrm>
+            <a:off x="91440" y="93913"/>
+            <a:ext cx="369012" cy="553998"/>
+          </a:xfrm>
+          <a:prstGeom prst="rect">
+            <a:avLst/>
+          </a:prstGeom>
+          <a:noFill/>
+        </p:spPr>
+        <p:txBody>
+          <a:bodyPr wrap="none" rtlCol="0">
+            <a:spAutoFit/>
+          </a:bodyPr>
+          <a:lstStyle/>
+          <a:p>
+            <a:r>
+              <a:rPr lang="en-US" sz="3000" dirty="0"/>
+              <a:t>a</a:t>
+            </a:r>
+          </a:p>
+        </p:txBody>
+      </p:sp>
+      <p:sp>
+        <p:nvSpPr>
+          <p:cNvPr id="16" name="TextBox 15">
+            <a:extLst>
+              <a:ext uri="{FF2B5EF4-FFF2-40B4-BE49-F238E27FC236}">
+                <a16:creationId xmlns:a16="http://schemas.microsoft.com/office/drawing/2014/main" id="{23ED1619-745A-6D24-E6AD-226C560CF606}"/>
+              </a:ext>
+            </a:extLst>
+          </p:cNvPr>
+          <p:cNvSpPr txBox="1"/>
+          <p:nvPr/>
+        </p:nvSpPr>
+        <p:spPr>
+          <a:xfrm>
+            <a:off x="3971996" y="99271"/>
+            <a:ext cx="386644" cy="553998"/>
+          </a:xfrm>
+          <a:prstGeom prst="rect">
+            <a:avLst/>
+          </a:prstGeom>
+          <a:noFill/>
+        </p:spPr>
+        <p:txBody>
+          <a:bodyPr wrap="none" rtlCol="0">
+            <a:spAutoFit/>
+          </a:bodyPr>
+          <a:lstStyle/>
+          <a:p>
+            <a:r>
+              <a:rPr lang="en-US" sz="3000" dirty="0"/>
+              <a:t>b</a:t>
+            </a:r>
+          </a:p>
+        </p:txBody>
+      </p:sp>
+      <p:pic>
+        <p:nvPicPr>
+          <p:cNvPr id="12" name="Picture 11" descr="Chart, scatter chart&#10;&#10;Description automatically generated">
+            <a:extLst>
+              <a:ext uri="{FF2B5EF4-FFF2-40B4-BE49-F238E27FC236}">
+                <a16:creationId xmlns:a16="http://schemas.microsoft.com/office/drawing/2014/main" id="{78EEF428-3E8C-D6ED-C54C-E703CA7F0909}"/>
+              </a:ext>
+            </a:extLst>
+          </p:cNvPr>
+          <p:cNvPicPr>
+            <a:picLocks noChangeAspect="1"/>
+          </p:cNvPicPr>
+          <p:nvPr/>
+        </p:nvPicPr>
+        <p:blipFill>
+          <a:blip r:embed="rId3"/>
+          <a:stretch>
+            <a:fillRect/>
+          </a:stretch>
+        </p:blipFill>
+        <p:spPr>
+          <a:xfrm>
+            <a:off x="4358640" y="284413"/>
+            <a:ext cx="4267200" cy="3657600"/>
+          </a:xfrm>
+          <a:prstGeom prst="rect">
+            <a:avLst/>
+          </a:prstGeom>
+        </p:spPr>
+      </p:pic>
+    </p:spTree>
+    <p:extLst>
+      <p:ext uri="{BB962C8B-B14F-4D97-AF65-F5344CB8AC3E}">
+        <p14:creationId xmlns:p14="http://schemas.microsoft.com/office/powerpoint/2010/main" val="3124854890"/>
+      </p:ext>
+    </p:extLst>
+  </p:cSld>
+  <p:clrMapOvr>
+    <a:masterClrMapping/>
+  </p:clrMapOvr>
+</p:sld>
+</file>
+
+<file path=ppt/slides/slide4.xml><?xml version="1.0" encoding="utf-8"?>
+<p:sld xmlns:a="http://schemas.openxmlformats.org/drawingml/2006/main" xmlns:r="http://schemas.openxmlformats.org/officeDocument/2006/relationships" xmlns:p="http://schemas.openxmlformats.org/presentationml/2006/main" show="0">
+  <p:cSld>
+    <p:spTree>
+      <p:nvGrpSpPr>
+        <p:cNvPr id="1" name=""/>
+        <p:cNvGrpSpPr/>
+        <p:nvPr/>
+      </p:nvGrpSpPr>
+      <p:grpSpPr>
+        <a:xfrm>
+          <a:off x="0" y="0"/>
+          <a:ext cx="0" cy="0"/>
+          <a:chOff x="0" y="0"/>
+          <a:chExt cx="0" cy="0"/>
+        </a:xfrm>
+      </p:grpSpPr>
+      <p:pic>
+        <p:nvPicPr>
+          <p:cNvPr id="10" name="Picture 9" descr="Chart, box and whisker chart&#10;&#10;Description automatically generated">
+            <a:extLst>
+              <a:ext uri="{FF2B5EF4-FFF2-40B4-BE49-F238E27FC236}">
+                <a16:creationId xmlns:a16="http://schemas.microsoft.com/office/drawing/2014/main" id="{5D0B78D3-2DB1-FA8C-62D9-58FB2EB45467}"/>
+              </a:ext>
+            </a:extLst>
+          </p:cNvPr>
+          <p:cNvPicPr>
+            <a:picLocks noChangeAspect="1"/>
+          </p:cNvPicPr>
+          <p:nvPr/>
+        </p:nvPicPr>
+        <p:blipFill>
+          <a:blip r:embed="rId2"/>
+          <a:stretch>
+            <a:fillRect/>
+          </a:stretch>
+        </p:blipFill>
+        <p:spPr>
+          <a:xfrm>
+            <a:off x="4272788" y="360613"/>
+            <a:ext cx="4267200" cy="3657600"/>
+          </a:xfrm>
+          <a:prstGeom prst="rect">
+            <a:avLst/>
+          </a:prstGeom>
+        </p:spPr>
+      </p:pic>
+      <p:pic>
+        <p:nvPicPr>
+          <p:cNvPr id="12" name="Picture 11" descr="Chart, scatter chart&#10;&#10;Description automatically generated">
+            <a:extLst>
+              <a:ext uri="{FF2B5EF4-FFF2-40B4-BE49-F238E27FC236}">
+                <a16:creationId xmlns:a16="http://schemas.microsoft.com/office/drawing/2014/main" id="{78EEF428-3E8C-D6ED-C54C-E703CA7F0909}"/>
+              </a:ext>
+            </a:extLst>
+          </p:cNvPr>
+          <p:cNvPicPr>
+            <a:picLocks noChangeAspect="1"/>
+          </p:cNvPicPr>
+          <p:nvPr/>
+        </p:nvPicPr>
+        <p:blipFill>
+          <a:blip r:embed="rId3"/>
+          <a:stretch>
+            <a:fillRect/>
+          </a:stretch>
+        </p:blipFill>
+        <p:spPr>
+          <a:xfrm>
+            <a:off x="27432" y="360613"/>
+            <a:ext cx="4267200" cy="3657600"/>
+          </a:xfrm>
+          <a:prstGeom prst="rect">
+            <a:avLst/>
+          </a:prstGeom>
+        </p:spPr>
+      </p:pic>
+      <p:sp>
+        <p:nvSpPr>
+          <p:cNvPr id="15" name="TextBox 14">
+            <a:extLst>
+              <a:ext uri="{FF2B5EF4-FFF2-40B4-BE49-F238E27FC236}">
+                <a16:creationId xmlns:a16="http://schemas.microsoft.com/office/drawing/2014/main" id="{2D648060-0806-C02F-47D3-B992E3DE628C}"/>
+              </a:ext>
+            </a:extLst>
+          </p:cNvPr>
+          <p:cNvSpPr txBox="1"/>
+          <p:nvPr/>
+        </p:nvSpPr>
+        <p:spPr>
+          <a:xfrm>
+            <a:off x="91440" y="-109287"/>
+            <a:ext cx="369012" cy="553998"/>
+          </a:xfrm>
+          <a:prstGeom prst="rect">
+            <a:avLst/>
+          </a:prstGeom>
+          <a:noFill/>
+        </p:spPr>
+        <p:txBody>
+          <a:bodyPr wrap="none" rtlCol="0">
+            <a:spAutoFit/>
+          </a:bodyPr>
+          <a:lstStyle/>
+          <a:p>
+            <a:r>
+              <a:rPr lang="en-US" sz="3000" dirty="0"/>
+              <a:t>a</a:t>
+            </a:r>
+          </a:p>
+        </p:txBody>
+      </p:sp>
+      <p:sp>
+        <p:nvSpPr>
+          <p:cNvPr id="16" name="TextBox 15">
+            <a:extLst>
+              <a:ext uri="{FF2B5EF4-FFF2-40B4-BE49-F238E27FC236}">
+                <a16:creationId xmlns:a16="http://schemas.microsoft.com/office/drawing/2014/main" id="{23ED1619-745A-6D24-E6AD-226C560CF606}"/>
+              </a:ext>
+            </a:extLst>
+          </p:cNvPr>
+          <p:cNvSpPr txBox="1"/>
+          <p:nvPr/>
+        </p:nvSpPr>
+        <p:spPr>
+          <a:xfrm>
+            <a:off x="3971996" y="-103929"/>
+            <a:ext cx="386644" cy="553998"/>
+          </a:xfrm>
+          <a:prstGeom prst="rect">
+            <a:avLst/>
+          </a:prstGeom>
+          <a:noFill/>
+        </p:spPr>
+        <p:txBody>
+          <a:bodyPr wrap="none" rtlCol="0">
+            <a:spAutoFit/>
+          </a:bodyPr>
+          <a:lstStyle/>
+          <a:p>
+            <a:r>
+              <a:rPr lang="en-US" sz="3000" dirty="0"/>
+              <a:t>b</a:t>
+            </a:r>
+          </a:p>
+        </p:txBody>
+      </p:sp>
+    </p:spTree>
+    <p:extLst>
+      <p:ext uri="{BB962C8B-B14F-4D97-AF65-F5344CB8AC3E}">
+        <p14:creationId xmlns:p14="http://schemas.microsoft.com/office/powerpoint/2010/main" val="3856042665"/>
+      </p:ext>
+    </p:extLst>
+  </p:cSld>
+  <p:clrMapOvr>
+    <a:masterClrMapping/>
+  </p:clrMapOvr>
+</p:sld>
+</file>
+
+<file path=ppt/slides/slide5.xml><?xml version="1.0" encoding="utf-8"?>
+<p:sld xmlns:a="http://schemas.openxmlformats.org/drawingml/2006/main" xmlns:r="http://schemas.openxmlformats.org/officeDocument/2006/relationships" xmlns:p="http://schemas.openxmlformats.org/presentationml/2006/main" show="0">
+  <p:cSld>
+    <p:spTree>
+      <p:nvGrpSpPr>
+        <p:cNvPr id="1" name=""/>
+        <p:cNvGrpSpPr/>
+        <p:nvPr/>
+      </p:nvGrpSpPr>
+      <p:grpSpPr>
+        <a:xfrm>
+          <a:off x="0" y="0"/>
+          <a:ext cx="0" cy="0"/>
+          <a:chOff x="0" y="0"/>
+          <a:chExt cx="0" cy="0"/>
+        </a:xfrm>
+      </p:grpSpPr>
+      <p:pic>
+        <p:nvPicPr>
+          <p:cNvPr id="9" name="Picture 8" descr="Chart, box and whisker chart&#10;&#10;Description automatically generated">
+            <a:extLst>
+              <a:ext uri="{FF2B5EF4-FFF2-40B4-BE49-F238E27FC236}">
+                <a16:creationId xmlns:a16="http://schemas.microsoft.com/office/drawing/2014/main" id="{2BB98C13-C019-2DC6-9231-4F25806130E9}"/>
+              </a:ext>
+            </a:extLst>
+          </p:cNvPr>
+          <p:cNvPicPr>
+            <a:picLocks noChangeAspect="1"/>
+          </p:cNvPicPr>
+          <p:nvPr/>
+        </p:nvPicPr>
+        <p:blipFill>
+          <a:blip r:embed="rId2"/>
+          <a:stretch>
+            <a:fillRect/>
+          </a:stretch>
+        </p:blipFill>
+        <p:spPr>
+          <a:xfrm>
+            <a:off x="24714" y="284413"/>
+            <a:ext cx="4267200" cy="3657600"/>
+          </a:xfrm>
+          <a:prstGeom prst="rect">
+            <a:avLst/>
+          </a:prstGeom>
+        </p:spPr>
+      </p:pic>
+      <p:pic>
+        <p:nvPicPr>
+          <p:cNvPr id="11" name="Picture 10" descr="Chart, scatter chart&#10;&#10;Description automatically generated">
+            <a:extLst>
+              <a:ext uri="{FF2B5EF4-FFF2-40B4-BE49-F238E27FC236}">
+                <a16:creationId xmlns:a16="http://schemas.microsoft.com/office/drawing/2014/main" id="{D9221AA0-C833-24BB-F7AD-33D9D7F385A6}"/>
+              </a:ext>
+            </a:extLst>
+          </p:cNvPr>
+          <p:cNvPicPr>
+            <a:picLocks noChangeAspect="1"/>
+          </p:cNvPicPr>
+          <p:nvPr/>
+        </p:nvPicPr>
+        <p:blipFill>
+          <a:blip r:embed="rId3"/>
+          <a:stretch>
+            <a:fillRect/>
+          </a:stretch>
+        </p:blipFill>
+        <p:spPr>
+          <a:xfrm>
+            <a:off x="4358640" y="284413"/>
+            <a:ext cx="4267200" cy="3657600"/>
+          </a:xfrm>
+          <a:prstGeom prst="rect">
+            <a:avLst/>
+          </a:prstGeom>
+        </p:spPr>
+      </p:pic>
+      <p:sp>
+        <p:nvSpPr>
+          <p:cNvPr id="15" name="TextBox 14">
+            <a:extLst>
+              <a:ext uri="{FF2B5EF4-FFF2-40B4-BE49-F238E27FC236}">
+                <a16:creationId xmlns:a16="http://schemas.microsoft.com/office/drawing/2014/main" id="{2D648060-0806-C02F-47D3-B992E3DE628C}"/>
+              </a:ext>
+            </a:extLst>
+          </p:cNvPr>
+          <p:cNvSpPr txBox="1"/>
+          <p:nvPr/>
+        </p:nvSpPr>
+        <p:spPr>
+          <a:xfrm>
+            <a:off x="91440" y="93913"/>
+            <a:ext cx="369012" cy="553998"/>
+          </a:xfrm>
+          <a:prstGeom prst="rect">
+            <a:avLst/>
+          </a:prstGeom>
+          <a:noFill/>
+        </p:spPr>
+        <p:txBody>
+          <a:bodyPr wrap="none" rtlCol="0">
+            <a:spAutoFit/>
+          </a:bodyPr>
+          <a:lstStyle/>
+          <a:p>
+            <a:r>
+              <a:rPr lang="en-US" sz="3000" dirty="0"/>
+              <a:t>a</a:t>
+            </a:r>
+          </a:p>
+        </p:txBody>
+      </p:sp>
+      <p:sp>
+        <p:nvSpPr>
+          <p:cNvPr id="16" name="TextBox 15">
+            <a:extLst>
+              <a:ext uri="{FF2B5EF4-FFF2-40B4-BE49-F238E27FC236}">
+                <a16:creationId xmlns:a16="http://schemas.microsoft.com/office/drawing/2014/main" id="{23ED1619-745A-6D24-E6AD-226C560CF606}"/>
+              </a:ext>
+            </a:extLst>
+          </p:cNvPr>
+          <p:cNvSpPr txBox="1"/>
+          <p:nvPr/>
+        </p:nvSpPr>
+        <p:spPr>
+          <a:xfrm>
+            <a:off x="3971996" y="99271"/>
+            <a:ext cx="386644" cy="553998"/>
+          </a:xfrm>
+          <a:prstGeom prst="rect">
+            <a:avLst/>
+          </a:prstGeom>
+          <a:noFill/>
+        </p:spPr>
+        <p:txBody>
+          <a:bodyPr wrap="none" rtlCol="0">
+            <a:spAutoFit/>
+          </a:bodyPr>
+          <a:lstStyle/>
+          <a:p>
+            <a:r>
+              <a:rPr lang="en-US" sz="3000" dirty="0"/>
+              <a:t>b</a:t>
+            </a:r>
+          </a:p>
+        </p:txBody>
+      </p:sp>
+    </p:spTree>
+    <p:extLst>
+      <p:ext uri="{BB962C8B-B14F-4D97-AF65-F5344CB8AC3E}">
+        <p14:creationId xmlns:p14="http://schemas.microsoft.com/office/powerpoint/2010/main" val="1902776895"/>
+      </p:ext>
+    </p:extLst>
+  </p:cSld>
+  <p:clrMapOvr>
+    <a:masterClrMapping/>
+  </p:clrMapOvr>
+</p:sld>
+</file>
+
+<file path=ppt/slides/slide6.xml><?xml version="1.0" encoding="utf-8"?>
+<p:sld xmlns:a="http://schemas.openxmlformats.org/drawingml/2006/main" xmlns:r="http://schemas.openxmlformats.org/officeDocument/2006/relationships" xmlns:p="http://schemas.openxmlformats.org/presentationml/2006/main" show="0">
+  <p:cSld>
+    <p:spTree>
+      <p:nvGrpSpPr>
+        <p:cNvPr id="1" name=""/>
+        <p:cNvGrpSpPr/>
+        <p:nvPr/>
+      </p:nvGrpSpPr>
+      <p:grpSpPr>
+        <a:xfrm>
+          <a:off x="0" y="0"/>
+          <a:ext cx="0" cy="0"/>
+          <a:chOff x="0" y="0"/>
+          <a:chExt cx="0" cy="0"/>
+        </a:xfrm>
+      </p:grpSpPr>
+      <p:pic>
+        <p:nvPicPr>
+          <p:cNvPr id="8" name="Picture 7" descr="Chart, box and whisker chart&#10;&#10;Description automatically generated">
+            <a:extLst>
+              <a:ext uri="{FF2B5EF4-FFF2-40B4-BE49-F238E27FC236}">
+                <a16:creationId xmlns:a16="http://schemas.microsoft.com/office/drawing/2014/main" id="{9FF62FE6-451B-951B-5ADD-571169F11661}"/>
+              </a:ext>
+            </a:extLst>
+          </p:cNvPr>
+          <p:cNvPicPr>
+            <a:picLocks noChangeAspect="1"/>
+          </p:cNvPicPr>
+          <p:nvPr/>
+        </p:nvPicPr>
+        <p:blipFill>
+          <a:blip r:embed="rId2"/>
+          <a:stretch>
+            <a:fillRect/>
+          </a:stretch>
+        </p:blipFill>
+        <p:spPr>
+          <a:xfrm>
+            <a:off x="3415410" y="3209544"/>
+            <a:ext cx="2935224" cy="2935224"/>
+          </a:xfrm>
+          <a:prstGeom prst="rect">
+            <a:avLst/>
+          </a:prstGeom>
+        </p:spPr>
+      </p:pic>
+      <p:pic>
+        <p:nvPicPr>
+          <p:cNvPr id="15" name="Picture 14" descr="Chart, scatter chart&#10;&#10;Description automatically generated">
+            <a:extLst>
+              <a:ext uri="{FF2B5EF4-FFF2-40B4-BE49-F238E27FC236}">
+                <a16:creationId xmlns:a16="http://schemas.microsoft.com/office/drawing/2014/main" id="{E77C7DDD-A693-A54F-D3ED-F553097B8BDD}"/>
+              </a:ext>
+            </a:extLst>
+          </p:cNvPr>
+          <p:cNvPicPr>
+            <a:picLocks noChangeAspect="1"/>
+          </p:cNvPicPr>
+          <p:nvPr/>
+        </p:nvPicPr>
+        <p:blipFill>
+          <a:blip r:embed="rId3"/>
+          <a:stretch>
+            <a:fillRect/>
+          </a:stretch>
+        </p:blipFill>
+        <p:spPr>
+          <a:xfrm>
+            <a:off x="3415410" y="0"/>
+            <a:ext cx="2935224" cy="2935224"/>
+          </a:xfrm>
+          <a:prstGeom prst="rect">
+            <a:avLst/>
+          </a:prstGeom>
+        </p:spPr>
+      </p:pic>
+      <p:pic>
+        <p:nvPicPr>
+          <p:cNvPr id="1026" name="Picture 2">
+            <a:extLst>
+              <a:ext uri="{FF2B5EF4-FFF2-40B4-BE49-F238E27FC236}">
+                <a16:creationId xmlns:a16="http://schemas.microsoft.com/office/drawing/2014/main" id="{AAA93493-990E-CE59-AA16-10D03CB93DED}"/>
+              </a:ext>
+            </a:extLst>
+          </p:cNvPr>
+          <p:cNvPicPr>
+            <a:picLocks noChangeAspect="1" noChangeArrowheads="1"/>
+          </p:cNvPicPr>
+          <p:nvPr/>
+        </p:nvPicPr>
+        <p:blipFill>
+          <a:blip r:embed="rId4">
+            <a:extLst>
+              <a:ext uri="{28A0092B-C50C-407E-A947-70E740481C1C}">
+                <a14:useLocalDpi xmlns:a14="http://schemas.microsoft.com/office/drawing/2010/main" val="0"/>
+              </a:ext>
+            </a:extLst>
+          </a:blip>
+          <a:srcRect/>
+          <a:stretch>
+            <a:fillRect/>
+          </a:stretch>
+        </p:blipFill>
+        <p:spPr bwMode="auto">
+          <a:xfrm>
+            <a:off x="182880" y="0"/>
+            <a:ext cx="3227831" cy="3227831"/>
+          </a:xfrm>
+          <a:prstGeom prst="rect">
+            <a:avLst/>
+          </a:prstGeom>
+          <a:noFill/>
+          <a:extLst>
+            <a:ext uri="{909E8E84-426E-40DD-AFC4-6F175D3DCCD1}">
+              <a14:hiddenFill xmlns:a14="http://schemas.microsoft.com/office/drawing/2010/main">
+                <a:solidFill>
+                  <a:srgbClr val="FFFFFF"/>
+                </a:solidFill>
+              </a14:hiddenFill>
+            </a:ext>
+          </a:extLst>
+        </p:spPr>
+      </p:pic>
+      <p:sp>
+        <p:nvSpPr>
+          <p:cNvPr id="4" name="TextBox 3">
+            <a:extLst>
+              <a:ext uri="{FF2B5EF4-FFF2-40B4-BE49-F238E27FC236}">
+                <a16:creationId xmlns:a16="http://schemas.microsoft.com/office/drawing/2014/main" id="{30A663DB-2E51-B05F-30FC-58354FF142F5}"/>
+              </a:ext>
+            </a:extLst>
+          </p:cNvPr>
+          <p:cNvSpPr txBox="1"/>
+          <p:nvPr/>
+        </p:nvSpPr>
+        <p:spPr>
+          <a:xfrm>
+            <a:off x="6944499" y="5453278"/>
+            <a:ext cx="155042" cy="646331"/>
+          </a:xfrm>
+          <a:prstGeom prst="rect">
+            <a:avLst/>
+          </a:prstGeom>
+          <a:noFill/>
+        </p:spPr>
+        <p:txBody>
+          <a:bodyPr wrap="square" rtlCol="0">
+            <a:spAutoFit/>
+          </a:bodyPr>
+          <a:lstStyle/>
+          <a:p>
+            <a:endParaRPr lang="en-US" dirty="0"/>
+          </a:p>
+          <a:p>
+            <a:endParaRPr lang="en-US" dirty="0"/>
+          </a:p>
+        </p:txBody>
+      </p:sp>
+      <p:pic>
+        <p:nvPicPr>
+          <p:cNvPr id="1030" name="Picture 6">
+            <a:extLst>
+              <a:ext uri="{FF2B5EF4-FFF2-40B4-BE49-F238E27FC236}">
+                <a16:creationId xmlns:a16="http://schemas.microsoft.com/office/drawing/2014/main" id="{427BCB10-51E4-8B6B-1ACF-DA4BDE9245AC}"/>
+              </a:ext>
+            </a:extLst>
+          </p:cNvPr>
+          <p:cNvPicPr>
+            <a:picLocks noChangeAspect="1" noChangeArrowheads="1"/>
+          </p:cNvPicPr>
+          <p:nvPr/>
+        </p:nvPicPr>
+        <p:blipFill>
+          <a:blip r:embed="rId5">
+            <a:extLst>
+              <a:ext uri="{28A0092B-C50C-407E-A947-70E740481C1C}">
+                <a14:useLocalDpi xmlns:a14="http://schemas.microsoft.com/office/drawing/2010/main" val="0"/>
+              </a:ext>
+            </a:extLst>
+          </a:blip>
+          <a:srcRect/>
+          <a:stretch>
+            <a:fillRect/>
+          </a:stretch>
+        </p:blipFill>
+        <p:spPr bwMode="auto">
+          <a:xfrm>
+            <a:off x="182880" y="2996855"/>
+            <a:ext cx="3284065" cy="3284065"/>
+          </a:xfrm>
+          <a:prstGeom prst="rect">
+            <a:avLst/>
+          </a:prstGeom>
+          <a:noFill/>
+          <a:extLst>
+            <a:ext uri="{909E8E84-426E-40DD-AFC4-6F175D3DCCD1}">
+              <a14:hiddenFill xmlns:a14="http://schemas.microsoft.com/office/drawing/2010/main">
+                <a:solidFill>
+                  <a:srgbClr val="FFFFFF"/>
+                </a:solidFill>
+              </a14:hiddenFill>
+            </a:ext>
+          </a:extLst>
+        </p:spPr>
+      </p:pic>
+      <p:sp>
+        <p:nvSpPr>
+          <p:cNvPr id="5" name="TextBox 4">
+            <a:extLst>
+              <a:ext uri="{FF2B5EF4-FFF2-40B4-BE49-F238E27FC236}">
+                <a16:creationId xmlns:a16="http://schemas.microsoft.com/office/drawing/2014/main" id="{E86FD1C2-B002-534E-3A4B-706D4375B076}"/>
+              </a:ext>
+            </a:extLst>
+          </p:cNvPr>
+          <p:cNvSpPr txBox="1"/>
+          <p:nvPr/>
+        </p:nvSpPr>
+        <p:spPr>
+          <a:xfrm>
+            <a:off x="91440" y="-91440"/>
+            <a:ext cx="369012" cy="553998"/>
+          </a:xfrm>
+          <a:prstGeom prst="rect">
+            <a:avLst/>
+          </a:prstGeom>
+          <a:noFill/>
+        </p:spPr>
+        <p:txBody>
+          <a:bodyPr wrap="none" rtlCol="0">
+            <a:spAutoFit/>
+          </a:bodyPr>
+          <a:lstStyle/>
+          <a:p>
+            <a:r>
+              <a:rPr lang="en-US" sz="3000" dirty="0"/>
+              <a:t>a</a:t>
+            </a:r>
+          </a:p>
+        </p:txBody>
+      </p:sp>
+      <p:sp>
+        <p:nvSpPr>
+          <p:cNvPr id="10" name="TextBox 9">
+            <a:extLst>
+              <a:ext uri="{FF2B5EF4-FFF2-40B4-BE49-F238E27FC236}">
+                <a16:creationId xmlns:a16="http://schemas.microsoft.com/office/drawing/2014/main" id="{C741AF86-FDC5-D891-5833-B0D84BDF2906}"/>
+              </a:ext>
+            </a:extLst>
+          </p:cNvPr>
+          <p:cNvSpPr txBox="1"/>
+          <p:nvPr/>
+        </p:nvSpPr>
+        <p:spPr>
+          <a:xfrm>
+            <a:off x="3482136" y="-91440"/>
+            <a:ext cx="386644" cy="553998"/>
+          </a:xfrm>
+          <a:prstGeom prst="rect">
+            <a:avLst/>
+          </a:prstGeom>
+          <a:noFill/>
+        </p:spPr>
+        <p:txBody>
+          <a:bodyPr wrap="none" rtlCol="0">
+            <a:spAutoFit/>
+          </a:bodyPr>
+          <a:lstStyle/>
+          <a:p>
+            <a:r>
+              <a:rPr lang="en-US" sz="3000" dirty="0"/>
+              <a:t>b</a:t>
+            </a:r>
+          </a:p>
+        </p:txBody>
+      </p:sp>
+      <p:sp>
+        <p:nvSpPr>
+          <p:cNvPr id="11" name="TextBox 10">
+            <a:extLst>
+              <a:ext uri="{FF2B5EF4-FFF2-40B4-BE49-F238E27FC236}">
+                <a16:creationId xmlns:a16="http://schemas.microsoft.com/office/drawing/2014/main" id="{FC632005-FB62-C982-B4E4-AE9599EBDB91}"/>
+              </a:ext>
+            </a:extLst>
+          </p:cNvPr>
+          <p:cNvSpPr txBox="1"/>
+          <p:nvPr/>
+        </p:nvSpPr>
+        <p:spPr>
+          <a:xfrm>
+            <a:off x="91440" y="2442857"/>
+            <a:ext cx="346570" cy="553998"/>
+          </a:xfrm>
+          <a:prstGeom prst="rect">
+            <a:avLst/>
+          </a:prstGeom>
+          <a:noFill/>
+        </p:spPr>
+        <p:txBody>
+          <a:bodyPr wrap="none" rtlCol="0">
+            <a:spAutoFit/>
+          </a:bodyPr>
+          <a:lstStyle/>
+          <a:p>
+            <a:r>
+              <a:rPr lang="en-US" sz="3000" dirty="0"/>
+              <a:t>c</a:t>
+            </a:r>
+          </a:p>
+        </p:txBody>
+      </p:sp>
+      <p:sp>
+        <p:nvSpPr>
+          <p:cNvPr id="12" name="TextBox 11">
+            <a:extLst>
+              <a:ext uri="{FF2B5EF4-FFF2-40B4-BE49-F238E27FC236}">
+                <a16:creationId xmlns:a16="http://schemas.microsoft.com/office/drawing/2014/main" id="{98083C71-D38B-F2F8-72F5-C754FA6CD17A}"/>
+              </a:ext>
+            </a:extLst>
+          </p:cNvPr>
+          <p:cNvSpPr txBox="1"/>
+          <p:nvPr/>
+        </p:nvSpPr>
+        <p:spPr>
+          <a:xfrm>
+            <a:off x="3482136" y="2442857"/>
+            <a:ext cx="386644" cy="553998"/>
+          </a:xfrm>
+          <a:prstGeom prst="rect">
+            <a:avLst/>
+          </a:prstGeom>
+          <a:noFill/>
+        </p:spPr>
+        <p:txBody>
+          <a:bodyPr wrap="none" rtlCol="0">
+            <a:spAutoFit/>
+          </a:bodyPr>
+          <a:lstStyle/>
+          <a:p>
+            <a:r>
+              <a:rPr lang="en-US" sz="3000" dirty="0"/>
+              <a:t>d</a:t>
+            </a:r>
+          </a:p>
+        </p:txBody>
+      </p:sp>
+      <p:sp>
+        <p:nvSpPr>
+          <p:cNvPr id="6" name="TextBox 5">
+            <a:extLst>
+              <a:ext uri="{FF2B5EF4-FFF2-40B4-BE49-F238E27FC236}">
+                <a16:creationId xmlns:a16="http://schemas.microsoft.com/office/drawing/2014/main" id="{591DFC6B-EE6A-DBC9-346B-A4F682A4A540}"/>
+              </a:ext>
+            </a:extLst>
+          </p:cNvPr>
+          <p:cNvSpPr txBox="1"/>
+          <p:nvPr/>
+        </p:nvSpPr>
+        <p:spPr>
+          <a:xfrm>
+            <a:off x="3082486" y="629996"/>
+            <a:ext cx="338554" cy="461665"/>
+          </a:xfrm>
+          <a:prstGeom prst="rect">
+            <a:avLst/>
+          </a:prstGeom>
+          <a:noFill/>
+        </p:spPr>
+        <p:txBody>
+          <a:bodyPr wrap="none" rtlCol="0">
+            <a:spAutoFit/>
+          </a:bodyPr>
+          <a:lstStyle/>
+          <a:p>
+            <a:r>
+              <a:rPr lang="en-US" sz="2400" dirty="0"/>
+              <a:t>*</a:t>
+            </a:r>
+          </a:p>
+        </p:txBody>
+      </p:sp>
+    </p:spTree>
+    <p:extLst>
+      <p:ext uri="{BB962C8B-B14F-4D97-AF65-F5344CB8AC3E}">
+        <p14:creationId xmlns:p14="http://schemas.microsoft.com/office/powerpoint/2010/main" val="1658426761"/>
+      </p:ext>
+    </p:extLst>
+  </p:cSld>
+  <p:clrMapOvr>
+    <a:masterClrMapping/>
+  </p:clrMapOvr>
+</p:sld>
+</file>
+
+<file path=ppt/slides/slide7.xml><?xml version="1.0" encoding="utf-8"?>
+<p:sld xmlns:a="http://schemas.openxmlformats.org/drawingml/2006/main" xmlns:r="http://schemas.openxmlformats.org/officeDocument/2006/relationships" xmlns:p="http://schemas.openxmlformats.org/presentationml/2006/main" show="0">
+  <p:cSld>
+    <p:spTree>
+      <p:nvGrpSpPr>
+        <p:cNvPr id="1" name=""/>
+        <p:cNvGrpSpPr/>
+        <p:nvPr/>
+      </p:nvGrpSpPr>
+      <p:grpSpPr>
+        <a:xfrm>
+          <a:off x="0" y="0"/>
+          <a:ext cx="0" cy="0"/>
+          <a:chOff x="0" y="0"/>
+          <a:chExt cx="0" cy="0"/>
+        </a:xfrm>
+      </p:grpSpPr>
+      <p:pic>
+        <p:nvPicPr>
+          <p:cNvPr id="17" name="Picture 16" descr="Chart, histogram&#10;&#10;Description automatically generated">
+            <a:extLst>
+              <a:ext uri="{FF2B5EF4-FFF2-40B4-BE49-F238E27FC236}">
+                <a16:creationId xmlns:a16="http://schemas.microsoft.com/office/drawing/2014/main" id="{A79EE7D8-7E84-A642-87ED-04FD62B8F967}"/>
+              </a:ext>
+            </a:extLst>
+          </p:cNvPr>
+          <p:cNvPicPr>
+            <a:picLocks noChangeAspect="1"/>
+          </p:cNvPicPr>
+          <p:nvPr/>
+        </p:nvPicPr>
+        <p:blipFill>
+          <a:blip r:embed="rId2"/>
+          <a:stretch>
+            <a:fillRect/>
+          </a:stretch>
+        </p:blipFill>
+        <p:spPr>
+          <a:xfrm>
+            <a:off x="3456927" y="0"/>
+            <a:ext cx="3017520" cy="3017520"/>
+          </a:xfrm>
+          <a:prstGeom prst="rect">
+            <a:avLst/>
+          </a:prstGeom>
+        </p:spPr>
+      </p:pic>
+      <p:pic>
+        <p:nvPicPr>
+          <p:cNvPr id="20" name="Picture 19" descr="Chart, histogram&#10;&#10;Description automatically generated">
+            <a:extLst>
+              <a:ext uri="{FF2B5EF4-FFF2-40B4-BE49-F238E27FC236}">
+                <a16:creationId xmlns:a16="http://schemas.microsoft.com/office/drawing/2014/main" id="{90EA4CC3-840F-EF41-E2D4-1DD8F941018F}"/>
+              </a:ext>
+            </a:extLst>
+          </p:cNvPr>
+          <p:cNvPicPr>
+            <a:picLocks noChangeAspect="1"/>
+          </p:cNvPicPr>
+          <p:nvPr/>
+        </p:nvPicPr>
+        <p:blipFill>
+          <a:blip r:embed="rId3"/>
+          <a:stretch>
+            <a:fillRect/>
+          </a:stretch>
+        </p:blipFill>
+        <p:spPr>
+          <a:xfrm>
+            <a:off x="3424238" y="2976190"/>
+            <a:ext cx="3017520" cy="3017520"/>
+          </a:xfrm>
+          <a:prstGeom prst="rect">
+            <a:avLst/>
+          </a:prstGeom>
+        </p:spPr>
+      </p:pic>
+      <p:pic>
+        <p:nvPicPr>
+          <p:cNvPr id="1026" name="Picture 2">
+            <a:extLst>
+              <a:ext uri="{FF2B5EF4-FFF2-40B4-BE49-F238E27FC236}">
+                <a16:creationId xmlns:a16="http://schemas.microsoft.com/office/drawing/2014/main" id="{AAA93493-990E-CE59-AA16-10D03CB93DED}"/>
+              </a:ext>
+            </a:extLst>
+          </p:cNvPr>
+          <p:cNvPicPr>
+            <a:picLocks noChangeAspect="1" noChangeArrowheads="1"/>
+          </p:cNvPicPr>
+          <p:nvPr/>
+        </p:nvPicPr>
+        <p:blipFill>
+          <a:blip r:embed="rId4">
+            <a:extLst>
+              <a:ext uri="{28A0092B-C50C-407E-A947-70E740481C1C}">
+                <a14:useLocalDpi xmlns:a14="http://schemas.microsoft.com/office/drawing/2010/main" val="0"/>
+              </a:ext>
+            </a:extLst>
+          </a:blip>
+          <a:srcRect/>
+          <a:stretch>
+            <a:fillRect/>
+          </a:stretch>
+        </p:blipFill>
+        <p:spPr bwMode="auto">
+          <a:xfrm>
+            <a:off x="182880" y="0"/>
+            <a:ext cx="3227831" cy="3227831"/>
+          </a:xfrm>
+          <a:prstGeom prst="rect">
+            <a:avLst/>
+          </a:prstGeom>
+          <a:noFill/>
+          <a:extLst>
+            <a:ext uri="{909E8E84-426E-40DD-AFC4-6F175D3DCCD1}">
+              <a14:hiddenFill xmlns:a14="http://schemas.microsoft.com/office/drawing/2010/main">
+                <a:solidFill>
+                  <a:srgbClr val="FFFFFF"/>
+                </a:solidFill>
+              </a14:hiddenFill>
+            </a:ext>
+          </a:extLst>
+        </p:spPr>
+      </p:pic>
+      <p:sp>
+        <p:nvSpPr>
+          <p:cNvPr id="4" name="TextBox 3">
+            <a:extLst>
+              <a:ext uri="{FF2B5EF4-FFF2-40B4-BE49-F238E27FC236}">
+                <a16:creationId xmlns:a16="http://schemas.microsoft.com/office/drawing/2014/main" id="{30A663DB-2E51-B05F-30FC-58354FF142F5}"/>
+              </a:ext>
+            </a:extLst>
+          </p:cNvPr>
+          <p:cNvSpPr txBox="1"/>
+          <p:nvPr/>
+        </p:nvSpPr>
+        <p:spPr>
+          <a:xfrm>
+            <a:off x="6944499" y="5453278"/>
+            <a:ext cx="155042" cy="646331"/>
+          </a:xfrm>
+          <a:prstGeom prst="rect">
+            <a:avLst/>
+          </a:prstGeom>
+          <a:noFill/>
+        </p:spPr>
+        <p:txBody>
+          <a:bodyPr wrap="square" rtlCol="0">
+            <a:spAutoFit/>
+          </a:bodyPr>
+          <a:lstStyle/>
+          <a:p>
+            <a:endParaRPr lang="en-US" dirty="0"/>
+          </a:p>
+          <a:p>
+            <a:endParaRPr lang="en-US" dirty="0"/>
+          </a:p>
+        </p:txBody>
+      </p:sp>
+      <p:pic>
+        <p:nvPicPr>
+          <p:cNvPr id="1030" name="Picture 6">
+            <a:extLst>
+              <a:ext uri="{FF2B5EF4-FFF2-40B4-BE49-F238E27FC236}">
+                <a16:creationId xmlns:a16="http://schemas.microsoft.com/office/drawing/2014/main" id="{427BCB10-51E4-8B6B-1ACF-DA4BDE9245AC}"/>
+              </a:ext>
+            </a:extLst>
+          </p:cNvPr>
+          <p:cNvPicPr>
+            <a:picLocks noChangeAspect="1" noChangeArrowheads="1"/>
+          </p:cNvPicPr>
+          <p:nvPr/>
+        </p:nvPicPr>
+        <p:blipFill>
+          <a:blip r:embed="rId5">
+            <a:extLst>
+              <a:ext uri="{28A0092B-C50C-407E-A947-70E740481C1C}">
+                <a14:useLocalDpi xmlns:a14="http://schemas.microsoft.com/office/drawing/2010/main" val="0"/>
+              </a:ext>
+            </a:extLst>
+          </a:blip>
+          <a:srcRect/>
+          <a:stretch>
+            <a:fillRect/>
+          </a:stretch>
+        </p:blipFill>
+        <p:spPr bwMode="auto">
+          <a:xfrm>
+            <a:off x="182880" y="2996855"/>
+            <a:ext cx="3284065" cy="3284065"/>
+          </a:xfrm>
+          <a:prstGeom prst="rect">
+            <a:avLst/>
+          </a:prstGeom>
+          <a:noFill/>
+          <a:extLst>
+            <a:ext uri="{909E8E84-426E-40DD-AFC4-6F175D3DCCD1}">
+              <a14:hiddenFill xmlns:a14="http://schemas.microsoft.com/office/drawing/2010/main">
+                <a:solidFill>
+                  <a:srgbClr val="FFFFFF"/>
+                </a:solidFill>
+              </a14:hiddenFill>
+            </a:ext>
+          </a:extLst>
+        </p:spPr>
+      </p:pic>
+      <p:sp>
+        <p:nvSpPr>
+          <p:cNvPr id="5" name="TextBox 4">
+            <a:extLst>
+              <a:ext uri="{FF2B5EF4-FFF2-40B4-BE49-F238E27FC236}">
+                <a16:creationId xmlns:a16="http://schemas.microsoft.com/office/drawing/2014/main" id="{E86FD1C2-B002-534E-3A4B-706D4375B076}"/>
+              </a:ext>
+            </a:extLst>
+          </p:cNvPr>
+          <p:cNvSpPr txBox="1"/>
+          <p:nvPr/>
+        </p:nvSpPr>
+        <p:spPr>
+          <a:xfrm>
+            <a:off x="91440" y="-91440"/>
+            <a:ext cx="369012" cy="553998"/>
+          </a:xfrm>
+          <a:prstGeom prst="rect">
+            <a:avLst/>
+          </a:prstGeom>
+          <a:noFill/>
+        </p:spPr>
+        <p:txBody>
+          <a:bodyPr wrap="none" rtlCol="0">
+            <a:spAutoFit/>
+          </a:bodyPr>
+          <a:lstStyle/>
+          <a:p>
+            <a:r>
+              <a:rPr lang="en-US" sz="3000" dirty="0"/>
+              <a:t>a</a:t>
+            </a:r>
+          </a:p>
+        </p:txBody>
+      </p:sp>
+      <p:sp>
+        <p:nvSpPr>
+          <p:cNvPr id="10" name="TextBox 9">
+            <a:extLst>
+              <a:ext uri="{FF2B5EF4-FFF2-40B4-BE49-F238E27FC236}">
+                <a16:creationId xmlns:a16="http://schemas.microsoft.com/office/drawing/2014/main" id="{C741AF86-FDC5-D891-5833-B0D84BDF2906}"/>
+              </a:ext>
+            </a:extLst>
+          </p:cNvPr>
+          <p:cNvSpPr txBox="1"/>
+          <p:nvPr/>
+        </p:nvSpPr>
+        <p:spPr>
+          <a:xfrm>
+            <a:off x="3482136" y="-91440"/>
+            <a:ext cx="386644" cy="553998"/>
+          </a:xfrm>
+          <a:prstGeom prst="rect">
+            <a:avLst/>
+          </a:prstGeom>
+          <a:noFill/>
+        </p:spPr>
+        <p:txBody>
+          <a:bodyPr wrap="none" rtlCol="0">
+            <a:spAutoFit/>
+          </a:bodyPr>
+          <a:lstStyle/>
+          <a:p>
+            <a:r>
+              <a:rPr lang="en-US" sz="3000" dirty="0"/>
+              <a:t>b</a:t>
+            </a:r>
+          </a:p>
+        </p:txBody>
+      </p:sp>
+      <p:sp>
+        <p:nvSpPr>
+          <p:cNvPr id="11" name="TextBox 10">
+            <a:extLst>
+              <a:ext uri="{FF2B5EF4-FFF2-40B4-BE49-F238E27FC236}">
+                <a16:creationId xmlns:a16="http://schemas.microsoft.com/office/drawing/2014/main" id="{FC632005-FB62-C982-B4E4-AE9599EBDB91}"/>
+              </a:ext>
+            </a:extLst>
+          </p:cNvPr>
+          <p:cNvSpPr txBox="1"/>
+          <p:nvPr/>
+        </p:nvSpPr>
+        <p:spPr>
+          <a:xfrm>
+            <a:off x="91440" y="2442857"/>
+            <a:ext cx="346570" cy="553998"/>
+          </a:xfrm>
+          <a:prstGeom prst="rect">
+            <a:avLst/>
+          </a:prstGeom>
+          <a:noFill/>
+        </p:spPr>
+        <p:txBody>
+          <a:bodyPr wrap="none" rtlCol="0">
+            <a:spAutoFit/>
+          </a:bodyPr>
+          <a:lstStyle/>
+          <a:p>
+            <a:r>
+              <a:rPr lang="en-US" sz="3000" dirty="0"/>
+              <a:t>c</a:t>
+            </a:r>
+          </a:p>
+        </p:txBody>
+      </p:sp>
+      <p:sp>
+        <p:nvSpPr>
+          <p:cNvPr id="12" name="TextBox 11">
+            <a:extLst>
+              <a:ext uri="{FF2B5EF4-FFF2-40B4-BE49-F238E27FC236}">
+                <a16:creationId xmlns:a16="http://schemas.microsoft.com/office/drawing/2014/main" id="{98083C71-D38B-F2F8-72F5-C754FA6CD17A}"/>
+              </a:ext>
+            </a:extLst>
+          </p:cNvPr>
+          <p:cNvSpPr txBox="1"/>
+          <p:nvPr/>
+        </p:nvSpPr>
+        <p:spPr>
+          <a:xfrm>
+            <a:off x="3482136" y="2442857"/>
+            <a:ext cx="386644" cy="553998"/>
+          </a:xfrm>
+          <a:prstGeom prst="rect">
+            <a:avLst/>
+          </a:prstGeom>
+          <a:noFill/>
+        </p:spPr>
+        <p:txBody>
+          <a:bodyPr wrap="none" rtlCol="0">
+            <a:spAutoFit/>
+          </a:bodyPr>
+          <a:lstStyle/>
+          <a:p>
+            <a:r>
+              <a:rPr lang="en-US" sz="3000" dirty="0"/>
+              <a:t>d</a:t>
+            </a:r>
+          </a:p>
+        </p:txBody>
+      </p:sp>
+      <p:sp>
+        <p:nvSpPr>
+          <p:cNvPr id="6" name="TextBox 5">
+            <a:extLst>
+              <a:ext uri="{FF2B5EF4-FFF2-40B4-BE49-F238E27FC236}">
+                <a16:creationId xmlns:a16="http://schemas.microsoft.com/office/drawing/2014/main" id="{591DFC6B-EE6A-DBC9-346B-A4F682A4A540}"/>
+              </a:ext>
+            </a:extLst>
+          </p:cNvPr>
+          <p:cNvSpPr txBox="1"/>
+          <p:nvPr/>
+        </p:nvSpPr>
+        <p:spPr>
+          <a:xfrm>
+            <a:off x="3082486" y="629996"/>
+            <a:ext cx="338554" cy="461665"/>
+          </a:xfrm>
+          <a:prstGeom prst="rect">
+            <a:avLst/>
+          </a:prstGeom>
+          <a:noFill/>
+        </p:spPr>
+        <p:txBody>
+          <a:bodyPr wrap="none" rtlCol="0">
+            <a:spAutoFit/>
+          </a:bodyPr>
+          <a:lstStyle/>
+          <a:p>
+            <a:r>
+              <a:rPr lang="en-US" sz="2400" dirty="0"/>
+              <a:t>*</a:t>
+            </a:r>
+          </a:p>
+        </p:txBody>
+      </p:sp>
+      <p:sp>
+        <p:nvSpPr>
+          <p:cNvPr id="18" name="TextBox 17">
+            <a:extLst>
+              <a:ext uri="{FF2B5EF4-FFF2-40B4-BE49-F238E27FC236}">
+                <a16:creationId xmlns:a16="http://schemas.microsoft.com/office/drawing/2014/main" id="{51F2EB28-F632-2964-40AD-5DB34308BD26}"/>
+              </a:ext>
+            </a:extLst>
+          </p:cNvPr>
+          <p:cNvSpPr txBox="1"/>
+          <p:nvPr/>
+        </p:nvSpPr>
+        <p:spPr>
+          <a:xfrm>
+            <a:off x="11059297" y="3361038"/>
+            <a:ext cx="184731" cy="369332"/>
+          </a:xfrm>
+          <a:prstGeom prst="rect">
+            <a:avLst/>
+          </a:prstGeom>
+          <a:noFill/>
+        </p:spPr>
+        <p:txBody>
+          <a:bodyPr wrap="none" rtlCol="0">
+            <a:spAutoFit/>
+          </a:bodyPr>
+          <a:lstStyle/>
+          <a:p>
+            <a:endParaRPr lang="en-US" dirty="0"/>
+          </a:p>
+        </p:txBody>
+      </p:sp>
+    </p:spTree>
+    <p:extLst>
+      <p:ext uri="{BB962C8B-B14F-4D97-AF65-F5344CB8AC3E}">
+        <p14:creationId xmlns:p14="http://schemas.microsoft.com/office/powerpoint/2010/main" val="3732409021"/>
+      </p:ext>
+    </p:extLst>
+  </p:cSld>
+  <p:clrMapOvr>
+    <a:masterClrMapping/>
+  </p:clrMapOvr>
+</p:sld>
+</file>
+
+<file path=ppt/slides/slide8.xml><?xml version="1.0" encoding="utf-8"?>
+<p:sld xmlns:a="http://schemas.openxmlformats.org/drawingml/2006/main" xmlns:r="http://schemas.openxmlformats.org/officeDocument/2006/relationships" xmlns:p="http://schemas.openxmlformats.org/presentationml/2006/main" show="0">
+  <p:cSld>
+    <p:spTree>
+      <p:nvGrpSpPr>
+        <p:cNvPr id="1" name=""/>
+        <p:cNvGrpSpPr/>
+        <p:nvPr/>
+      </p:nvGrpSpPr>
+      <p:grpSpPr>
+        <a:xfrm>
+          <a:off x="0" y="0"/>
+          <a:ext cx="0" cy="0"/>
+          <a:chOff x="0" y="0"/>
+          <a:chExt cx="0" cy="0"/>
+        </a:xfrm>
+      </p:grpSpPr>
+      <p:pic>
+        <p:nvPicPr>
+          <p:cNvPr id="13" name="Picture 12" descr="Chart, histogram&#10;&#10;Description automatically generated">
+            <a:extLst>
+              <a:ext uri="{FF2B5EF4-FFF2-40B4-BE49-F238E27FC236}">
+                <a16:creationId xmlns:a16="http://schemas.microsoft.com/office/drawing/2014/main" id="{8DDF6171-A118-2201-C77D-E0ED19A53C39}"/>
+              </a:ext>
+            </a:extLst>
+          </p:cNvPr>
+          <p:cNvPicPr>
+            <a:picLocks noChangeAspect="1"/>
+          </p:cNvPicPr>
+          <p:nvPr/>
+        </p:nvPicPr>
+        <p:blipFill>
+          <a:blip r:embed="rId3"/>
+          <a:stretch>
+            <a:fillRect/>
+          </a:stretch>
+        </p:blipFill>
+        <p:spPr>
+          <a:xfrm>
+            <a:off x="3563938" y="165100"/>
+            <a:ext cx="3017520" cy="3017520"/>
+          </a:xfrm>
+          <a:prstGeom prst="rect">
+            <a:avLst/>
+          </a:prstGeom>
+        </p:spPr>
+      </p:pic>
+      <p:pic>
+        <p:nvPicPr>
+          <p:cNvPr id="14" name="Picture 6">
+            <a:extLst>
+              <a:ext uri="{FF2B5EF4-FFF2-40B4-BE49-F238E27FC236}">
+                <a16:creationId xmlns:a16="http://schemas.microsoft.com/office/drawing/2014/main" id="{6623D51D-38AA-9C0E-B7B6-113BF7D50419}"/>
+              </a:ext>
+            </a:extLst>
+          </p:cNvPr>
+          <p:cNvPicPr>
+            <a:picLocks noChangeAspect="1" noChangeArrowheads="1"/>
+          </p:cNvPicPr>
+          <p:nvPr/>
+        </p:nvPicPr>
+        <p:blipFill>
+          <a:blip r:embed="rId4">
+            <a:extLst>
+              <a:ext uri="{28A0092B-C50C-407E-A947-70E740481C1C}">
+                <a14:useLocalDpi xmlns:a14="http://schemas.microsoft.com/office/drawing/2010/main" val="0"/>
+              </a:ext>
+            </a:extLst>
+          </a:blip>
+          <a:srcRect/>
+          <a:stretch>
+            <a:fillRect/>
+          </a:stretch>
+        </p:blipFill>
+        <p:spPr bwMode="auto">
+          <a:xfrm>
+            <a:off x="360680" y="165100"/>
+            <a:ext cx="3284065" cy="3284065"/>
+          </a:xfrm>
+          <a:prstGeom prst="rect">
+            <a:avLst/>
+          </a:prstGeom>
+          <a:noFill/>
+          <a:extLst>
+            <a:ext uri="{909E8E84-426E-40DD-AFC4-6F175D3DCCD1}">
+              <a14:hiddenFill xmlns:a14="http://schemas.microsoft.com/office/drawing/2010/main">
+                <a:solidFill>
+                  <a:srgbClr val="FFFFFF"/>
+                </a:solidFill>
+              </a14:hiddenFill>
+            </a:ext>
+          </a:extLst>
+        </p:spPr>
+      </p:pic>
+      <p:sp>
+        <p:nvSpPr>
+          <p:cNvPr id="4" name="TextBox 3">
+            <a:extLst>
+              <a:ext uri="{FF2B5EF4-FFF2-40B4-BE49-F238E27FC236}">
+                <a16:creationId xmlns:a16="http://schemas.microsoft.com/office/drawing/2014/main" id="{30A663DB-2E51-B05F-30FC-58354FF142F5}"/>
+              </a:ext>
+            </a:extLst>
+          </p:cNvPr>
+          <p:cNvSpPr txBox="1"/>
+          <p:nvPr/>
+        </p:nvSpPr>
+        <p:spPr>
+          <a:xfrm>
+            <a:off x="6944499" y="5453278"/>
+            <a:ext cx="155042" cy="646331"/>
+          </a:xfrm>
+          <a:prstGeom prst="rect">
+            <a:avLst/>
+          </a:prstGeom>
+          <a:noFill/>
+        </p:spPr>
+        <p:txBody>
+          <a:bodyPr wrap="square" rtlCol="0">
+            <a:spAutoFit/>
+          </a:bodyPr>
+          <a:lstStyle/>
+          <a:p>
+            <a:endParaRPr lang="en-US" dirty="0"/>
+          </a:p>
+          <a:p>
+            <a:endParaRPr lang="en-US" dirty="0"/>
+          </a:p>
+        </p:txBody>
+      </p:sp>
+      <p:sp>
+        <p:nvSpPr>
+          <p:cNvPr id="5" name="TextBox 4">
+            <a:extLst>
+              <a:ext uri="{FF2B5EF4-FFF2-40B4-BE49-F238E27FC236}">
+                <a16:creationId xmlns:a16="http://schemas.microsoft.com/office/drawing/2014/main" id="{E86FD1C2-B002-534E-3A4B-706D4375B076}"/>
+              </a:ext>
+            </a:extLst>
+          </p:cNvPr>
+          <p:cNvSpPr txBox="1"/>
+          <p:nvPr/>
+        </p:nvSpPr>
+        <p:spPr>
+          <a:xfrm>
+            <a:off x="91440" y="-91440"/>
+            <a:ext cx="369012" cy="553998"/>
+          </a:xfrm>
+          <a:prstGeom prst="rect">
+            <a:avLst/>
+          </a:prstGeom>
+          <a:noFill/>
+        </p:spPr>
+        <p:txBody>
+          <a:bodyPr wrap="none" rtlCol="0">
+            <a:spAutoFit/>
+          </a:bodyPr>
+          <a:lstStyle/>
+          <a:p>
+            <a:r>
+              <a:rPr lang="en-US" sz="3000" dirty="0"/>
+              <a:t>a</a:t>
+            </a:r>
+          </a:p>
+        </p:txBody>
+      </p:sp>
+      <p:sp>
+        <p:nvSpPr>
+          <p:cNvPr id="10" name="TextBox 9">
+            <a:extLst>
+              <a:ext uri="{FF2B5EF4-FFF2-40B4-BE49-F238E27FC236}">
+                <a16:creationId xmlns:a16="http://schemas.microsoft.com/office/drawing/2014/main" id="{C741AF86-FDC5-D891-5833-B0D84BDF2906}"/>
+              </a:ext>
+            </a:extLst>
+          </p:cNvPr>
+          <p:cNvSpPr txBox="1"/>
+          <p:nvPr/>
+        </p:nvSpPr>
+        <p:spPr>
+          <a:xfrm>
+            <a:off x="3482136" y="-91440"/>
+            <a:ext cx="386644" cy="553998"/>
+          </a:xfrm>
+          <a:prstGeom prst="rect">
+            <a:avLst/>
+          </a:prstGeom>
+          <a:noFill/>
+        </p:spPr>
+        <p:txBody>
+          <a:bodyPr wrap="none" rtlCol="0">
+            <a:spAutoFit/>
+          </a:bodyPr>
+          <a:lstStyle/>
+          <a:p>
+            <a:r>
+              <a:rPr lang="en-US" sz="3000" dirty="0"/>
+              <a:t>b</a:t>
+            </a:r>
+          </a:p>
+        </p:txBody>
+      </p:sp>
+      <p:sp>
+        <p:nvSpPr>
+          <p:cNvPr id="11" name="TextBox 10">
+            <a:extLst>
+              <a:ext uri="{FF2B5EF4-FFF2-40B4-BE49-F238E27FC236}">
+                <a16:creationId xmlns:a16="http://schemas.microsoft.com/office/drawing/2014/main" id="{FC632005-FB62-C982-B4E4-AE9599EBDB91}"/>
+              </a:ext>
+            </a:extLst>
+          </p:cNvPr>
+          <p:cNvSpPr txBox="1"/>
+          <p:nvPr/>
+        </p:nvSpPr>
+        <p:spPr>
+          <a:xfrm>
+            <a:off x="91440" y="2836557"/>
+            <a:ext cx="346570" cy="553998"/>
+          </a:xfrm>
+          <a:prstGeom prst="rect">
+            <a:avLst/>
+          </a:prstGeom>
+          <a:noFill/>
+        </p:spPr>
+        <p:txBody>
+          <a:bodyPr wrap="none" rtlCol="0">
+            <a:spAutoFit/>
+          </a:bodyPr>
+          <a:lstStyle/>
+          <a:p>
+            <a:r>
+              <a:rPr lang="en-US" sz="3000" dirty="0"/>
+              <a:t>c</a:t>
+            </a:r>
+          </a:p>
+        </p:txBody>
+      </p:sp>
+      <p:sp>
+        <p:nvSpPr>
+          <p:cNvPr id="18" name="TextBox 17">
+            <a:extLst>
+              <a:ext uri="{FF2B5EF4-FFF2-40B4-BE49-F238E27FC236}">
+                <a16:creationId xmlns:a16="http://schemas.microsoft.com/office/drawing/2014/main" id="{51F2EB28-F632-2964-40AD-5DB34308BD26}"/>
+              </a:ext>
+            </a:extLst>
+          </p:cNvPr>
+          <p:cNvSpPr txBox="1"/>
+          <p:nvPr/>
+        </p:nvSpPr>
+        <p:spPr>
+          <a:xfrm>
+            <a:off x="11059297" y="3361038"/>
+            <a:ext cx="184731" cy="369332"/>
+          </a:xfrm>
+          <a:prstGeom prst="rect">
+            <a:avLst/>
+          </a:prstGeom>
+          <a:noFill/>
+        </p:spPr>
+        <p:txBody>
+          <a:bodyPr wrap="none" rtlCol="0">
+            <a:spAutoFit/>
+          </a:bodyPr>
+          <a:lstStyle/>
+          <a:p>
+            <a:endParaRPr lang="en-US" dirty="0"/>
+          </a:p>
+        </p:txBody>
+      </p:sp>
+      <p:pic>
+        <p:nvPicPr>
+          <p:cNvPr id="17" name="Picture 16" descr="Chart, histogram&#10;&#10;Description automatically generated">
+            <a:extLst>
+              <a:ext uri="{FF2B5EF4-FFF2-40B4-BE49-F238E27FC236}">
+                <a16:creationId xmlns:a16="http://schemas.microsoft.com/office/drawing/2014/main" id="{A79EE7D8-7E84-A642-87ED-04FD62B8F967}"/>
+              </a:ext>
+            </a:extLst>
+          </p:cNvPr>
+          <p:cNvPicPr>
+            <a:picLocks noChangeAspect="1"/>
+          </p:cNvPicPr>
+          <p:nvPr/>
+        </p:nvPicPr>
+        <p:blipFill>
+          <a:blip r:embed="rId5"/>
+          <a:stretch>
+            <a:fillRect/>
+          </a:stretch>
+        </p:blipFill>
+        <p:spPr>
+          <a:xfrm>
+            <a:off x="3596627" y="3202432"/>
+            <a:ext cx="3017520" cy="3017520"/>
+          </a:xfrm>
+          <a:prstGeom prst="rect">
+            <a:avLst/>
+          </a:prstGeom>
+        </p:spPr>
+      </p:pic>
+      <p:pic>
+        <p:nvPicPr>
+          <p:cNvPr id="1026" name="Picture 2">
+            <a:extLst>
+              <a:ext uri="{FF2B5EF4-FFF2-40B4-BE49-F238E27FC236}">
+                <a16:creationId xmlns:a16="http://schemas.microsoft.com/office/drawing/2014/main" id="{AAA93493-990E-CE59-AA16-10D03CB93DED}"/>
+              </a:ext>
+            </a:extLst>
+          </p:cNvPr>
+          <p:cNvPicPr>
+            <a:picLocks noChangeAspect="1" noChangeArrowheads="1"/>
+          </p:cNvPicPr>
+          <p:nvPr/>
+        </p:nvPicPr>
+        <p:blipFill>
+          <a:blip r:embed="rId6">
+            <a:extLst>
+              <a:ext uri="{28A0092B-C50C-407E-A947-70E740481C1C}">
+                <a14:useLocalDpi xmlns:a14="http://schemas.microsoft.com/office/drawing/2010/main" val="0"/>
+              </a:ext>
+            </a:extLst>
+          </a:blip>
+          <a:srcRect/>
+          <a:stretch>
+            <a:fillRect/>
+          </a:stretch>
+        </p:blipFill>
+        <p:spPr bwMode="auto">
+          <a:xfrm>
+            <a:off x="373380" y="3202432"/>
+            <a:ext cx="3227831" cy="3227831"/>
+          </a:xfrm>
+          <a:prstGeom prst="rect">
+            <a:avLst/>
+          </a:prstGeom>
+          <a:noFill/>
+          <a:extLst>
+            <a:ext uri="{909E8E84-426E-40DD-AFC4-6F175D3DCCD1}">
+              <a14:hiddenFill xmlns:a14="http://schemas.microsoft.com/office/drawing/2010/main">
+                <a:solidFill>
+                  <a:srgbClr val="FFFFFF"/>
+                </a:solidFill>
+              </a14:hiddenFill>
+            </a:ext>
+          </a:extLst>
+        </p:spPr>
+      </p:pic>
+      <p:sp>
+        <p:nvSpPr>
+          <p:cNvPr id="12" name="TextBox 11">
+            <a:extLst>
+              <a:ext uri="{FF2B5EF4-FFF2-40B4-BE49-F238E27FC236}">
+                <a16:creationId xmlns:a16="http://schemas.microsoft.com/office/drawing/2014/main" id="{98083C71-D38B-F2F8-72F5-C754FA6CD17A}"/>
+              </a:ext>
+            </a:extLst>
+          </p:cNvPr>
+          <p:cNvSpPr txBox="1"/>
+          <p:nvPr/>
+        </p:nvSpPr>
+        <p:spPr>
+          <a:xfrm>
+            <a:off x="3482136" y="2836557"/>
+            <a:ext cx="386644" cy="553998"/>
+          </a:xfrm>
+          <a:prstGeom prst="rect">
+            <a:avLst/>
+          </a:prstGeom>
+          <a:noFill/>
+        </p:spPr>
+        <p:txBody>
+          <a:bodyPr wrap="none" rtlCol="0">
+            <a:spAutoFit/>
+          </a:bodyPr>
+          <a:lstStyle/>
+          <a:p>
+            <a:r>
+              <a:rPr lang="en-US" sz="3000" dirty="0"/>
+              <a:t>d</a:t>
+            </a:r>
+          </a:p>
+        </p:txBody>
+      </p:sp>
+      <p:sp>
+        <p:nvSpPr>
+          <p:cNvPr id="6" name="TextBox 5">
+            <a:extLst>
+              <a:ext uri="{FF2B5EF4-FFF2-40B4-BE49-F238E27FC236}">
+                <a16:creationId xmlns:a16="http://schemas.microsoft.com/office/drawing/2014/main" id="{591DFC6B-EE6A-DBC9-346B-A4F682A4A540}"/>
+              </a:ext>
+            </a:extLst>
+          </p:cNvPr>
+          <p:cNvSpPr txBox="1"/>
+          <p:nvPr/>
+        </p:nvSpPr>
+        <p:spPr>
+          <a:xfrm>
+            <a:off x="3185622" y="3846570"/>
+            <a:ext cx="338554" cy="461665"/>
+          </a:xfrm>
+          <a:prstGeom prst="rect">
+            <a:avLst/>
+          </a:prstGeom>
+          <a:noFill/>
+        </p:spPr>
+        <p:txBody>
+          <a:bodyPr wrap="none" rtlCol="0">
+            <a:spAutoFit/>
+          </a:bodyPr>
+          <a:lstStyle/>
+          <a:p>
+            <a:r>
+              <a:rPr lang="en-US" sz="2400" dirty="0"/>
+              <a:t>*</a:t>
+            </a:r>
+          </a:p>
+        </p:txBody>
+      </p:sp>
+    </p:spTree>
+    <p:extLst>
+      <p:ext uri="{BB962C8B-B14F-4D97-AF65-F5344CB8AC3E}">
+        <p14:creationId xmlns:p14="http://schemas.microsoft.com/office/powerpoint/2010/main" val="817930908"/>
+      </p:ext>
+    </p:extLst>
+  </p:cSld>
+  <p:clrMapOvr>
+    <a:masterClrMapping/>
+  </p:clrMapOvr>
+</p:sld>
+</file>
+
+<file path=ppt/slides/slide9.xml><?xml version="1.0" encoding="utf-8"?>
+<p:sld xmlns:a="http://schemas.openxmlformats.org/drawingml/2006/main" xmlns:r="http://schemas.openxmlformats.org/officeDocument/2006/relationships" xmlns:p="http://schemas.openxmlformats.org/presentationml/2006/main" show="0">
+  <p:cSld>
+    <p:spTree>
+      <p:nvGrpSpPr>
+        <p:cNvPr id="1" name=""/>
+        <p:cNvGrpSpPr/>
+        <p:nvPr/>
+      </p:nvGrpSpPr>
+      <p:grpSpPr>
+        <a:xfrm>
+          <a:off x="0" y="0"/>
+          <a:ext cx="0" cy="0"/>
+          <a:chOff x="0" y="0"/>
+          <a:chExt cx="0" cy="0"/>
+        </a:xfrm>
+      </p:grpSpPr>
+      <p:pic>
+        <p:nvPicPr>
+          <p:cNvPr id="2" name="Content Placeholder 4" descr="Chart, line chart&#10;&#10;Description automatically generated">
+            <a:extLst>
+              <a:ext uri="{FF2B5EF4-FFF2-40B4-BE49-F238E27FC236}">
+                <a16:creationId xmlns:a16="http://schemas.microsoft.com/office/drawing/2014/main" id="{320E5B94-B9E8-0B8A-9676-B8B1A1210381}"/>
+              </a:ext>
+            </a:extLst>
+          </p:cNvPr>
+          <p:cNvPicPr>
+            <a:picLocks noChangeAspect="1"/>
+          </p:cNvPicPr>
+          <p:nvPr/>
+        </p:nvPicPr>
+        <p:blipFill>
+          <a:blip r:embed="rId2"/>
+          <a:stretch>
+            <a:fillRect/>
+          </a:stretch>
+        </p:blipFill>
+        <p:spPr>
+          <a:xfrm>
+            <a:off x="373380" y="0"/>
+            <a:ext cx="3227832" cy="3227832"/>
+          </a:xfrm>
+          <a:prstGeom prst="rect">
+            <a:avLst/>
+          </a:prstGeom>
+        </p:spPr>
+      </p:pic>
+      <p:pic>
+        <p:nvPicPr>
+          <p:cNvPr id="3" name="Picture 2" descr="Chart&#10;&#10;Description automatically generated with medium confidence">
+            <a:extLst>
+              <a:ext uri="{FF2B5EF4-FFF2-40B4-BE49-F238E27FC236}">
+                <a16:creationId xmlns:a16="http://schemas.microsoft.com/office/drawing/2014/main" id="{417CC847-1B6A-480C-39B6-6DEE77D871C5}"/>
+              </a:ext>
+            </a:extLst>
+          </p:cNvPr>
+          <p:cNvPicPr>
+            <a:picLocks noChangeAspect="1"/>
+          </p:cNvPicPr>
+          <p:nvPr/>
+        </p:nvPicPr>
+        <p:blipFill>
+          <a:blip r:embed="rId3"/>
+          <a:stretch>
+            <a:fillRect/>
+          </a:stretch>
+        </p:blipFill>
+        <p:spPr>
+          <a:xfrm>
+            <a:off x="373380" y="2999232"/>
+            <a:ext cx="3282696" cy="3282696"/>
+          </a:xfrm>
+          <a:prstGeom prst="rect">
+            <a:avLst/>
+          </a:prstGeom>
+        </p:spPr>
+      </p:pic>
+      <p:pic>
+        <p:nvPicPr>
+          <p:cNvPr id="17" name="Picture 16" descr="Chart, histogram&#10;&#10;Description automatically generated">
+            <a:extLst>
+              <a:ext uri="{FF2B5EF4-FFF2-40B4-BE49-F238E27FC236}">
+                <a16:creationId xmlns:a16="http://schemas.microsoft.com/office/drawing/2014/main" id="{A79EE7D8-7E84-A642-87ED-04FD62B8F967}"/>
+              </a:ext>
+            </a:extLst>
+          </p:cNvPr>
+          <p:cNvPicPr>
+            <a:picLocks noChangeAspect="1"/>
+          </p:cNvPicPr>
+          <p:nvPr/>
+        </p:nvPicPr>
+        <p:blipFill>
+          <a:blip r:embed="rId4"/>
+          <a:stretch>
+            <a:fillRect/>
+          </a:stretch>
+        </p:blipFill>
+        <p:spPr>
+          <a:xfrm>
+            <a:off x="3647427" y="0"/>
+            <a:ext cx="3017520" cy="3017520"/>
+          </a:xfrm>
+          <a:prstGeom prst="rect">
+            <a:avLst/>
+          </a:prstGeom>
+        </p:spPr>
+      </p:pic>
+      <p:pic>
+        <p:nvPicPr>
+          <p:cNvPr id="20" name="Picture 19" descr="Chart, histogram&#10;&#10;Description automatically generated">
+            <a:extLst>
+              <a:ext uri="{FF2B5EF4-FFF2-40B4-BE49-F238E27FC236}">
+                <a16:creationId xmlns:a16="http://schemas.microsoft.com/office/drawing/2014/main" id="{90EA4CC3-840F-EF41-E2D4-1DD8F941018F}"/>
+              </a:ext>
+            </a:extLst>
+          </p:cNvPr>
+          <p:cNvPicPr>
+            <a:picLocks noChangeAspect="1"/>
+          </p:cNvPicPr>
+          <p:nvPr/>
+        </p:nvPicPr>
+        <p:blipFill>
+          <a:blip r:embed="rId5"/>
+          <a:stretch>
+            <a:fillRect/>
+          </a:stretch>
+        </p:blipFill>
+        <p:spPr>
+          <a:xfrm>
+            <a:off x="3614738" y="2976190"/>
+            <a:ext cx="3017520" cy="3017520"/>
+          </a:xfrm>
+          <a:prstGeom prst="rect">
+            <a:avLst/>
+          </a:prstGeom>
+        </p:spPr>
+      </p:pic>
+      <p:sp>
+        <p:nvSpPr>
+          <p:cNvPr id="4" name="TextBox 3">
+            <a:extLst>
+              <a:ext uri="{FF2B5EF4-FFF2-40B4-BE49-F238E27FC236}">
+                <a16:creationId xmlns:a16="http://schemas.microsoft.com/office/drawing/2014/main" id="{30A663DB-2E51-B05F-30FC-58354FF142F5}"/>
+              </a:ext>
+            </a:extLst>
+          </p:cNvPr>
+          <p:cNvSpPr txBox="1"/>
+          <p:nvPr/>
+        </p:nvSpPr>
+        <p:spPr>
+          <a:xfrm>
+            <a:off x="6944499" y="5453278"/>
+            <a:ext cx="155042" cy="646331"/>
+          </a:xfrm>
+          <a:prstGeom prst="rect">
+            <a:avLst/>
+          </a:prstGeom>
+          <a:noFill/>
+        </p:spPr>
+        <p:txBody>
+          <a:bodyPr wrap="square" rtlCol="0">
+            <a:spAutoFit/>
+          </a:bodyPr>
+          <a:lstStyle/>
+          <a:p>
+            <a:endParaRPr lang="en-US" dirty="0"/>
+          </a:p>
+          <a:p>
+            <a:endParaRPr lang="en-US" dirty="0"/>
+          </a:p>
+        </p:txBody>
+      </p:sp>
+      <p:sp>
+        <p:nvSpPr>
+          <p:cNvPr id="5" name="TextBox 4">
+            <a:extLst>
+              <a:ext uri="{FF2B5EF4-FFF2-40B4-BE49-F238E27FC236}">
+                <a16:creationId xmlns:a16="http://schemas.microsoft.com/office/drawing/2014/main" id="{E86FD1C2-B002-534E-3A4B-706D4375B076}"/>
+              </a:ext>
+            </a:extLst>
+          </p:cNvPr>
+          <p:cNvSpPr txBox="1"/>
+          <p:nvPr/>
+        </p:nvSpPr>
+        <p:spPr>
+          <a:xfrm>
+            <a:off x="91440" y="-91440"/>
+            <a:ext cx="369012" cy="553998"/>
+          </a:xfrm>
+          <a:prstGeom prst="rect">
+            <a:avLst/>
+          </a:prstGeom>
+          <a:noFill/>
+        </p:spPr>
+        <p:txBody>
+          <a:bodyPr wrap="none" rtlCol="0">
+            <a:spAutoFit/>
+          </a:bodyPr>
+          <a:lstStyle/>
+          <a:p>
+            <a:r>
+              <a:rPr lang="en-US" sz="3000" dirty="0"/>
+              <a:t>a</a:t>
+            </a:r>
+          </a:p>
+        </p:txBody>
+      </p:sp>
+      <p:sp>
+        <p:nvSpPr>
+          <p:cNvPr id="10" name="TextBox 9">
+            <a:extLst>
+              <a:ext uri="{FF2B5EF4-FFF2-40B4-BE49-F238E27FC236}">
+                <a16:creationId xmlns:a16="http://schemas.microsoft.com/office/drawing/2014/main" id="{C741AF86-FDC5-D891-5833-B0D84BDF2906}"/>
+              </a:ext>
+            </a:extLst>
+          </p:cNvPr>
+          <p:cNvSpPr txBox="1"/>
+          <p:nvPr/>
+        </p:nvSpPr>
+        <p:spPr>
+          <a:xfrm>
+            <a:off x="3812336" y="-91440"/>
+            <a:ext cx="386644" cy="553998"/>
+          </a:xfrm>
+          <a:prstGeom prst="rect">
+            <a:avLst/>
+          </a:prstGeom>
+          <a:noFill/>
+        </p:spPr>
+        <p:txBody>
+          <a:bodyPr wrap="none" rtlCol="0">
+            <a:spAutoFit/>
+          </a:bodyPr>
+          <a:lstStyle/>
+          <a:p>
+            <a:r>
+              <a:rPr lang="en-US" sz="3000" dirty="0"/>
+              <a:t>b</a:t>
+            </a:r>
+          </a:p>
+        </p:txBody>
+      </p:sp>
+      <p:sp>
+        <p:nvSpPr>
+          <p:cNvPr id="11" name="TextBox 10">
+            <a:extLst>
+              <a:ext uri="{FF2B5EF4-FFF2-40B4-BE49-F238E27FC236}">
+                <a16:creationId xmlns:a16="http://schemas.microsoft.com/office/drawing/2014/main" id="{FC632005-FB62-C982-B4E4-AE9599EBDB91}"/>
+              </a:ext>
+            </a:extLst>
+          </p:cNvPr>
+          <p:cNvSpPr txBox="1"/>
+          <p:nvPr/>
+        </p:nvSpPr>
+        <p:spPr>
+          <a:xfrm>
+            <a:off x="91440" y="2442857"/>
+            <a:ext cx="346570" cy="553998"/>
+          </a:xfrm>
+          <a:prstGeom prst="rect">
+            <a:avLst/>
+          </a:prstGeom>
+          <a:noFill/>
+        </p:spPr>
+        <p:txBody>
+          <a:bodyPr wrap="none" rtlCol="0">
+            <a:spAutoFit/>
+          </a:bodyPr>
+          <a:lstStyle/>
+          <a:p>
+            <a:r>
+              <a:rPr lang="en-US" sz="3000" dirty="0"/>
+              <a:t>c</a:t>
+            </a:r>
+          </a:p>
+        </p:txBody>
+      </p:sp>
+      <p:sp>
+        <p:nvSpPr>
+          <p:cNvPr id="12" name="TextBox 11">
+            <a:extLst>
+              <a:ext uri="{FF2B5EF4-FFF2-40B4-BE49-F238E27FC236}">
+                <a16:creationId xmlns:a16="http://schemas.microsoft.com/office/drawing/2014/main" id="{98083C71-D38B-F2F8-72F5-C754FA6CD17A}"/>
+              </a:ext>
+            </a:extLst>
+          </p:cNvPr>
+          <p:cNvSpPr txBox="1"/>
+          <p:nvPr/>
+        </p:nvSpPr>
+        <p:spPr>
+          <a:xfrm>
+            <a:off x="3812336" y="2442857"/>
+            <a:ext cx="386644" cy="553998"/>
+          </a:xfrm>
+          <a:prstGeom prst="rect">
+            <a:avLst/>
+          </a:prstGeom>
+          <a:noFill/>
+        </p:spPr>
+        <p:txBody>
+          <a:bodyPr wrap="none" rtlCol="0">
+            <a:spAutoFit/>
+          </a:bodyPr>
+          <a:lstStyle/>
+          <a:p>
+            <a:r>
+              <a:rPr lang="en-US" sz="3000" dirty="0"/>
+              <a:t>d</a:t>
+            </a:r>
+          </a:p>
+        </p:txBody>
+      </p:sp>
+      <p:sp>
+        <p:nvSpPr>
+          <p:cNvPr id="6" name="TextBox 5">
+            <a:extLst>
+              <a:ext uri="{FF2B5EF4-FFF2-40B4-BE49-F238E27FC236}">
+                <a16:creationId xmlns:a16="http://schemas.microsoft.com/office/drawing/2014/main" id="{591DFC6B-EE6A-DBC9-346B-A4F682A4A540}"/>
+              </a:ext>
+            </a:extLst>
+          </p:cNvPr>
+          <p:cNvSpPr txBox="1"/>
+          <p:nvPr/>
+        </p:nvSpPr>
+        <p:spPr>
+          <a:xfrm>
+            <a:off x="3272986" y="629996"/>
+            <a:ext cx="338554" cy="461665"/>
+          </a:xfrm>
+          <a:prstGeom prst="rect">
+            <a:avLst/>
+          </a:prstGeom>
+          <a:noFill/>
+        </p:spPr>
+        <p:txBody>
+          <a:bodyPr wrap="none" rtlCol="0">
+            <a:spAutoFit/>
+          </a:bodyPr>
+          <a:lstStyle/>
+          <a:p>
+            <a:r>
+              <a:rPr lang="en-US" sz="2400" dirty="0"/>
+              <a:t>*</a:t>
+            </a:r>
+          </a:p>
+        </p:txBody>
+      </p:sp>
+      <p:sp>
+        <p:nvSpPr>
+          <p:cNvPr id="18" name="TextBox 17">
+            <a:extLst>
+              <a:ext uri="{FF2B5EF4-FFF2-40B4-BE49-F238E27FC236}">
+                <a16:creationId xmlns:a16="http://schemas.microsoft.com/office/drawing/2014/main" id="{51F2EB28-F632-2964-40AD-5DB34308BD26}"/>
+              </a:ext>
+            </a:extLst>
+          </p:cNvPr>
+          <p:cNvSpPr txBox="1"/>
+          <p:nvPr/>
+        </p:nvSpPr>
+        <p:spPr>
+          <a:xfrm>
+            <a:off x="11059297" y="3361038"/>
+            <a:ext cx="184731" cy="369332"/>
+          </a:xfrm>
+          <a:prstGeom prst="rect">
+            <a:avLst/>
+          </a:prstGeom>
+          <a:noFill/>
+        </p:spPr>
+        <p:txBody>
+          <a:bodyPr wrap="none" rtlCol="0">
+            <a:spAutoFit/>
+          </a:bodyPr>
+          <a:lstStyle/>
+          <a:p>
+            <a:endParaRPr lang="en-US" dirty="0"/>
+          </a:p>
+        </p:txBody>
+      </p:sp>
+    </p:spTree>
+    <p:extLst>
+      <p:ext uri="{BB962C8B-B14F-4D97-AF65-F5344CB8AC3E}">
+        <p14:creationId xmlns:p14="http://schemas.microsoft.com/office/powerpoint/2010/main" val="3532632232"/>
       </p:ext>
     </p:extLst>
   </p:cSld>
@@ -6879,4 +8554,299 @@
     </a:ext>
   </a:extLst>
 </a:theme>
+</file>
+
+<file path=ppt/theme/theme2.xml><?xml version="1.0" encoding="utf-8"?>
+<a:theme xmlns:a="http://schemas.openxmlformats.org/drawingml/2006/main" name="Office Theme">
+  <a:themeElements>
+    <a:clrScheme name="Office">
+      <a:dk1>
+        <a:sysClr val="windowText" lastClr="000000"/>
+      </a:dk1>
+      <a:lt1>
+        <a:sysClr val="window" lastClr="FFFFFF"/>
+      </a:lt1>
+      <a:dk2>
+        <a:srgbClr val="44546A"/>
+      </a:dk2>
+      <a:lt2>
+        <a:srgbClr val="E7E6E6"/>
+      </a:lt2>
+      <a:accent1>
+        <a:srgbClr val="4472C4"/>
+      </a:accent1>
+      <a:accent2>
+        <a:srgbClr val="ED7D31"/>
+      </a:accent2>
+      <a:accent3>
+        <a:srgbClr val="A5A5A5"/>
+      </a:accent3>
+      <a:accent4>
+        <a:srgbClr val="FFC000"/>
+      </a:accent4>
+      <a:accent5>
+        <a:srgbClr val="5B9BD5"/>
+      </a:accent5>
+      <a:accent6>
+        <a:srgbClr val="70AD47"/>
+      </a:accent6>
+      <a:hlink>
+        <a:srgbClr val="0563C1"/>
+      </a:hlink>
+      <a:folHlink>
+        <a:srgbClr val="954F72"/>
+      </a:folHlink>
+    </a:clrScheme>
+    <a:fontScheme name="Office">
+      <a:majorFont>
+        <a:latin typeface="Calibri Light" panose="020F0302020204030204"/>
+        <a:ea typeface=""/>
+        <a:cs typeface=""/>
+        <a:font script="Jpan" typeface="游ゴシック Light"/>
+        <a:font script="Hang" typeface="맑은 고딕"/>
+        <a:font script="Hans" typeface="等线 Light"/>
+        <a:font script="Hant" typeface="新細明體"/>
+        <a:font script="Arab" typeface="Times New Roman"/>
+        <a:font script="Hebr" typeface="Times New Roman"/>
+        <a:font script="Thai" typeface="Angsana New"/>
+        <a:font script="Ethi" typeface="Nyala"/>
+        <a:font script="Beng" typeface="Vrinda"/>
+        <a:font script="Gujr" typeface="Shruti"/>
+        <a:font script="Khmr" typeface="MoolBoran"/>
+        <a:font script="Knda" typeface="Tunga"/>
+        <a:font script="Guru" typeface="Raavi"/>
+        <a:font script="Cans" typeface="Euphemia"/>
+        <a:font script="Cher" typeface="Plantagenet Cherokee"/>
+        <a:font script="Yiii" typeface="Microsoft Yi Baiti"/>
+        <a:font script="Tibt" typeface="Microsoft Himalaya"/>
+        <a:font script="Thaa" typeface="MV Boli"/>
+        <a:font script="Deva" typeface="Mangal"/>
+        <a:font script="Telu" typeface="Gautami"/>
+        <a:font script="Taml" typeface="Latha"/>
+        <a:font script="Syrc" typeface="Estrangelo Edessa"/>
+        <a:font script="Orya" typeface="Kalinga"/>
+        <a:font script="Mlym" typeface="Kartika"/>
+        <a:font script="Laoo" typeface="DokChampa"/>
+        <a:font script="Sinh" typeface="Iskoola Pota"/>
+        <a:font script="Mong" typeface="Mongolian Baiti"/>
+        <a:font script="Viet" typeface="Times New Roman"/>
+        <a:font script="Uigh" typeface="Microsoft Uighur"/>
+        <a:font script="Geor" typeface="Sylfaen"/>
+        <a:font script="Armn" typeface="Arial"/>
+        <a:font script="Bugi" typeface="Leelawadee UI"/>
+        <a:font script="Bopo" typeface="Microsoft JhengHei"/>
+        <a:font script="Java" typeface="Javanese Text"/>
+        <a:font script="Lisu" typeface="Segoe UI"/>
+        <a:font script="Mymr" typeface="Myanmar Text"/>
+        <a:font script="Nkoo" typeface="Ebrima"/>
+        <a:font script="Olck" typeface="Nirmala UI"/>
+        <a:font script="Osma" typeface="Ebrima"/>
+        <a:font script="Phag" typeface="Phagspa"/>
+        <a:font script="Syrn" typeface="Estrangelo Edessa"/>
+        <a:font script="Syrj" typeface="Estrangelo Edessa"/>
+        <a:font script="Syre" typeface="Estrangelo Edessa"/>
+        <a:font script="Sora" typeface="Nirmala UI"/>
+        <a:font script="Tale" typeface="Microsoft Tai Le"/>
+        <a:font script="Talu" typeface="Microsoft New Tai Lue"/>
+        <a:font script="Tfng" typeface="Ebrima"/>
+      </a:majorFont>
+      <a:minorFont>
+        <a:latin typeface="Calibri" panose="020F0502020204030204"/>
+        <a:ea typeface=""/>
+        <a:cs typeface=""/>
+        <a:font script="Jpan" typeface="游ゴシック"/>
+        <a:font script="Hang" typeface="맑은 고딕"/>
+        <a:font script="Hans" typeface="等线"/>
+        <a:font script="Hant" typeface="新細明體"/>
+        <a:font script="Arab" typeface="Arial"/>
+        <a:font script="Hebr" typeface="Arial"/>
+        <a:font script="Thai" typeface="Cordia New"/>
+        <a:font script="Ethi" typeface="Nyala"/>
+        <a:font script="Beng" typeface="Vrinda"/>
+        <a:font script="Gujr" typeface="Shruti"/>
+        <a:font script="Khmr" typeface="DaunPenh"/>
+        <a:font script="Knda" typeface="Tunga"/>
+        <a:font script="Guru" typeface="Raavi"/>
+        <a:font script="Cans" typeface="Euphemia"/>
+        <a:font script="Cher" typeface="Plantagenet Cherokee"/>
+        <a:font script="Yiii" typeface="Microsoft Yi Baiti"/>
+        <a:font script="Tibt" typeface="Microsoft Himalaya"/>
+        <a:font script="Thaa" typeface="MV Boli"/>
+        <a:font script="Deva" typeface="Mangal"/>
+        <a:font script="Telu" typeface="Gautami"/>
+        <a:font script="Taml" typeface="Latha"/>
+        <a:font script="Syrc" typeface="Estrangelo Edessa"/>
+        <a:font script="Orya" typeface="Kalinga"/>
+        <a:font script="Mlym" typeface="Kartika"/>
+        <a:font script="Laoo" typeface="DokChampa"/>
+        <a:font script="Sinh" typeface="Iskoola Pota"/>
+        <a:font script="Mong" typeface="Mongolian Baiti"/>
+        <a:font script="Viet" typeface="Arial"/>
+        <a:font script="Uigh" typeface="Microsoft Uighur"/>
+        <a:font script="Geor" typeface="Sylfaen"/>
+        <a:font script="Armn" typeface="Arial"/>
+        <a:font script="Bugi" typeface="Leelawadee UI"/>
+        <a:font script="Bopo" typeface="Microsoft JhengHei"/>
+        <a:font script="Java" typeface="Javanese Text"/>
+        <a:font script="Lisu" typeface="Segoe UI"/>
+        <a:font script="Mymr" typeface="Myanmar Text"/>
+        <a:font script="Nkoo" typeface="Ebrima"/>
+        <a:font script="Olck" typeface="Nirmala UI"/>
+        <a:font script="Osma" typeface="Ebrima"/>
+        <a:font script="Phag" typeface="Phagspa"/>
+        <a:font script="Syrn" typeface="Estrangelo Edessa"/>
+        <a:font script="Syrj" typeface="Estrangelo Edessa"/>
+        <a:font script="Syre" typeface="Estrangelo Edessa"/>
+        <a:font script="Sora" typeface="Nirmala UI"/>
+        <a:font script="Tale" typeface="Microsoft Tai Le"/>
+        <a:font script="Talu" typeface="Microsoft New Tai Lue"/>
+        <a:font script="Tfng" typeface="Ebrima"/>
+      </a:minorFont>
+    </a:fontScheme>
+    <a:fmtScheme name="Office">
+      <a:fillStyleLst>
+        <a:solidFill>
+          <a:schemeClr val="phClr"/>
+        </a:solidFill>
+        <a:gradFill rotWithShape="1">
+          <a:gsLst>
+            <a:gs pos="0">
+              <a:schemeClr val="phClr">
+                <a:lumMod val="110000"/>
+                <a:satMod val="105000"/>
+                <a:tint val="67000"/>
+              </a:schemeClr>
+            </a:gs>
+            <a:gs pos="50000">
+              <a:schemeClr val="phClr">
+                <a:lumMod val="105000"/>
+                <a:satMod val="103000"/>
+                <a:tint val="73000"/>
+              </a:schemeClr>
+            </a:gs>
+            <a:gs pos="100000">
+              <a:schemeClr val="phClr">
+                <a:lumMod val="105000"/>
+                <a:satMod val="109000"/>
+                <a:tint val="81000"/>
+              </a:schemeClr>
+            </a:gs>
+          </a:gsLst>
+          <a:lin ang="5400000" scaled="0"/>
+        </a:gradFill>
+        <a:gradFill rotWithShape="1">
+          <a:gsLst>
+            <a:gs pos="0">
+              <a:schemeClr val="phClr">
+                <a:satMod val="103000"/>
+                <a:lumMod val="102000"/>
+                <a:tint val="94000"/>
+              </a:schemeClr>
+            </a:gs>
+            <a:gs pos="50000">
+              <a:schemeClr val="phClr">
+                <a:satMod val="110000"/>
+                <a:lumMod val="100000"/>
+                <a:shade val="100000"/>
+              </a:schemeClr>
+            </a:gs>
+            <a:gs pos="100000">
+              <a:schemeClr val="phClr">
+                <a:lumMod val="99000"/>
+                <a:satMod val="120000"/>
+                <a:shade val="78000"/>
+              </a:schemeClr>
+            </a:gs>
+          </a:gsLst>
+          <a:lin ang="5400000" scaled="0"/>
+        </a:gradFill>
+      </a:fillStyleLst>
+      <a:lnStyleLst>
+        <a:ln w="6350" cap="flat" cmpd="sng" algn="ctr">
+          <a:solidFill>
+            <a:schemeClr val="phClr"/>
+          </a:solidFill>
+          <a:prstDash val="solid"/>
+          <a:miter lim="800000"/>
+        </a:ln>
+        <a:ln w="12700" cap="flat" cmpd="sng" algn="ctr">
+          <a:solidFill>
+            <a:schemeClr val="phClr"/>
+          </a:solidFill>
+          <a:prstDash val="solid"/>
+          <a:miter lim="800000"/>
+        </a:ln>
+        <a:ln w="19050" cap="flat" cmpd="sng" algn="ctr">
+          <a:solidFill>
+            <a:schemeClr val="phClr"/>
+          </a:solidFill>
+          <a:prstDash val="solid"/>
+          <a:miter lim="800000"/>
+        </a:ln>
+      </a:lnStyleLst>
+      <a:effectStyleLst>
+        <a:effectStyle>
+          <a:effectLst/>
+        </a:effectStyle>
+        <a:effectStyle>
+          <a:effectLst/>
+        </a:effectStyle>
+        <a:effectStyle>
+          <a:effectLst>
+            <a:outerShdw blurRad="57150" dist="19050" dir="5400000" algn="ctr" rotWithShape="0">
+              <a:srgbClr val="000000">
+                <a:alpha val="63000"/>
+              </a:srgbClr>
+            </a:outerShdw>
+          </a:effectLst>
+        </a:effectStyle>
+      </a:effectStyleLst>
+      <a:bgFillStyleLst>
+        <a:solidFill>
+          <a:schemeClr val="phClr"/>
+        </a:solidFill>
+        <a:solidFill>
+          <a:schemeClr val="phClr">
+            <a:tint val="95000"/>
+            <a:satMod val="170000"/>
+          </a:schemeClr>
+        </a:solidFill>
+        <a:gradFill rotWithShape="1">
+          <a:gsLst>
+            <a:gs pos="0">
+              <a:schemeClr val="phClr">
+                <a:tint val="93000"/>
+                <a:satMod val="150000"/>
+                <a:shade val="98000"/>
+                <a:lumMod val="102000"/>
+              </a:schemeClr>
+            </a:gs>
+            <a:gs pos="50000">
+              <a:schemeClr val="phClr">
+                <a:tint val="98000"/>
+                <a:satMod val="130000"/>
+                <a:shade val="90000"/>
+                <a:lumMod val="103000"/>
+              </a:schemeClr>
+            </a:gs>
+            <a:gs pos="100000">
+              <a:schemeClr val="phClr">
+                <a:shade val="63000"/>
+                <a:satMod val="120000"/>
+              </a:schemeClr>
+            </a:gs>
+          </a:gsLst>
+          <a:lin ang="5400000" scaled="0"/>
+        </a:gradFill>
+      </a:bgFillStyleLst>
+    </a:fmtScheme>
+  </a:themeElements>
+  <a:objectDefaults/>
+  <a:extraClrSchemeLst/>
+  <a:extLst>
+    <a:ext uri="{05A4C25C-085E-4340-85A3-A5531E510DB2}">
+      <thm15:themeFamily xmlns:thm15="http://schemas.microsoft.com/office/thememl/2012/main" name="Office Theme" id="{62F939B6-93AF-4DB8-9C6B-D6C7DFDC589F}" vid="{4A3C46E8-61CC-4603-A589-7422A47A8E4A}"/>
+    </a:ext>
+  </a:extLst>
+</a:theme>
 </file>